--- a/docs/Poster/Poster.pptx
+++ b/docs/Poster/Poster.pptx
@@ -141,6 +141,2412 @@
     </a:lvl9pPr>
   </p:defaultTextStyle>
 </p:presentation>
+</file>
+
+<file path=ppt/diagrams/colors1.xml><?xml version="1.0" encoding="utf-8"?>
+<dgm:colorsDef xmlns:dgm="http://schemas.openxmlformats.org/drawingml/2006/diagram" xmlns:a="http://schemas.openxmlformats.org/drawingml/2006/main" uniqueId="urn:microsoft.com/office/officeart/2005/8/colors/accent1_2">
+  <dgm:title val=""/>
+  <dgm:desc val=""/>
+  <dgm:catLst>
+    <dgm:cat type="accent1" pri="11200"/>
+  </dgm:catLst>
+  <dgm:styleLbl name="node0">
+    <dgm:fillClrLst meth="repeat">
+      <a:schemeClr val="accent1"/>
+    </dgm:fillClrLst>
+    <dgm:linClrLst meth="repeat">
+      <a:schemeClr val="lt1"/>
+    </dgm:linClrLst>
+    <dgm:effectClrLst/>
+    <dgm:txLinClrLst/>
+    <dgm:txFillClrLst/>
+    <dgm:txEffectClrLst/>
+  </dgm:styleLbl>
+  <dgm:styleLbl name="alignNode1">
+    <dgm:fillClrLst meth="repeat">
+      <a:schemeClr val="accent1"/>
+    </dgm:fillClrLst>
+    <dgm:linClrLst meth="repeat">
+      <a:schemeClr val="accent1"/>
+    </dgm:linClrLst>
+    <dgm:effectClrLst/>
+    <dgm:txLinClrLst/>
+    <dgm:txFillClrLst/>
+    <dgm:txEffectClrLst/>
+  </dgm:styleLbl>
+  <dgm:styleLbl name="node1">
+    <dgm:fillClrLst meth="repeat">
+      <a:schemeClr val="accent1"/>
+    </dgm:fillClrLst>
+    <dgm:linClrLst meth="repeat">
+      <a:schemeClr val="lt1"/>
+    </dgm:linClrLst>
+    <dgm:effectClrLst/>
+    <dgm:txLinClrLst/>
+    <dgm:txFillClrLst/>
+    <dgm:txEffectClrLst/>
+  </dgm:styleLbl>
+  <dgm:styleLbl name="lnNode1">
+    <dgm:fillClrLst meth="repeat">
+      <a:schemeClr val="accent1"/>
+    </dgm:fillClrLst>
+    <dgm:linClrLst meth="repeat">
+      <a:schemeClr val="lt1"/>
+    </dgm:linClrLst>
+    <dgm:effectClrLst/>
+    <dgm:txLinClrLst/>
+    <dgm:txFillClrLst/>
+    <dgm:txEffectClrLst/>
+  </dgm:styleLbl>
+  <dgm:styleLbl name="vennNode1">
+    <dgm:fillClrLst meth="repeat">
+      <a:schemeClr val="accent1">
+        <a:alpha val="50000"/>
+      </a:schemeClr>
+    </dgm:fillClrLst>
+    <dgm:linClrLst meth="repeat">
+      <a:schemeClr val="lt1"/>
+    </dgm:linClrLst>
+    <dgm:effectClrLst/>
+    <dgm:txLinClrLst/>
+    <dgm:txFillClrLst/>
+    <dgm:txEffectClrLst/>
+  </dgm:styleLbl>
+  <dgm:styleLbl name="node2">
+    <dgm:fillClrLst meth="repeat">
+      <a:schemeClr val="accent1"/>
+    </dgm:fillClrLst>
+    <dgm:linClrLst meth="repeat">
+      <a:schemeClr val="lt1"/>
+    </dgm:linClrLst>
+    <dgm:effectClrLst/>
+    <dgm:txLinClrLst/>
+    <dgm:txFillClrLst/>
+    <dgm:txEffectClrLst/>
+  </dgm:styleLbl>
+  <dgm:styleLbl name="node3">
+    <dgm:fillClrLst meth="repeat">
+      <a:schemeClr val="accent1"/>
+    </dgm:fillClrLst>
+    <dgm:linClrLst meth="repeat">
+      <a:schemeClr val="lt1"/>
+    </dgm:linClrLst>
+    <dgm:effectClrLst/>
+    <dgm:txLinClrLst/>
+    <dgm:txFillClrLst/>
+    <dgm:txEffectClrLst/>
+  </dgm:styleLbl>
+  <dgm:styleLbl name="node4">
+    <dgm:fillClrLst meth="repeat">
+      <a:schemeClr val="accent1"/>
+    </dgm:fillClrLst>
+    <dgm:linClrLst meth="repeat">
+      <a:schemeClr val="lt1"/>
+    </dgm:linClrLst>
+    <dgm:effectClrLst/>
+    <dgm:txLinClrLst/>
+    <dgm:txFillClrLst/>
+    <dgm:txEffectClrLst/>
+  </dgm:styleLbl>
+  <dgm:styleLbl name="fgImgPlace1">
+    <dgm:fillClrLst meth="repeat">
+      <a:schemeClr val="accent1">
+        <a:tint val="50000"/>
+      </a:schemeClr>
+    </dgm:fillClrLst>
+    <dgm:linClrLst meth="repeat">
+      <a:schemeClr val="lt1"/>
+    </dgm:linClrLst>
+    <dgm:effectClrLst/>
+    <dgm:txLinClrLst/>
+    <dgm:txFillClrLst meth="repeat">
+      <a:schemeClr val="lt1"/>
+    </dgm:txFillClrLst>
+    <dgm:txEffectClrLst/>
+  </dgm:styleLbl>
+  <dgm:styleLbl name="alignImgPlace1">
+    <dgm:fillClrLst meth="repeat">
+      <a:schemeClr val="accent1">
+        <a:tint val="50000"/>
+      </a:schemeClr>
+    </dgm:fillClrLst>
+    <dgm:linClrLst meth="repeat">
+      <a:schemeClr val="lt1"/>
+    </dgm:linClrLst>
+    <dgm:effectClrLst/>
+    <dgm:txLinClrLst/>
+    <dgm:txFillClrLst meth="repeat">
+      <a:schemeClr val="lt1"/>
+    </dgm:txFillClrLst>
+    <dgm:txEffectClrLst/>
+  </dgm:styleLbl>
+  <dgm:styleLbl name="bgImgPlace1">
+    <dgm:fillClrLst meth="repeat">
+      <a:schemeClr val="accent1">
+        <a:tint val="50000"/>
+      </a:schemeClr>
+    </dgm:fillClrLst>
+    <dgm:linClrLst meth="repeat">
+      <a:schemeClr val="lt1"/>
+    </dgm:linClrLst>
+    <dgm:effectClrLst/>
+    <dgm:txLinClrLst/>
+    <dgm:txFillClrLst meth="repeat">
+      <a:schemeClr val="lt1"/>
+    </dgm:txFillClrLst>
+    <dgm:txEffectClrLst/>
+  </dgm:styleLbl>
+  <dgm:styleLbl name="sibTrans2D1">
+    <dgm:fillClrLst meth="repeat">
+      <a:schemeClr val="accent1">
+        <a:tint val="60000"/>
+      </a:schemeClr>
+    </dgm:fillClrLst>
+    <dgm:linClrLst meth="repeat">
+      <a:schemeClr val="accent1">
+        <a:tint val="60000"/>
+      </a:schemeClr>
+    </dgm:linClrLst>
+    <dgm:effectClrLst/>
+    <dgm:txLinClrLst/>
+    <dgm:txFillClrLst/>
+    <dgm:txEffectClrLst/>
+  </dgm:styleLbl>
+  <dgm:styleLbl name="fgSibTrans2D1">
+    <dgm:fillClrLst meth="repeat">
+      <a:schemeClr val="accent1">
+        <a:tint val="60000"/>
+      </a:schemeClr>
+    </dgm:fillClrLst>
+    <dgm:linClrLst meth="repeat">
+      <a:schemeClr val="accent1">
+        <a:tint val="60000"/>
+      </a:schemeClr>
+    </dgm:linClrLst>
+    <dgm:effectClrLst/>
+    <dgm:txLinClrLst/>
+    <dgm:txFillClrLst/>
+    <dgm:txEffectClrLst/>
+  </dgm:styleLbl>
+  <dgm:styleLbl name="bgSibTrans2D1">
+    <dgm:fillClrLst meth="repeat">
+      <a:schemeClr val="accent1">
+        <a:tint val="60000"/>
+      </a:schemeClr>
+    </dgm:fillClrLst>
+    <dgm:linClrLst meth="repeat">
+      <a:schemeClr val="accent1">
+        <a:tint val="60000"/>
+      </a:schemeClr>
+    </dgm:linClrLst>
+    <dgm:effectClrLst/>
+    <dgm:txLinClrLst/>
+    <dgm:txFillClrLst/>
+    <dgm:txEffectClrLst/>
+  </dgm:styleLbl>
+  <dgm:styleLbl name="sibTrans1D1">
+    <dgm:fillClrLst meth="repeat">
+      <a:schemeClr val="accent1"/>
+    </dgm:fillClrLst>
+    <dgm:linClrLst meth="repeat">
+      <a:schemeClr val="accent1"/>
+    </dgm:linClrLst>
+    <dgm:effectClrLst/>
+    <dgm:txLinClrLst/>
+    <dgm:txFillClrLst meth="repeat">
+      <a:schemeClr val="tx1"/>
+    </dgm:txFillClrLst>
+    <dgm:txEffectClrLst/>
+  </dgm:styleLbl>
+  <dgm:styleLbl name="callout">
+    <dgm:fillClrLst meth="repeat">
+      <a:schemeClr val="accent1"/>
+    </dgm:fillClrLst>
+    <dgm:linClrLst meth="repeat">
+      <a:schemeClr val="accent1">
+        <a:tint val="50000"/>
+      </a:schemeClr>
+    </dgm:linClrLst>
+    <dgm:effectClrLst/>
+    <dgm:txLinClrLst/>
+    <dgm:txFillClrLst meth="repeat">
+      <a:schemeClr val="tx1"/>
+    </dgm:txFillClrLst>
+    <dgm:txEffectClrLst/>
+  </dgm:styleLbl>
+  <dgm:styleLbl name="asst0">
+    <dgm:fillClrLst meth="repeat">
+      <a:schemeClr val="accent1"/>
+    </dgm:fillClrLst>
+    <dgm:linClrLst meth="repeat">
+      <a:schemeClr val="lt1"/>
+    </dgm:linClrLst>
+    <dgm:effectClrLst/>
+    <dgm:txLinClrLst/>
+    <dgm:txFillClrLst/>
+    <dgm:txEffectClrLst/>
+  </dgm:styleLbl>
+  <dgm:styleLbl name="asst1">
+    <dgm:fillClrLst meth="repeat">
+      <a:schemeClr val="accent1"/>
+    </dgm:fillClrLst>
+    <dgm:linClrLst meth="repeat">
+      <a:schemeClr val="lt1"/>
+    </dgm:linClrLst>
+    <dgm:effectClrLst/>
+    <dgm:txLinClrLst/>
+    <dgm:txFillClrLst/>
+    <dgm:txEffectClrLst/>
+  </dgm:styleLbl>
+  <dgm:styleLbl name="asst2">
+    <dgm:fillClrLst meth="repeat">
+      <a:schemeClr val="accent1"/>
+    </dgm:fillClrLst>
+    <dgm:linClrLst meth="repeat">
+      <a:schemeClr val="lt1"/>
+    </dgm:linClrLst>
+    <dgm:effectClrLst/>
+    <dgm:txLinClrLst/>
+    <dgm:txFillClrLst/>
+    <dgm:txEffectClrLst/>
+  </dgm:styleLbl>
+  <dgm:styleLbl name="asst3">
+    <dgm:fillClrLst meth="repeat">
+      <a:schemeClr val="accent1"/>
+    </dgm:fillClrLst>
+    <dgm:linClrLst meth="repeat">
+      <a:schemeClr val="lt1"/>
+    </dgm:linClrLst>
+    <dgm:effectClrLst/>
+    <dgm:txLinClrLst/>
+    <dgm:txFillClrLst/>
+    <dgm:txEffectClrLst/>
+  </dgm:styleLbl>
+  <dgm:styleLbl name="asst4">
+    <dgm:fillClrLst meth="repeat">
+      <a:schemeClr val="accent1"/>
+    </dgm:fillClrLst>
+    <dgm:linClrLst meth="repeat">
+      <a:schemeClr val="lt1"/>
+    </dgm:linClrLst>
+    <dgm:effectClrLst/>
+    <dgm:txLinClrLst/>
+    <dgm:txFillClrLst/>
+    <dgm:txEffectClrLst/>
+  </dgm:styleLbl>
+  <dgm:styleLbl name="parChTrans2D1">
+    <dgm:fillClrLst meth="repeat">
+      <a:schemeClr val="accent1">
+        <a:tint val="60000"/>
+      </a:schemeClr>
+    </dgm:fillClrLst>
+    <dgm:linClrLst meth="repeat">
+      <a:schemeClr val="accent1">
+        <a:tint val="60000"/>
+      </a:schemeClr>
+    </dgm:linClrLst>
+    <dgm:effectClrLst/>
+    <dgm:txLinClrLst/>
+    <dgm:txFillClrLst meth="repeat">
+      <a:schemeClr val="lt1"/>
+    </dgm:txFillClrLst>
+    <dgm:txEffectClrLst/>
+  </dgm:styleLbl>
+  <dgm:styleLbl name="parChTrans2D2">
+    <dgm:fillClrLst meth="repeat">
+      <a:schemeClr val="accent1"/>
+    </dgm:fillClrLst>
+    <dgm:linClrLst meth="repeat">
+      <a:schemeClr val="accent1"/>
+    </dgm:linClrLst>
+    <dgm:effectClrLst/>
+    <dgm:txLinClrLst/>
+    <dgm:txFillClrLst meth="repeat">
+      <a:schemeClr val="lt1"/>
+    </dgm:txFillClrLst>
+    <dgm:txEffectClrLst/>
+  </dgm:styleLbl>
+  <dgm:styleLbl name="parChTrans2D3">
+    <dgm:fillClrLst meth="repeat">
+      <a:schemeClr val="accent1"/>
+    </dgm:fillClrLst>
+    <dgm:linClrLst meth="repeat">
+      <a:schemeClr val="accent1"/>
+    </dgm:linClrLst>
+    <dgm:effectClrLst/>
+    <dgm:txLinClrLst/>
+    <dgm:txFillClrLst meth="repeat">
+      <a:schemeClr val="lt1"/>
+    </dgm:txFillClrLst>
+    <dgm:txEffectClrLst/>
+  </dgm:styleLbl>
+  <dgm:styleLbl name="parChTrans2D4">
+    <dgm:fillClrLst meth="repeat">
+      <a:schemeClr val="accent1"/>
+    </dgm:fillClrLst>
+    <dgm:linClrLst meth="repeat">
+      <a:schemeClr val="accent1"/>
+    </dgm:linClrLst>
+    <dgm:effectClrLst/>
+    <dgm:txLinClrLst/>
+    <dgm:txFillClrLst meth="repeat">
+      <a:schemeClr val="lt1"/>
+    </dgm:txFillClrLst>
+    <dgm:txEffectClrLst/>
+  </dgm:styleLbl>
+  <dgm:styleLbl name="parChTrans1D1">
+    <dgm:fillClrLst meth="repeat">
+      <a:schemeClr val="accent1"/>
+    </dgm:fillClrLst>
+    <dgm:linClrLst meth="repeat">
+      <a:schemeClr val="accent1">
+        <a:shade val="60000"/>
+      </a:schemeClr>
+    </dgm:linClrLst>
+    <dgm:effectClrLst/>
+    <dgm:txLinClrLst/>
+    <dgm:txFillClrLst meth="repeat">
+      <a:schemeClr val="tx1"/>
+    </dgm:txFillClrLst>
+    <dgm:txEffectClrLst/>
+  </dgm:styleLbl>
+  <dgm:styleLbl name="parChTrans1D2">
+    <dgm:fillClrLst meth="repeat">
+      <a:schemeClr val="accent1"/>
+    </dgm:fillClrLst>
+    <dgm:linClrLst meth="repeat">
+      <a:schemeClr val="accent1">
+        <a:shade val="60000"/>
+      </a:schemeClr>
+    </dgm:linClrLst>
+    <dgm:effectClrLst/>
+    <dgm:txLinClrLst/>
+    <dgm:txFillClrLst meth="repeat">
+      <a:schemeClr val="tx1"/>
+    </dgm:txFillClrLst>
+    <dgm:txEffectClrLst/>
+  </dgm:styleLbl>
+  <dgm:styleLbl name="parChTrans1D3">
+    <dgm:fillClrLst meth="repeat">
+      <a:schemeClr val="accent1"/>
+    </dgm:fillClrLst>
+    <dgm:linClrLst meth="repeat">
+      <a:schemeClr val="accent1">
+        <a:shade val="80000"/>
+      </a:schemeClr>
+    </dgm:linClrLst>
+    <dgm:effectClrLst/>
+    <dgm:txLinClrLst/>
+    <dgm:txFillClrLst meth="repeat">
+      <a:schemeClr val="tx1"/>
+    </dgm:txFillClrLst>
+    <dgm:txEffectClrLst/>
+  </dgm:styleLbl>
+  <dgm:styleLbl name="parChTrans1D4">
+    <dgm:fillClrLst meth="repeat">
+      <a:schemeClr val="accent1"/>
+    </dgm:fillClrLst>
+    <dgm:linClrLst meth="repeat">
+      <a:schemeClr val="accent1">
+        <a:shade val="80000"/>
+      </a:schemeClr>
+    </dgm:linClrLst>
+    <dgm:effectClrLst/>
+    <dgm:txLinClrLst/>
+    <dgm:txFillClrLst meth="repeat">
+      <a:schemeClr val="tx1"/>
+    </dgm:txFillClrLst>
+    <dgm:txEffectClrLst/>
+  </dgm:styleLbl>
+  <dgm:styleLbl name="fgAcc1">
+    <dgm:fillClrLst meth="repeat">
+      <a:schemeClr val="lt1">
+        <a:alpha val="90000"/>
+      </a:schemeClr>
+    </dgm:fillClrLst>
+    <dgm:linClrLst meth="repeat">
+      <a:schemeClr val="accent1"/>
+    </dgm:linClrLst>
+    <dgm:effectClrLst/>
+    <dgm:txLinClrLst/>
+    <dgm:txFillClrLst meth="repeat">
+      <a:schemeClr val="dk1"/>
+    </dgm:txFillClrLst>
+    <dgm:txEffectClrLst/>
+  </dgm:styleLbl>
+  <dgm:styleLbl name="conFgAcc1">
+    <dgm:fillClrLst meth="repeat">
+      <a:schemeClr val="lt1">
+        <a:alpha val="90000"/>
+      </a:schemeClr>
+    </dgm:fillClrLst>
+    <dgm:linClrLst meth="repeat">
+      <a:schemeClr val="accent1"/>
+    </dgm:linClrLst>
+    <dgm:effectClrLst/>
+    <dgm:txLinClrLst/>
+    <dgm:txFillClrLst meth="repeat">
+      <a:schemeClr val="dk1"/>
+    </dgm:txFillClrLst>
+    <dgm:txEffectClrLst/>
+  </dgm:styleLbl>
+  <dgm:styleLbl name="alignAcc1">
+    <dgm:fillClrLst meth="repeat">
+      <a:schemeClr val="lt1">
+        <a:alpha val="90000"/>
+      </a:schemeClr>
+    </dgm:fillClrLst>
+    <dgm:linClrLst meth="repeat">
+      <a:schemeClr val="accent1"/>
+    </dgm:linClrLst>
+    <dgm:effectClrLst/>
+    <dgm:txLinClrLst/>
+    <dgm:txFillClrLst meth="repeat">
+      <a:schemeClr val="dk1"/>
+    </dgm:txFillClrLst>
+    <dgm:txEffectClrLst/>
+  </dgm:styleLbl>
+  <dgm:styleLbl name="trAlignAcc1">
+    <dgm:fillClrLst meth="repeat">
+      <a:schemeClr val="lt1">
+        <a:alpha val="40000"/>
+      </a:schemeClr>
+    </dgm:fillClrLst>
+    <dgm:linClrLst meth="repeat">
+      <a:schemeClr val="accent1"/>
+    </dgm:linClrLst>
+    <dgm:effectClrLst/>
+    <dgm:txLinClrLst/>
+    <dgm:txFillClrLst meth="repeat">
+      <a:schemeClr val="dk1"/>
+    </dgm:txFillClrLst>
+    <dgm:txEffectClrLst/>
+  </dgm:styleLbl>
+  <dgm:styleLbl name="bgAcc1">
+    <dgm:fillClrLst meth="repeat">
+      <a:schemeClr val="lt1">
+        <a:alpha val="90000"/>
+      </a:schemeClr>
+    </dgm:fillClrLst>
+    <dgm:linClrLst meth="repeat">
+      <a:schemeClr val="accent1"/>
+    </dgm:linClrLst>
+    <dgm:effectClrLst/>
+    <dgm:txLinClrLst/>
+    <dgm:txFillClrLst meth="repeat">
+      <a:schemeClr val="dk1"/>
+    </dgm:txFillClrLst>
+    <dgm:txEffectClrLst/>
+  </dgm:styleLbl>
+  <dgm:styleLbl name="solidFgAcc1">
+    <dgm:fillClrLst meth="repeat">
+      <a:schemeClr val="lt1"/>
+    </dgm:fillClrLst>
+    <dgm:linClrLst meth="repeat">
+      <a:schemeClr val="accent1"/>
+    </dgm:linClrLst>
+    <dgm:effectClrLst/>
+    <dgm:txLinClrLst/>
+    <dgm:txFillClrLst meth="repeat">
+      <a:schemeClr val="dk1"/>
+    </dgm:txFillClrLst>
+    <dgm:txEffectClrLst/>
+  </dgm:styleLbl>
+  <dgm:styleLbl name="solidAlignAcc1">
+    <dgm:fillClrLst meth="repeat">
+      <a:schemeClr val="lt1"/>
+    </dgm:fillClrLst>
+    <dgm:linClrLst meth="repeat">
+      <a:schemeClr val="accent1"/>
+    </dgm:linClrLst>
+    <dgm:effectClrLst/>
+    <dgm:txLinClrLst/>
+    <dgm:txFillClrLst meth="repeat">
+      <a:schemeClr val="dk1"/>
+    </dgm:txFillClrLst>
+    <dgm:txEffectClrLst/>
+  </dgm:styleLbl>
+  <dgm:styleLbl name="solidBgAcc1">
+    <dgm:fillClrLst meth="repeat">
+      <a:schemeClr val="lt1"/>
+    </dgm:fillClrLst>
+    <dgm:linClrLst meth="repeat">
+      <a:schemeClr val="accent1"/>
+    </dgm:linClrLst>
+    <dgm:effectClrLst/>
+    <dgm:txLinClrLst/>
+    <dgm:txFillClrLst meth="repeat">
+      <a:schemeClr val="dk1"/>
+    </dgm:txFillClrLst>
+    <dgm:txEffectClrLst/>
+  </dgm:styleLbl>
+  <dgm:styleLbl name="fgAccFollowNode1">
+    <dgm:fillClrLst meth="repeat">
+      <a:schemeClr val="accent1">
+        <a:alpha val="90000"/>
+        <a:tint val="40000"/>
+      </a:schemeClr>
+    </dgm:fillClrLst>
+    <dgm:linClrLst meth="repeat">
+      <a:schemeClr val="accent1">
+        <a:alpha val="90000"/>
+        <a:tint val="40000"/>
+      </a:schemeClr>
+    </dgm:linClrLst>
+    <dgm:effectClrLst/>
+    <dgm:txLinClrLst/>
+    <dgm:txFillClrLst meth="repeat">
+      <a:schemeClr val="dk1"/>
+    </dgm:txFillClrLst>
+    <dgm:txEffectClrLst/>
+  </dgm:styleLbl>
+  <dgm:styleLbl name="alignAccFollowNode1">
+    <dgm:fillClrLst meth="repeat">
+      <a:schemeClr val="accent1">
+        <a:alpha val="90000"/>
+        <a:tint val="40000"/>
+      </a:schemeClr>
+    </dgm:fillClrLst>
+    <dgm:linClrLst meth="repeat">
+      <a:schemeClr val="accent1">
+        <a:alpha val="90000"/>
+        <a:tint val="40000"/>
+      </a:schemeClr>
+    </dgm:linClrLst>
+    <dgm:effectClrLst/>
+    <dgm:txLinClrLst/>
+    <dgm:txFillClrLst meth="repeat">
+      <a:schemeClr val="dk1"/>
+    </dgm:txFillClrLst>
+    <dgm:txEffectClrLst/>
+  </dgm:styleLbl>
+  <dgm:styleLbl name="bgAccFollowNode1">
+    <dgm:fillClrLst meth="repeat">
+      <a:schemeClr val="accent1">
+        <a:alpha val="90000"/>
+        <a:tint val="40000"/>
+      </a:schemeClr>
+    </dgm:fillClrLst>
+    <dgm:linClrLst meth="repeat">
+      <a:schemeClr val="accent1">
+        <a:alpha val="90000"/>
+        <a:tint val="40000"/>
+      </a:schemeClr>
+    </dgm:linClrLst>
+    <dgm:effectClrLst/>
+    <dgm:txLinClrLst/>
+    <dgm:txFillClrLst meth="repeat">
+      <a:schemeClr val="dk1"/>
+    </dgm:txFillClrLst>
+    <dgm:txEffectClrLst/>
+  </dgm:styleLbl>
+  <dgm:styleLbl name="fgAcc0">
+    <dgm:fillClrLst meth="repeat">
+      <a:schemeClr val="lt1">
+        <a:alpha val="90000"/>
+      </a:schemeClr>
+    </dgm:fillClrLst>
+    <dgm:linClrLst meth="repeat">
+      <a:schemeClr val="accent1"/>
+    </dgm:linClrLst>
+    <dgm:effectClrLst/>
+    <dgm:txLinClrLst/>
+    <dgm:txFillClrLst meth="repeat">
+      <a:schemeClr val="dk1"/>
+    </dgm:txFillClrLst>
+    <dgm:txEffectClrLst/>
+  </dgm:styleLbl>
+  <dgm:styleLbl name="fgAcc2">
+    <dgm:fillClrLst meth="repeat">
+      <a:schemeClr val="lt1">
+        <a:alpha val="90000"/>
+      </a:schemeClr>
+    </dgm:fillClrLst>
+    <dgm:linClrLst meth="repeat">
+      <a:schemeClr val="accent1"/>
+    </dgm:linClrLst>
+    <dgm:effectClrLst/>
+    <dgm:txLinClrLst/>
+    <dgm:txFillClrLst meth="repeat">
+      <a:schemeClr val="dk1"/>
+    </dgm:txFillClrLst>
+    <dgm:txEffectClrLst/>
+  </dgm:styleLbl>
+  <dgm:styleLbl name="fgAcc3">
+    <dgm:fillClrLst meth="repeat">
+      <a:schemeClr val="lt1">
+        <a:alpha val="90000"/>
+      </a:schemeClr>
+    </dgm:fillClrLst>
+    <dgm:linClrLst meth="repeat">
+      <a:schemeClr val="accent1"/>
+    </dgm:linClrLst>
+    <dgm:effectClrLst/>
+    <dgm:txLinClrLst/>
+    <dgm:txFillClrLst meth="repeat">
+      <a:schemeClr val="dk1"/>
+    </dgm:txFillClrLst>
+    <dgm:txEffectClrLst/>
+  </dgm:styleLbl>
+  <dgm:styleLbl name="fgAcc4">
+    <dgm:fillClrLst meth="repeat">
+      <a:schemeClr val="lt1">
+        <a:alpha val="90000"/>
+      </a:schemeClr>
+    </dgm:fillClrLst>
+    <dgm:linClrLst meth="repeat">
+      <a:schemeClr val="accent1"/>
+    </dgm:linClrLst>
+    <dgm:effectClrLst/>
+    <dgm:txLinClrLst/>
+    <dgm:txFillClrLst meth="repeat">
+      <a:schemeClr val="dk1"/>
+    </dgm:txFillClrLst>
+    <dgm:txEffectClrLst/>
+  </dgm:styleLbl>
+  <dgm:styleLbl name="bgShp">
+    <dgm:fillClrLst meth="repeat">
+      <a:schemeClr val="accent1">
+        <a:tint val="40000"/>
+      </a:schemeClr>
+    </dgm:fillClrLst>
+    <dgm:linClrLst meth="repeat">
+      <a:schemeClr val="accent1"/>
+    </dgm:linClrLst>
+    <dgm:effectClrLst/>
+    <dgm:txLinClrLst/>
+    <dgm:txFillClrLst meth="repeat">
+      <a:schemeClr val="dk1"/>
+    </dgm:txFillClrLst>
+    <dgm:txEffectClrLst/>
+  </dgm:styleLbl>
+  <dgm:styleLbl name="dkBgShp">
+    <dgm:fillClrLst meth="repeat">
+      <a:schemeClr val="accent1">
+        <a:shade val="80000"/>
+      </a:schemeClr>
+    </dgm:fillClrLst>
+    <dgm:linClrLst meth="repeat">
+      <a:schemeClr val="accent1"/>
+    </dgm:linClrLst>
+    <dgm:effectClrLst/>
+    <dgm:txLinClrLst/>
+    <dgm:txFillClrLst meth="repeat">
+      <a:schemeClr val="lt1"/>
+    </dgm:txFillClrLst>
+    <dgm:txEffectClrLst/>
+  </dgm:styleLbl>
+  <dgm:styleLbl name="trBgShp">
+    <dgm:fillClrLst meth="repeat">
+      <a:schemeClr val="accent1">
+        <a:tint val="50000"/>
+        <a:alpha val="40000"/>
+      </a:schemeClr>
+    </dgm:fillClrLst>
+    <dgm:linClrLst meth="repeat">
+      <a:schemeClr val="accent1"/>
+    </dgm:linClrLst>
+    <dgm:effectClrLst/>
+    <dgm:txLinClrLst/>
+    <dgm:txFillClrLst meth="repeat">
+      <a:schemeClr val="lt1"/>
+    </dgm:txFillClrLst>
+    <dgm:txEffectClrLst/>
+  </dgm:styleLbl>
+  <dgm:styleLbl name="fgShp">
+    <dgm:fillClrLst meth="repeat">
+      <a:schemeClr val="accent1">
+        <a:tint val="60000"/>
+      </a:schemeClr>
+    </dgm:fillClrLst>
+    <dgm:linClrLst meth="repeat">
+      <a:schemeClr val="lt1"/>
+    </dgm:linClrLst>
+    <dgm:effectClrLst/>
+    <dgm:txLinClrLst/>
+    <dgm:txFillClrLst meth="repeat">
+      <a:schemeClr val="dk1"/>
+    </dgm:txFillClrLst>
+    <dgm:txEffectClrLst/>
+  </dgm:styleLbl>
+  <dgm:styleLbl name="revTx">
+    <dgm:fillClrLst meth="repeat">
+      <a:schemeClr val="lt1">
+        <a:alpha val="0"/>
+      </a:schemeClr>
+    </dgm:fillClrLst>
+    <dgm:linClrLst meth="repeat">
+      <a:schemeClr val="dk1">
+        <a:alpha val="0"/>
+      </a:schemeClr>
+    </dgm:linClrLst>
+    <dgm:effectClrLst/>
+    <dgm:txLinClrLst/>
+    <dgm:txFillClrLst meth="repeat">
+      <a:schemeClr val="tx1"/>
+    </dgm:txFillClrLst>
+    <dgm:txEffectClrLst/>
+  </dgm:styleLbl>
+</dgm:colorsDef>
+</file>
+
+<file path=ppt/diagrams/data1.xml><?xml version="1.0" encoding="utf-8"?>
+<dgm:dataModel xmlns:dgm="http://schemas.openxmlformats.org/drawingml/2006/diagram" xmlns:a="http://schemas.openxmlformats.org/drawingml/2006/main">
+  <dgm:ptLst>
+    <dgm:pt modelId="{96818FA0-1682-41EE-9104-C714E28B2491}" type="doc">
+      <dgm:prSet loTypeId="urn:microsoft.com/office/officeart/2005/8/layout/vList2" loCatId="list" qsTypeId="urn:microsoft.com/office/officeart/2005/8/quickstyle/simple1" qsCatId="simple" csTypeId="urn:microsoft.com/office/officeart/2005/8/colors/accent1_2" csCatId="accent1" phldr="1"/>
+      <dgm:spPr/>
+      <dgm:t>
+        <a:bodyPr/>
+        <a:lstStyle/>
+        <a:p>
+          <a:endParaRPr lang="en-AU"/>
+        </a:p>
+      </dgm:t>
+    </dgm:pt>
+    <dgm:pt modelId="{C8C58F3F-3312-4FA9-B94D-E18DB392C7CA}">
+      <dgm:prSet phldrT="[Text]" custT="1"/>
+      <dgm:spPr/>
+      <dgm:t>
+        <a:bodyPr/>
+        <a:lstStyle/>
+        <a:p>
+          <a:r>
+            <a:rPr lang="en-AU" sz="4400" dirty="0" smtClean="0"/>
+            <a:t>Trivial composition of modules</a:t>
+          </a:r>
+          <a:endParaRPr lang="en-AU" sz="4400" dirty="0"/>
+        </a:p>
+      </dgm:t>
+    </dgm:pt>
+    <dgm:pt modelId="{87CAFEDF-0506-400F-956E-D5B62F797F8A}" type="parTrans" cxnId="{A0CF120B-ACB6-4EAD-A385-707DAB039FE4}">
+      <dgm:prSet/>
+      <dgm:spPr/>
+      <dgm:t>
+        <a:bodyPr/>
+        <a:lstStyle/>
+        <a:p>
+          <a:endParaRPr lang="en-AU"/>
+        </a:p>
+      </dgm:t>
+    </dgm:pt>
+    <dgm:pt modelId="{A0DE9D5B-C0BB-49DA-98CB-78FF20230FCD}" type="sibTrans" cxnId="{A0CF120B-ACB6-4EAD-A385-707DAB039FE4}">
+      <dgm:prSet/>
+      <dgm:spPr/>
+      <dgm:t>
+        <a:bodyPr/>
+        <a:lstStyle/>
+        <a:p>
+          <a:endParaRPr lang="en-AU"/>
+        </a:p>
+      </dgm:t>
+    </dgm:pt>
+    <dgm:pt modelId="{29F3C2E9-6CDE-487A-8E78-6B6D759A24A6}">
+      <dgm:prSet phldrT="[Text]" custT="1"/>
+      <dgm:spPr/>
+      <dgm:t>
+        <a:bodyPr/>
+        <a:lstStyle/>
+        <a:p>
+          <a:r>
+            <a:rPr lang="en-AU" sz="4400" dirty="0" smtClean="0"/>
+            <a:t>Compatible with existing Haskell compilers</a:t>
+          </a:r>
+          <a:endParaRPr lang="en-AU" sz="4400" dirty="0"/>
+        </a:p>
+      </dgm:t>
+    </dgm:pt>
+    <dgm:pt modelId="{BE42E21B-FC3F-4C32-9CC7-2FD348C5BD2E}" type="parTrans" cxnId="{96FCD530-A424-4280-8494-7FA9C6F715B0}">
+      <dgm:prSet/>
+      <dgm:spPr/>
+      <dgm:t>
+        <a:bodyPr/>
+        <a:lstStyle/>
+        <a:p>
+          <a:endParaRPr lang="en-AU"/>
+        </a:p>
+      </dgm:t>
+    </dgm:pt>
+    <dgm:pt modelId="{8EE3D4DA-7F14-4743-8A70-A0DC1B8CA11D}" type="sibTrans" cxnId="{96FCD530-A424-4280-8494-7FA9C6F715B0}">
+      <dgm:prSet/>
+      <dgm:spPr/>
+      <dgm:t>
+        <a:bodyPr/>
+        <a:lstStyle/>
+        <a:p>
+          <a:endParaRPr lang="en-AU"/>
+        </a:p>
+      </dgm:t>
+    </dgm:pt>
+    <dgm:pt modelId="{811C1C0D-A356-45A8-813F-3D27133E6179}">
+      <dgm:prSet phldrT="[Text]" custT="1"/>
+      <dgm:spPr/>
+      <dgm:t>
+        <a:bodyPr/>
+        <a:lstStyle/>
+        <a:p>
+          <a:r>
+            <a:rPr lang="en-AU" sz="4400" dirty="0" smtClean="0"/>
+            <a:t>Easily tuned N-degree parallelization</a:t>
+          </a:r>
+          <a:endParaRPr lang="en-AU" sz="4400" dirty="0"/>
+        </a:p>
+      </dgm:t>
+    </dgm:pt>
+    <dgm:pt modelId="{119333D6-C902-4B86-8E4D-2F0E605D774A}" type="parTrans" cxnId="{2C16790F-E86E-4596-94FD-C3DE1B7AAC5E}">
+      <dgm:prSet/>
+      <dgm:spPr/>
+      <dgm:t>
+        <a:bodyPr/>
+        <a:lstStyle/>
+        <a:p>
+          <a:endParaRPr lang="en-AU"/>
+        </a:p>
+      </dgm:t>
+    </dgm:pt>
+    <dgm:pt modelId="{0F8F1EDA-12B6-48C6-8214-946794012053}" type="sibTrans" cxnId="{2C16790F-E86E-4596-94FD-C3DE1B7AAC5E}">
+      <dgm:prSet/>
+      <dgm:spPr/>
+      <dgm:t>
+        <a:bodyPr/>
+        <a:lstStyle/>
+        <a:p>
+          <a:endParaRPr lang="en-AU"/>
+        </a:p>
+      </dgm:t>
+    </dgm:pt>
+    <dgm:pt modelId="{92F3A8C4-8FCC-4F59-AA9D-F2C92468DF36}" type="pres">
+      <dgm:prSet presAssocID="{96818FA0-1682-41EE-9104-C714E28B2491}" presName="linear" presStyleCnt="0">
+        <dgm:presLayoutVars>
+          <dgm:animLvl val="lvl"/>
+          <dgm:resizeHandles val="exact"/>
+        </dgm:presLayoutVars>
+      </dgm:prSet>
+      <dgm:spPr/>
+    </dgm:pt>
+    <dgm:pt modelId="{F2B3F694-86D6-4655-AE63-21BE05369D5D}" type="pres">
+      <dgm:prSet presAssocID="{C8C58F3F-3312-4FA9-B94D-E18DB392C7CA}" presName="parentText" presStyleLbl="node1" presStyleIdx="0" presStyleCnt="3">
+        <dgm:presLayoutVars>
+          <dgm:chMax val="0"/>
+          <dgm:bulletEnabled val="1"/>
+        </dgm:presLayoutVars>
+      </dgm:prSet>
+      <dgm:spPr/>
+      <dgm:t>
+        <a:bodyPr/>
+        <a:lstStyle/>
+        <a:p>
+          <a:endParaRPr lang="en-AU"/>
+        </a:p>
+      </dgm:t>
+    </dgm:pt>
+    <dgm:pt modelId="{4756DE4C-C311-434A-BBCC-4A5A9739AEAF}" type="pres">
+      <dgm:prSet presAssocID="{A0DE9D5B-C0BB-49DA-98CB-78FF20230FCD}" presName="spacer" presStyleCnt="0"/>
+      <dgm:spPr/>
+    </dgm:pt>
+    <dgm:pt modelId="{1C125B46-E965-425E-8F17-D52C487320A3}" type="pres">
+      <dgm:prSet presAssocID="{29F3C2E9-6CDE-487A-8E78-6B6D759A24A6}" presName="parentText" presStyleLbl="node1" presStyleIdx="1" presStyleCnt="3">
+        <dgm:presLayoutVars>
+          <dgm:chMax val="0"/>
+          <dgm:bulletEnabled val="1"/>
+        </dgm:presLayoutVars>
+      </dgm:prSet>
+      <dgm:spPr/>
+      <dgm:t>
+        <a:bodyPr/>
+        <a:lstStyle/>
+        <a:p>
+          <a:endParaRPr lang="en-AU"/>
+        </a:p>
+      </dgm:t>
+    </dgm:pt>
+    <dgm:pt modelId="{E55A33A7-F353-4D5C-9367-515AE2143180}" type="pres">
+      <dgm:prSet presAssocID="{8EE3D4DA-7F14-4743-8A70-A0DC1B8CA11D}" presName="spacer" presStyleCnt="0"/>
+      <dgm:spPr/>
+    </dgm:pt>
+    <dgm:pt modelId="{3C43C10B-2CD4-483E-B3DE-A5AABDBD4587}" type="pres">
+      <dgm:prSet presAssocID="{811C1C0D-A356-45A8-813F-3D27133E6179}" presName="parentText" presStyleLbl="node1" presStyleIdx="2" presStyleCnt="3">
+        <dgm:presLayoutVars>
+          <dgm:chMax val="0"/>
+          <dgm:bulletEnabled val="1"/>
+        </dgm:presLayoutVars>
+      </dgm:prSet>
+      <dgm:spPr/>
+      <dgm:t>
+        <a:bodyPr/>
+        <a:lstStyle/>
+        <a:p>
+          <a:endParaRPr lang="en-AU"/>
+        </a:p>
+      </dgm:t>
+    </dgm:pt>
+  </dgm:ptLst>
+  <dgm:cxnLst>
+    <dgm:cxn modelId="{4DC2516A-7C76-4AFB-ADF5-C95F8A9F0C4B}" type="presOf" srcId="{811C1C0D-A356-45A8-813F-3D27133E6179}" destId="{3C43C10B-2CD4-483E-B3DE-A5AABDBD4587}" srcOrd="0" destOrd="0" presId="urn:microsoft.com/office/officeart/2005/8/layout/vList2"/>
+    <dgm:cxn modelId="{A0CF120B-ACB6-4EAD-A385-707DAB039FE4}" srcId="{96818FA0-1682-41EE-9104-C714E28B2491}" destId="{C8C58F3F-3312-4FA9-B94D-E18DB392C7CA}" srcOrd="0" destOrd="0" parTransId="{87CAFEDF-0506-400F-956E-D5B62F797F8A}" sibTransId="{A0DE9D5B-C0BB-49DA-98CB-78FF20230FCD}"/>
+    <dgm:cxn modelId="{96FCD530-A424-4280-8494-7FA9C6F715B0}" srcId="{96818FA0-1682-41EE-9104-C714E28B2491}" destId="{29F3C2E9-6CDE-487A-8E78-6B6D759A24A6}" srcOrd="1" destOrd="0" parTransId="{BE42E21B-FC3F-4C32-9CC7-2FD348C5BD2E}" sibTransId="{8EE3D4DA-7F14-4743-8A70-A0DC1B8CA11D}"/>
+    <dgm:cxn modelId="{93C37FEE-6658-4FA3-8EA8-E13E0A5A748C}" type="presOf" srcId="{C8C58F3F-3312-4FA9-B94D-E18DB392C7CA}" destId="{F2B3F694-86D6-4655-AE63-21BE05369D5D}" srcOrd="0" destOrd="0" presId="urn:microsoft.com/office/officeart/2005/8/layout/vList2"/>
+    <dgm:cxn modelId="{03C1B9D4-EB8B-48DF-BAD1-F74B15FB59A3}" type="presOf" srcId="{96818FA0-1682-41EE-9104-C714E28B2491}" destId="{92F3A8C4-8FCC-4F59-AA9D-F2C92468DF36}" srcOrd="0" destOrd="0" presId="urn:microsoft.com/office/officeart/2005/8/layout/vList2"/>
+    <dgm:cxn modelId="{2C16790F-E86E-4596-94FD-C3DE1B7AAC5E}" srcId="{96818FA0-1682-41EE-9104-C714E28B2491}" destId="{811C1C0D-A356-45A8-813F-3D27133E6179}" srcOrd="2" destOrd="0" parTransId="{119333D6-C902-4B86-8E4D-2F0E605D774A}" sibTransId="{0F8F1EDA-12B6-48C6-8214-946794012053}"/>
+    <dgm:cxn modelId="{C4E48BD1-8950-4701-A092-C58310D5A813}" type="presOf" srcId="{29F3C2E9-6CDE-487A-8E78-6B6D759A24A6}" destId="{1C125B46-E965-425E-8F17-D52C487320A3}" srcOrd="0" destOrd="0" presId="urn:microsoft.com/office/officeart/2005/8/layout/vList2"/>
+    <dgm:cxn modelId="{A5107A93-194D-4722-9B63-8EE43525BF19}" type="presParOf" srcId="{92F3A8C4-8FCC-4F59-AA9D-F2C92468DF36}" destId="{F2B3F694-86D6-4655-AE63-21BE05369D5D}" srcOrd="0" destOrd="0" presId="urn:microsoft.com/office/officeart/2005/8/layout/vList2"/>
+    <dgm:cxn modelId="{91F70538-998E-4E8F-8DCE-3ACCA1619F94}" type="presParOf" srcId="{92F3A8C4-8FCC-4F59-AA9D-F2C92468DF36}" destId="{4756DE4C-C311-434A-BBCC-4A5A9739AEAF}" srcOrd="1" destOrd="0" presId="urn:microsoft.com/office/officeart/2005/8/layout/vList2"/>
+    <dgm:cxn modelId="{21579F76-3BD0-4C66-B36B-869B365CEAD3}" type="presParOf" srcId="{92F3A8C4-8FCC-4F59-AA9D-F2C92468DF36}" destId="{1C125B46-E965-425E-8F17-D52C487320A3}" srcOrd="2" destOrd="0" presId="urn:microsoft.com/office/officeart/2005/8/layout/vList2"/>
+    <dgm:cxn modelId="{EE0D6DEB-2AE4-4BEF-9B36-E53E50AA4A27}" type="presParOf" srcId="{92F3A8C4-8FCC-4F59-AA9D-F2C92468DF36}" destId="{E55A33A7-F353-4D5C-9367-515AE2143180}" srcOrd="3" destOrd="0" presId="urn:microsoft.com/office/officeart/2005/8/layout/vList2"/>
+    <dgm:cxn modelId="{1926DFC1-AF66-4A3F-B4EA-3E8CE086425E}" type="presParOf" srcId="{92F3A8C4-8FCC-4F59-AA9D-F2C92468DF36}" destId="{3C43C10B-2CD4-483E-B3DE-A5AABDBD4587}" srcOrd="4" destOrd="0" presId="urn:microsoft.com/office/officeart/2005/8/layout/vList2"/>
+  </dgm:cxnLst>
+  <dgm:bg/>
+  <dgm:whole/>
+  <dgm:extLst>
+    <a:ext uri="http://schemas.microsoft.com/office/drawing/2008/diagram">
+      <dsp:dataModelExt xmlns:dsp="http://schemas.microsoft.com/office/drawing/2008/diagram" relId="rId10" minVer="http://schemas.openxmlformats.org/drawingml/2006/diagram"/>
+    </a:ext>
+  </dgm:extLst>
+</dgm:dataModel>
+</file>
+
+<file path=ppt/diagrams/drawing1.xml><?xml version="1.0" encoding="utf-8"?>
+<dsp:drawing xmlns:dgm="http://schemas.openxmlformats.org/drawingml/2006/diagram" xmlns:dsp="http://schemas.microsoft.com/office/drawing/2008/diagram" xmlns:a="http://schemas.openxmlformats.org/drawingml/2006/main">
+  <dsp:spTree>
+    <dsp:nvGrpSpPr>
+      <dsp:cNvPr id="0" name=""/>
+      <dsp:cNvGrpSpPr/>
+    </dsp:nvGrpSpPr>
+    <dsp:grpSpPr/>
+    <dsp:sp modelId="{F2B3F694-86D6-4655-AE63-21BE05369D5D}">
+      <dsp:nvSpPr>
+        <dsp:cNvPr id="0" name=""/>
+        <dsp:cNvSpPr/>
+      </dsp:nvSpPr>
+      <dsp:spPr>
+        <a:xfrm>
+          <a:off x="0" y="964170"/>
+          <a:ext cx="8909182" cy="1673100"/>
+        </a:xfrm>
+        <a:prstGeom prst="roundRect">
+          <a:avLst/>
+        </a:prstGeom>
+        <a:solidFill>
+          <a:schemeClr val="accent1">
+            <a:hueOff val="0"/>
+            <a:satOff val="0"/>
+            <a:lumOff val="0"/>
+            <a:alphaOff val="0"/>
+          </a:schemeClr>
+        </a:solidFill>
+        <a:ln w="25400" cap="flat" cmpd="sng" algn="ctr">
+          <a:solidFill>
+            <a:schemeClr val="lt1">
+              <a:hueOff val="0"/>
+              <a:satOff val="0"/>
+              <a:lumOff val="0"/>
+              <a:alphaOff val="0"/>
+            </a:schemeClr>
+          </a:solidFill>
+          <a:prstDash val="solid"/>
+        </a:ln>
+        <a:effectLst/>
+      </dsp:spPr>
+      <dsp:style>
+        <a:lnRef idx="2">
+          <a:scrgbClr r="0" g="0" b="0"/>
+        </a:lnRef>
+        <a:fillRef idx="1">
+          <a:scrgbClr r="0" g="0" b="0"/>
+        </a:fillRef>
+        <a:effectRef idx="0">
+          <a:scrgbClr r="0" g="0" b="0"/>
+        </a:effectRef>
+        <a:fontRef idx="minor">
+          <a:schemeClr val="lt1"/>
+        </a:fontRef>
+      </dsp:style>
+      <dsp:txBody>
+        <a:bodyPr spcFirstLastPara="0" vert="horz" wrap="square" lIns="167640" tIns="167640" rIns="167640" bIns="167640" numCol="1" spcCol="1270" anchor="ctr" anchorCtr="0">
+          <a:noAutofit/>
+        </a:bodyPr>
+        <a:lstStyle/>
+        <a:p>
+          <a:pPr lvl="0" algn="l" defTabSz="1955800">
+            <a:lnSpc>
+              <a:spcPct val="90000"/>
+            </a:lnSpc>
+            <a:spcBef>
+              <a:spcPct val="0"/>
+            </a:spcBef>
+            <a:spcAft>
+              <a:spcPct val="35000"/>
+            </a:spcAft>
+          </a:pPr>
+          <a:r>
+            <a:rPr lang="en-AU" sz="4400" kern="1200" dirty="0" smtClean="0"/>
+            <a:t>Trivial composition of modules</a:t>
+          </a:r>
+          <a:endParaRPr lang="en-AU" sz="4400" kern="1200" dirty="0"/>
+        </a:p>
+      </dsp:txBody>
+      <dsp:txXfrm>
+        <a:off x="81674" y="1045844"/>
+        <a:ext cx="8745834" cy="1509752"/>
+      </dsp:txXfrm>
+    </dsp:sp>
+    <dsp:sp modelId="{1C125B46-E965-425E-8F17-D52C487320A3}">
+      <dsp:nvSpPr>
+        <dsp:cNvPr id="0" name=""/>
+        <dsp:cNvSpPr/>
+      </dsp:nvSpPr>
+      <dsp:spPr>
+        <a:xfrm>
+          <a:off x="0" y="2824470"/>
+          <a:ext cx="8909182" cy="1673100"/>
+        </a:xfrm>
+        <a:prstGeom prst="roundRect">
+          <a:avLst/>
+        </a:prstGeom>
+        <a:solidFill>
+          <a:schemeClr val="accent1">
+            <a:hueOff val="0"/>
+            <a:satOff val="0"/>
+            <a:lumOff val="0"/>
+            <a:alphaOff val="0"/>
+          </a:schemeClr>
+        </a:solidFill>
+        <a:ln w="25400" cap="flat" cmpd="sng" algn="ctr">
+          <a:solidFill>
+            <a:schemeClr val="lt1">
+              <a:hueOff val="0"/>
+              <a:satOff val="0"/>
+              <a:lumOff val="0"/>
+              <a:alphaOff val="0"/>
+            </a:schemeClr>
+          </a:solidFill>
+          <a:prstDash val="solid"/>
+        </a:ln>
+        <a:effectLst/>
+      </dsp:spPr>
+      <dsp:style>
+        <a:lnRef idx="2">
+          <a:scrgbClr r="0" g="0" b="0"/>
+        </a:lnRef>
+        <a:fillRef idx="1">
+          <a:scrgbClr r="0" g="0" b="0"/>
+        </a:fillRef>
+        <a:effectRef idx="0">
+          <a:scrgbClr r="0" g="0" b="0"/>
+        </a:effectRef>
+        <a:fontRef idx="minor">
+          <a:schemeClr val="lt1"/>
+        </a:fontRef>
+      </dsp:style>
+      <dsp:txBody>
+        <a:bodyPr spcFirstLastPara="0" vert="horz" wrap="square" lIns="167640" tIns="167640" rIns="167640" bIns="167640" numCol="1" spcCol="1270" anchor="ctr" anchorCtr="0">
+          <a:noAutofit/>
+        </a:bodyPr>
+        <a:lstStyle/>
+        <a:p>
+          <a:pPr lvl="0" algn="l" defTabSz="1955800">
+            <a:lnSpc>
+              <a:spcPct val="90000"/>
+            </a:lnSpc>
+            <a:spcBef>
+              <a:spcPct val="0"/>
+            </a:spcBef>
+            <a:spcAft>
+              <a:spcPct val="35000"/>
+            </a:spcAft>
+          </a:pPr>
+          <a:r>
+            <a:rPr lang="en-AU" sz="4400" kern="1200" dirty="0" smtClean="0"/>
+            <a:t>Compatible with existing Haskell compilers</a:t>
+          </a:r>
+          <a:endParaRPr lang="en-AU" sz="4400" kern="1200" dirty="0"/>
+        </a:p>
+      </dsp:txBody>
+      <dsp:txXfrm>
+        <a:off x="81674" y="2906144"/>
+        <a:ext cx="8745834" cy="1509752"/>
+      </dsp:txXfrm>
+    </dsp:sp>
+    <dsp:sp modelId="{3C43C10B-2CD4-483E-B3DE-A5AABDBD4587}">
+      <dsp:nvSpPr>
+        <dsp:cNvPr id="0" name=""/>
+        <dsp:cNvSpPr/>
+      </dsp:nvSpPr>
+      <dsp:spPr>
+        <a:xfrm>
+          <a:off x="0" y="4684770"/>
+          <a:ext cx="8909182" cy="1673100"/>
+        </a:xfrm>
+        <a:prstGeom prst="roundRect">
+          <a:avLst/>
+        </a:prstGeom>
+        <a:solidFill>
+          <a:schemeClr val="accent1">
+            <a:hueOff val="0"/>
+            <a:satOff val="0"/>
+            <a:lumOff val="0"/>
+            <a:alphaOff val="0"/>
+          </a:schemeClr>
+        </a:solidFill>
+        <a:ln w="25400" cap="flat" cmpd="sng" algn="ctr">
+          <a:solidFill>
+            <a:schemeClr val="lt1">
+              <a:hueOff val="0"/>
+              <a:satOff val="0"/>
+              <a:lumOff val="0"/>
+              <a:alphaOff val="0"/>
+            </a:schemeClr>
+          </a:solidFill>
+          <a:prstDash val="solid"/>
+        </a:ln>
+        <a:effectLst/>
+      </dsp:spPr>
+      <dsp:style>
+        <a:lnRef idx="2">
+          <a:scrgbClr r="0" g="0" b="0"/>
+        </a:lnRef>
+        <a:fillRef idx="1">
+          <a:scrgbClr r="0" g="0" b="0"/>
+        </a:fillRef>
+        <a:effectRef idx="0">
+          <a:scrgbClr r="0" g="0" b="0"/>
+        </a:effectRef>
+        <a:fontRef idx="minor">
+          <a:schemeClr val="lt1"/>
+        </a:fontRef>
+      </dsp:style>
+      <dsp:txBody>
+        <a:bodyPr spcFirstLastPara="0" vert="horz" wrap="square" lIns="167640" tIns="167640" rIns="167640" bIns="167640" numCol="1" spcCol="1270" anchor="ctr" anchorCtr="0">
+          <a:noAutofit/>
+        </a:bodyPr>
+        <a:lstStyle/>
+        <a:p>
+          <a:pPr lvl="0" algn="l" defTabSz="1955800">
+            <a:lnSpc>
+              <a:spcPct val="90000"/>
+            </a:lnSpc>
+            <a:spcBef>
+              <a:spcPct val="0"/>
+            </a:spcBef>
+            <a:spcAft>
+              <a:spcPct val="35000"/>
+            </a:spcAft>
+          </a:pPr>
+          <a:r>
+            <a:rPr lang="en-AU" sz="4400" kern="1200" dirty="0" smtClean="0"/>
+            <a:t>Easily tuned N-degree parallelization</a:t>
+          </a:r>
+          <a:endParaRPr lang="en-AU" sz="4400" kern="1200" dirty="0"/>
+        </a:p>
+      </dsp:txBody>
+      <dsp:txXfrm>
+        <a:off x="81674" y="4766444"/>
+        <a:ext cx="8745834" cy="1509752"/>
+      </dsp:txXfrm>
+    </dsp:sp>
+  </dsp:spTree>
+</dsp:drawing>
+</file>
+
+<file path=ppt/diagrams/layout1.xml><?xml version="1.0" encoding="utf-8"?>
+<dgm:layoutDef xmlns:dgm="http://schemas.openxmlformats.org/drawingml/2006/diagram" xmlns:a="http://schemas.openxmlformats.org/drawingml/2006/main" uniqueId="urn:microsoft.com/office/officeart/2005/8/layout/vList2">
+  <dgm:title val=""/>
+  <dgm:desc val=""/>
+  <dgm:catLst>
+    <dgm:cat type="list" pri="3000"/>
+    <dgm:cat type="convert" pri="1000"/>
+  </dgm:catLst>
+  <dgm:sampData>
+    <dgm:dataModel>
+      <dgm:ptLst>
+        <dgm:pt modelId="0" type="doc"/>
+        <dgm:pt modelId="1">
+          <dgm:prSet phldr="1"/>
+        </dgm:pt>
+        <dgm:pt modelId="11">
+          <dgm:prSet phldr="1"/>
+        </dgm:pt>
+        <dgm:pt modelId="2">
+          <dgm:prSet phldr="1"/>
+        </dgm:pt>
+        <dgm:pt modelId="21">
+          <dgm:prSet phldr="1"/>
+        </dgm:pt>
+      </dgm:ptLst>
+      <dgm:cxnLst>
+        <dgm:cxn modelId="4" srcId="0" destId="1" srcOrd="0" destOrd="0"/>
+        <dgm:cxn modelId="5" srcId="0" destId="2" srcOrd="1" destOrd="0"/>
+        <dgm:cxn modelId="12" srcId="1" destId="11" srcOrd="0" destOrd="0"/>
+        <dgm:cxn modelId="23" srcId="2" destId="21" srcOrd="0" destOrd="0"/>
+      </dgm:cxnLst>
+      <dgm:bg/>
+      <dgm:whole/>
+    </dgm:dataModel>
+  </dgm:sampData>
+  <dgm:styleData>
+    <dgm:dataModel>
+      <dgm:ptLst>
+        <dgm:pt modelId="0" type="doc"/>
+        <dgm:pt modelId="1"/>
+        <dgm:pt modelId="2"/>
+      </dgm:ptLst>
+      <dgm:cxnLst>
+        <dgm:cxn modelId="3" srcId="0" destId="1" srcOrd="0" destOrd="0"/>
+        <dgm:cxn modelId="4" srcId="0" destId="2" srcOrd="1" destOrd="0"/>
+      </dgm:cxnLst>
+      <dgm:bg/>
+      <dgm:whole/>
+    </dgm:dataModel>
+  </dgm:styleData>
+  <dgm:clrData>
+    <dgm:dataModel>
+      <dgm:ptLst>
+        <dgm:pt modelId="0" type="doc"/>
+        <dgm:pt modelId="1"/>
+        <dgm:pt modelId="2"/>
+        <dgm:pt modelId="3"/>
+        <dgm:pt modelId="4"/>
+      </dgm:ptLst>
+      <dgm:cxnLst>
+        <dgm:cxn modelId="5" srcId="0" destId="1" srcOrd="0" destOrd="0"/>
+        <dgm:cxn modelId="6" srcId="0" destId="2" srcOrd="1" destOrd="0"/>
+        <dgm:cxn modelId="7" srcId="0" destId="3" srcOrd="2" destOrd="0"/>
+        <dgm:cxn modelId="8" srcId="0" destId="4" srcOrd="3" destOrd="0"/>
+      </dgm:cxnLst>
+      <dgm:bg/>
+      <dgm:whole/>
+    </dgm:dataModel>
+  </dgm:clrData>
+  <dgm:layoutNode name="linear">
+    <dgm:varLst>
+      <dgm:animLvl val="lvl"/>
+      <dgm:resizeHandles val="exact"/>
+    </dgm:varLst>
+    <dgm:alg type="lin">
+      <dgm:param type="linDir" val="fromT"/>
+      <dgm:param type="vertAlign" val="mid"/>
+    </dgm:alg>
+    <dgm:shape xmlns:r="http://schemas.openxmlformats.org/officeDocument/2006/relationships" r:blip="">
+      <dgm:adjLst/>
+    </dgm:shape>
+    <dgm:presOf/>
+    <dgm:constrLst>
+      <dgm:constr type="w" for="ch" forName="parentText" refType="w"/>
+      <dgm:constr type="h" for="ch" forName="parentText" refType="primFontSz" refFor="ch" refForName="parentText" fact="0.52"/>
+      <dgm:constr type="w" for="ch" forName="childText" refType="w"/>
+      <dgm:constr type="h" for="ch" forName="childText" refType="primFontSz" refFor="ch" refForName="parentText" fact="0.46"/>
+      <dgm:constr type="h" for="ch" forName="parentText" op="equ"/>
+      <dgm:constr type="primFontSz" for="ch" forName="parentText" op="equ" val="65"/>
+      <dgm:constr type="primFontSz" for="ch" forName="childText" refType="primFontSz" refFor="ch" refForName="parentText" op="equ"/>
+      <dgm:constr type="h" for="ch" forName="spacer" refType="primFontSz" refFor="ch" refForName="parentText" fact="0.08"/>
+    </dgm:constrLst>
+    <dgm:ruleLst>
+      <dgm:rule type="primFontSz" for="ch" forName="parentText" val="5" fact="NaN" max="NaN"/>
+    </dgm:ruleLst>
+    <dgm:forEach name="Name0" axis="ch" ptType="node">
+      <dgm:layoutNode name="parentText" styleLbl="node1">
+        <dgm:varLst>
+          <dgm:chMax val="0"/>
+          <dgm:bulletEnabled val="1"/>
+        </dgm:varLst>
+        <dgm:alg type="tx">
+          <dgm:param type="parTxLTRAlign" val="l"/>
+          <dgm:param type="parTxRTLAlign" val="r"/>
+        </dgm:alg>
+        <dgm:shape xmlns:r="http://schemas.openxmlformats.org/officeDocument/2006/relationships" type="roundRect" r:blip="">
+          <dgm:adjLst/>
+        </dgm:shape>
+        <dgm:presOf axis="self"/>
+        <dgm:constrLst>
+          <dgm:constr type="tMarg" refType="primFontSz" fact="0.3"/>
+          <dgm:constr type="bMarg" refType="primFontSz" fact="0.3"/>
+          <dgm:constr type="lMarg" refType="primFontSz" fact="0.3"/>
+          <dgm:constr type="rMarg" refType="primFontSz" fact="0.3"/>
+        </dgm:constrLst>
+        <dgm:ruleLst>
+          <dgm:rule type="h" val="INF" fact="NaN" max="NaN"/>
+        </dgm:ruleLst>
+      </dgm:layoutNode>
+      <dgm:choose name="Name1">
+        <dgm:if name="Name2" axis="ch" ptType="node" func="cnt" op="gte" val="1">
+          <dgm:layoutNode name="childText" styleLbl="revTx">
+            <dgm:varLst>
+              <dgm:bulletEnabled val="1"/>
+            </dgm:varLst>
+            <dgm:alg type="tx">
+              <dgm:param type="stBulletLvl" val="1"/>
+              <dgm:param type="lnSpAfChP" val="20"/>
+            </dgm:alg>
+            <dgm:shape xmlns:r="http://schemas.openxmlformats.org/officeDocument/2006/relationships" type="rect" r:blip="">
+              <dgm:adjLst/>
+            </dgm:shape>
+            <dgm:presOf axis="des" ptType="node"/>
+            <dgm:constrLst>
+              <dgm:constr type="tMarg" refType="primFontSz" fact="0.1"/>
+              <dgm:constr type="bMarg" refType="primFontSz" fact="0.1"/>
+              <dgm:constr type="lMarg" refType="w" fact="0.09"/>
+            </dgm:constrLst>
+            <dgm:ruleLst>
+              <dgm:rule type="h" val="INF" fact="NaN" max="NaN"/>
+            </dgm:ruleLst>
+          </dgm:layoutNode>
+        </dgm:if>
+        <dgm:else name="Name3">
+          <dgm:choose name="Name4">
+            <dgm:if name="Name5" axis="par ch" ptType="doc node" func="cnt" op="gte" val="2">
+              <dgm:forEach name="Name6" axis="followSib" ptType="sibTrans" cnt="1">
+                <dgm:layoutNode name="spacer">
+                  <dgm:alg type="sp"/>
+                  <dgm:shape xmlns:r="http://schemas.openxmlformats.org/officeDocument/2006/relationships" r:blip="">
+                    <dgm:adjLst/>
+                  </dgm:shape>
+                  <dgm:presOf/>
+                  <dgm:constrLst/>
+                  <dgm:ruleLst/>
+                </dgm:layoutNode>
+              </dgm:forEach>
+            </dgm:if>
+            <dgm:else name="Name7"/>
+          </dgm:choose>
+        </dgm:else>
+      </dgm:choose>
+    </dgm:forEach>
+  </dgm:layoutNode>
+</dgm:layoutDef>
+</file>
+
+<file path=ppt/diagrams/quickStyle1.xml><?xml version="1.0" encoding="utf-8"?>
+<dgm:styleDef xmlns:dgm="http://schemas.openxmlformats.org/drawingml/2006/diagram" xmlns:a="http://schemas.openxmlformats.org/drawingml/2006/main" uniqueId="urn:microsoft.com/office/officeart/2005/8/quickstyle/simple1">
+  <dgm:title val=""/>
+  <dgm:desc val=""/>
+  <dgm:catLst>
+    <dgm:cat type="simple" pri="10100"/>
+  </dgm:catLst>
+  <dgm:scene3d>
+    <a:camera prst="orthographicFront"/>
+    <a:lightRig rig="threePt" dir="t"/>
+  </dgm:scene3d>
+  <dgm:styleLbl name="node0">
+    <dgm:scene3d>
+      <a:camera prst="orthographicFront"/>
+      <a:lightRig rig="threePt" dir="t"/>
+    </dgm:scene3d>
+    <dgm:sp3d/>
+    <dgm:txPr/>
+    <dgm:style>
+      <a:lnRef idx="2">
+        <a:scrgbClr r="0" g="0" b="0"/>
+      </a:lnRef>
+      <a:fillRef idx="1">
+        <a:scrgbClr r="0" g="0" b="0"/>
+      </a:fillRef>
+      <a:effectRef idx="0">
+        <a:scrgbClr r="0" g="0" b="0"/>
+      </a:effectRef>
+      <a:fontRef idx="minor">
+        <a:schemeClr val="lt1"/>
+      </a:fontRef>
+    </dgm:style>
+  </dgm:styleLbl>
+  <dgm:styleLbl name="lnNode1">
+    <dgm:scene3d>
+      <a:camera prst="orthographicFront"/>
+      <a:lightRig rig="threePt" dir="t"/>
+    </dgm:scene3d>
+    <dgm:sp3d/>
+    <dgm:txPr/>
+    <dgm:style>
+      <a:lnRef idx="2">
+        <a:scrgbClr r="0" g="0" b="0"/>
+      </a:lnRef>
+      <a:fillRef idx="1">
+        <a:scrgbClr r="0" g="0" b="0"/>
+      </a:fillRef>
+      <a:effectRef idx="0">
+        <a:scrgbClr r="0" g="0" b="0"/>
+      </a:effectRef>
+      <a:fontRef idx="minor">
+        <a:schemeClr val="lt1"/>
+      </a:fontRef>
+    </dgm:style>
+  </dgm:styleLbl>
+  <dgm:styleLbl name="vennNode1">
+    <dgm:scene3d>
+      <a:camera prst="orthographicFront"/>
+      <a:lightRig rig="threePt" dir="t"/>
+    </dgm:scene3d>
+    <dgm:sp3d/>
+    <dgm:txPr/>
+    <dgm:style>
+      <a:lnRef idx="2">
+        <a:scrgbClr r="0" g="0" b="0"/>
+      </a:lnRef>
+      <a:fillRef idx="1">
+        <a:scrgbClr r="0" g="0" b="0"/>
+      </a:fillRef>
+      <a:effectRef idx="0">
+        <a:scrgbClr r="0" g="0" b="0"/>
+      </a:effectRef>
+      <a:fontRef idx="minor">
+        <a:schemeClr val="tx1"/>
+      </a:fontRef>
+    </dgm:style>
+  </dgm:styleLbl>
+  <dgm:styleLbl name="alignNode1">
+    <dgm:scene3d>
+      <a:camera prst="orthographicFront"/>
+      <a:lightRig rig="threePt" dir="t"/>
+    </dgm:scene3d>
+    <dgm:sp3d/>
+    <dgm:txPr/>
+    <dgm:style>
+      <a:lnRef idx="2">
+        <a:scrgbClr r="0" g="0" b="0"/>
+      </a:lnRef>
+      <a:fillRef idx="1">
+        <a:scrgbClr r="0" g="0" b="0"/>
+      </a:fillRef>
+      <a:effectRef idx="0">
+        <a:scrgbClr r="0" g="0" b="0"/>
+      </a:effectRef>
+      <a:fontRef idx="minor">
+        <a:schemeClr val="lt1"/>
+      </a:fontRef>
+    </dgm:style>
+  </dgm:styleLbl>
+  <dgm:styleLbl name="node1">
+    <dgm:scene3d>
+      <a:camera prst="orthographicFront"/>
+      <a:lightRig rig="threePt" dir="t"/>
+    </dgm:scene3d>
+    <dgm:sp3d/>
+    <dgm:txPr/>
+    <dgm:style>
+      <a:lnRef idx="2">
+        <a:scrgbClr r="0" g="0" b="0"/>
+      </a:lnRef>
+      <a:fillRef idx="1">
+        <a:scrgbClr r="0" g="0" b="0"/>
+      </a:fillRef>
+      <a:effectRef idx="0">
+        <a:scrgbClr r="0" g="0" b="0"/>
+      </a:effectRef>
+      <a:fontRef idx="minor">
+        <a:schemeClr val="lt1"/>
+      </a:fontRef>
+    </dgm:style>
+  </dgm:styleLbl>
+  <dgm:styleLbl name="node2">
+    <dgm:scene3d>
+      <a:camera prst="orthographicFront"/>
+      <a:lightRig rig="threePt" dir="t"/>
+    </dgm:scene3d>
+    <dgm:sp3d/>
+    <dgm:txPr/>
+    <dgm:style>
+      <a:lnRef idx="2">
+        <a:scrgbClr r="0" g="0" b="0"/>
+      </a:lnRef>
+      <a:fillRef idx="1">
+        <a:scrgbClr r="0" g="0" b="0"/>
+      </a:fillRef>
+      <a:effectRef idx="0">
+        <a:scrgbClr r="0" g="0" b="0"/>
+      </a:effectRef>
+      <a:fontRef idx="minor">
+        <a:schemeClr val="lt1"/>
+      </a:fontRef>
+    </dgm:style>
+  </dgm:styleLbl>
+  <dgm:styleLbl name="node3">
+    <dgm:scene3d>
+      <a:camera prst="orthographicFront"/>
+      <a:lightRig rig="threePt" dir="t"/>
+    </dgm:scene3d>
+    <dgm:sp3d/>
+    <dgm:txPr/>
+    <dgm:style>
+      <a:lnRef idx="2">
+        <a:scrgbClr r="0" g="0" b="0"/>
+      </a:lnRef>
+      <a:fillRef idx="1">
+        <a:scrgbClr r="0" g="0" b="0"/>
+      </a:fillRef>
+      <a:effectRef idx="0">
+        <a:scrgbClr r="0" g="0" b="0"/>
+      </a:effectRef>
+      <a:fontRef idx="minor">
+        <a:schemeClr val="lt1"/>
+      </a:fontRef>
+    </dgm:style>
+  </dgm:styleLbl>
+  <dgm:styleLbl name="node4">
+    <dgm:scene3d>
+      <a:camera prst="orthographicFront"/>
+      <a:lightRig rig="threePt" dir="t"/>
+    </dgm:scene3d>
+    <dgm:sp3d/>
+    <dgm:txPr/>
+    <dgm:style>
+      <a:lnRef idx="2">
+        <a:scrgbClr r="0" g="0" b="0"/>
+      </a:lnRef>
+      <a:fillRef idx="1">
+        <a:scrgbClr r="0" g="0" b="0"/>
+      </a:fillRef>
+      <a:effectRef idx="0">
+        <a:scrgbClr r="0" g="0" b="0"/>
+      </a:effectRef>
+      <a:fontRef idx="minor">
+        <a:schemeClr val="lt1"/>
+      </a:fontRef>
+    </dgm:style>
+  </dgm:styleLbl>
+  <dgm:styleLbl name="fgImgPlace1">
+    <dgm:scene3d>
+      <a:camera prst="orthographicFront"/>
+      <a:lightRig rig="threePt" dir="t"/>
+    </dgm:scene3d>
+    <dgm:sp3d/>
+    <dgm:txPr/>
+    <dgm:style>
+      <a:lnRef idx="2">
+        <a:scrgbClr r="0" g="0" b="0"/>
+      </a:lnRef>
+      <a:fillRef idx="1">
+        <a:scrgbClr r="0" g="0" b="0"/>
+      </a:fillRef>
+      <a:effectRef idx="0">
+        <a:scrgbClr r="0" g="0" b="0"/>
+      </a:effectRef>
+      <a:fontRef idx="minor"/>
+    </dgm:style>
+  </dgm:styleLbl>
+  <dgm:styleLbl name="alignImgPlace1">
+    <dgm:scene3d>
+      <a:camera prst="orthographicFront"/>
+      <a:lightRig rig="threePt" dir="t"/>
+    </dgm:scene3d>
+    <dgm:sp3d/>
+    <dgm:txPr/>
+    <dgm:style>
+      <a:lnRef idx="2">
+        <a:scrgbClr r="0" g="0" b="0"/>
+      </a:lnRef>
+      <a:fillRef idx="1">
+        <a:scrgbClr r="0" g="0" b="0"/>
+      </a:fillRef>
+      <a:effectRef idx="0">
+        <a:scrgbClr r="0" g="0" b="0"/>
+      </a:effectRef>
+      <a:fontRef idx="minor"/>
+    </dgm:style>
+  </dgm:styleLbl>
+  <dgm:styleLbl name="bgImgPlace1">
+    <dgm:scene3d>
+      <a:camera prst="orthographicFront"/>
+      <a:lightRig rig="threePt" dir="t"/>
+    </dgm:scene3d>
+    <dgm:sp3d/>
+    <dgm:txPr/>
+    <dgm:style>
+      <a:lnRef idx="2">
+        <a:scrgbClr r="0" g="0" b="0"/>
+      </a:lnRef>
+      <a:fillRef idx="1">
+        <a:scrgbClr r="0" g="0" b="0"/>
+      </a:fillRef>
+      <a:effectRef idx="0">
+        <a:scrgbClr r="0" g="0" b="0"/>
+      </a:effectRef>
+      <a:fontRef idx="minor"/>
+    </dgm:style>
+  </dgm:styleLbl>
+  <dgm:styleLbl name="sibTrans2D1">
+    <dgm:scene3d>
+      <a:camera prst="orthographicFront"/>
+      <a:lightRig rig="threePt" dir="t"/>
+    </dgm:scene3d>
+    <dgm:sp3d/>
+    <dgm:txPr/>
+    <dgm:style>
+      <a:lnRef idx="0">
+        <a:scrgbClr r="0" g="0" b="0"/>
+      </a:lnRef>
+      <a:fillRef idx="1">
+        <a:scrgbClr r="0" g="0" b="0"/>
+      </a:fillRef>
+      <a:effectRef idx="0">
+        <a:scrgbClr r="0" g="0" b="0"/>
+      </a:effectRef>
+      <a:fontRef idx="minor">
+        <a:schemeClr val="lt1"/>
+      </a:fontRef>
+    </dgm:style>
+  </dgm:styleLbl>
+  <dgm:styleLbl name="fgSibTrans2D1">
+    <dgm:scene3d>
+      <a:camera prst="orthographicFront"/>
+      <a:lightRig rig="threePt" dir="t"/>
+    </dgm:scene3d>
+    <dgm:sp3d/>
+    <dgm:txPr/>
+    <dgm:style>
+      <a:lnRef idx="0">
+        <a:scrgbClr r="0" g="0" b="0"/>
+      </a:lnRef>
+      <a:fillRef idx="1">
+        <a:scrgbClr r="0" g="0" b="0"/>
+      </a:fillRef>
+      <a:effectRef idx="0">
+        <a:scrgbClr r="0" g="0" b="0"/>
+      </a:effectRef>
+      <a:fontRef idx="minor">
+        <a:schemeClr val="lt1"/>
+      </a:fontRef>
+    </dgm:style>
+  </dgm:styleLbl>
+  <dgm:styleLbl name="bgSibTrans2D1">
+    <dgm:scene3d>
+      <a:camera prst="orthographicFront"/>
+      <a:lightRig rig="threePt" dir="t"/>
+    </dgm:scene3d>
+    <dgm:sp3d/>
+    <dgm:txPr/>
+    <dgm:style>
+      <a:lnRef idx="0">
+        <a:scrgbClr r="0" g="0" b="0"/>
+      </a:lnRef>
+      <a:fillRef idx="1">
+        <a:scrgbClr r="0" g="0" b="0"/>
+      </a:fillRef>
+      <a:effectRef idx="0">
+        <a:scrgbClr r="0" g="0" b="0"/>
+      </a:effectRef>
+      <a:fontRef idx="minor">
+        <a:schemeClr val="lt1"/>
+      </a:fontRef>
+    </dgm:style>
+  </dgm:styleLbl>
+  <dgm:styleLbl name="sibTrans1D1">
+    <dgm:scene3d>
+      <a:camera prst="orthographicFront"/>
+      <a:lightRig rig="threePt" dir="t"/>
+    </dgm:scene3d>
+    <dgm:sp3d/>
+    <dgm:txPr/>
+    <dgm:style>
+      <a:lnRef idx="1">
+        <a:scrgbClr r="0" g="0" b="0"/>
+      </a:lnRef>
+      <a:fillRef idx="0">
+        <a:scrgbClr r="0" g="0" b="0"/>
+      </a:fillRef>
+      <a:effectRef idx="0">
+        <a:scrgbClr r="0" g="0" b="0"/>
+      </a:effectRef>
+      <a:fontRef idx="minor"/>
+    </dgm:style>
+  </dgm:styleLbl>
+  <dgm:styleLbl name="callout">
+    <dgm:scene3d>
+      <a:camera prst="orthographicFront"/>
+      <a:lightRig rig="threePt" dir="t"/>
+    </dgm:scene3d>
+    <dgm:sp3d/>
+    <dgm:txPr/>
+    <dgm:style>
+      <a:lnRef idx="2">
+        <a:scrgbClr r="0" g="0" b="0"/>
+      </a:lnRef>
+      <a:fillRef idx="1">
+        <a:scrgbClr r="0" g="0" b="0"/>
+      </a:fillRef>
+      <a:effectRef idx="0">
+        <a:scrgbClr r="0" g="0" b="0"/>
+      </a:effectRef>
+      <a:fontRef idx="minor"/>
+    </dgm:style>
+  </dgm:styleLbl>
+  <dgm:styleLbl name="asst0">
+    <dgm:scene3d>
+      <a:camera prst="orthographicFront"/>
+      <a:lightRig rig="threePt" dir="t"/>
+    </dgm:scene3d>
+    <dgm:sp3d/>
+    <dgm:txPr/>
+    <dgm:style>
+      <a:lnRef idx="2">
+        <a:scrgbClr r="0" g="0" b="0"/>
+      </a:lnRef>
+      <a:fillRef idx="1">
+        <a:scrgbClr r="0" g="0" b="0"/>
+      </a:fillRef>
+      <a:effectRef idx="0">
+        <a:scrgbClr r="0" g="0" b="0"/>
+      </a:effectRef>
+      <a:fontRef idx="minor">
+        <a:schemeClr val="lt1"/>
+      </a:fontRef>
+    </dgm:style>
+  </dgm:styleLbl>
+  <dgm:styleLbl name="asst1">
+    <dgm:scene3d>
+      <a:camera prst="orthographicFront"/>
+      <a:lightRig rig="threePt" dir="t"/>
+    </dgm:scene3d>
+    <dgm:sp3d/>
+    <dgm:txPr/>
+    <dgm:style>
+      <a:lnRef idx="2">
+        <a:scrgbClr r="0" g="0" b="0"/>
+      </a:lnRef>
+      <a:fillRef idx="1">
+        <a:scrgbClr r="0" g="0" b="0"/>
+      </a:fillRef>
+      <a:effectRef idx="0">
+        <a:scrgbClr r="0" g="0" b="0"/>
+      </a:effectRef>
+      <a:fontRef idx="minor">
+        <a:schemeClr val="lt1"/>
+      </a:fontRef>
+    </dgm:style>
+  </dgm:styleLbl>
+  <dgm:styleLbl name="asst2">
+    <dgm:scene3d>
+      <a:camera prst="orthographicFront"/>
+      <a:lightRig rig="threePt" dir="t"/>
+    </dgm:scene3d>
+    <dgm:sp3d/>
+    <dgm:txPr/>
+    <dgm:style>
+      <a:lnRef idx="2">
+        <a:scrgbClr r="0" g="0" b="0"/>
+      </a:lnRef>
+      <a:fillRef idx="1">
+        <a:scrgbClr r="0" g="0" b="0"/>
+      </a:fillRef>
+      <a:effectRef idx="0">
+        <a:scrgbClr r="0" g="0" b="0"/>
+      </a:effectRef>
+      <a:fontRef idx="minor">
+        <a:schemeClr val="lt1"/>
+      </a:fontRef>
+    </dgm:style>
+  </dgm:styleLbl>
+  <dgm:styleLbl name="asst3">
+    <dgm:scene3d>
+      <a:camera prst="orthographicFront"/>
+      <a:lightRig rig="threePt" dir="t"/>
+    </dgm:scene3d>
+    <dgm:sp3d/>
+    <dgm:txPr/>
+    <dgm:style>
+      <a:lnRef idx="2">
+        <a:scrgbClr r="0" g="0" b="0"/>
+      </a:lnRef>
+      <a:fillRef idx="1">
+        <a:scrgbClr r="0" g="0" b="0"/>
+      </a:fillRef>
+      <a:effectRef idx="0">
+        <a:scrgbClr r="0" g="0" b="0"/>
+      </a:effectRef>
+      <a:fontRef idx="minor">
+        <a:schemeClr val="lt1"/>
+      </a:fontRef>
+    </dgm:style>
+  </dgm:styleLbl>
+  <dgm:styleLbl name="asst4">
+    <dgm:scene3d>
+      <a:camera prst="orthographicFront"/>
+      <a:lightRig rig="threePt" dir="t"/>
+    </dgm:scene3d>
+    <dgm:sp3d/>
+    <dgm:txPr/>
+    <dgm:style>
+      <a:lnRef idx="2">
+        <a:scrgbClr r="0" g="0" b="0"/>
+      </a:lnRef>
+      <a:fillRef idx="1">
+        <a:scrgbClr r="0" g="0" b="0"/>
+      </a:fillRef>
+      <a:effectRef idx="0">
+        <a:scrgbClr r="0" g="0" b="0"/>
+      </a:effectRef>
+      <a:fontRef idx="minor">
+        <a:schemeClr val="lt1"/>
+      </a:fontRef>
+    </dgm:style>
+  </dgm:styleLbl>
+  <dgm:styleLbl name="parChTrans2D1">
+    <dgm:scene3d>
+      <a:camera prst="orthographicFront"/>
+      <a:lightRig rig="threePt" dir="t"/>
+    </dgm:scene3d>
+    <dgm:sp3d/>
+    <dgm:txPr/>
+    <dgm:style>
+      <a:lnRef idx="2">
+        <a:scrgbClr r="0" g="0" b="0"/>
+      </a:lnRef>
+      <a:fillRef idx="1">
+        <a:scrgbClr r="0" g="0" b="0"/>
+      </a:fillRef>
+      <a:effectRef idx="0">
+        <a:scrgbClr r="0" g="0" b="0"/>
+      </a:effectRef>
+      <a:fontRef idx="minor">
+        <a:schemeClr val="lt1"/>
+      </a:fontRef>
+    </dgm:style>
+  </dgm:styleLbl>
+  <dgm:styleLbl name="parChTrans2D2">
+    <dgm:scene3d>
+      <a:camera prst="orthographicFront"/>
+      <a:lightRig rig="threePt" dir="t"/>
+    </dgm:scene3d>
+    <dgm:sp3d/>
+    <dgm:txPr/>
+    <dgm:style>
+      <a:lnRef idx="2">
+        <a:scrgbClr r="0" g="0" b="0"/>
+      </a:lnRef>
+      <a:fillRef idx="1">
+        <a:scrgbClr r="0" g="0" b="0"/>
+      </a:fillRef>
+      <a:effectRef idx="0">
+        <a:scrgbClr r="0" g="0" b="0"/>
+      </a:effectRef>
+      <a:fontRef idx="minor">
+        <a:schemeClr val="lt1"/>
+      </a:fontRef>
+    </dgm:style>
+  </dgm:styleLbl>
+  <dgm:styleLbl name="parChTrans2D3">
+    <dgm:scene3d>
+      <a:camera prst="orthographicFront"/>
+      <a:lightRig rig="threePt" dir="t"/>
+    </dgm:scene3d>
+    <dgm:sp3d/>
+    <dgm:txPr/>
+    <dgm:style>
+      <a:lnRef idx="2">
+        <a:scrgbClr r="0" g="0" b="0"/>
+      </a:lnRef>
+      <a:fillRef idx="1">
+        <a:scrgbClr r="0" g="0" b="0"/>
+      </a:fillRef>
+      <a:effectRef idx="0">
+        <a:scrgbClr r="0" g="0" b="0"/>
+      </a:effectRef>
+      <a:fontRef idx="minor">
+        <a:schemeClr val="lt1"/>
+      </a:fontRef>
+    </dgm:style>
+  </dgm:styleLbl>
+  <dgm:styleLbl name="parChTrans2D4">
+    <dgm:scene3d>
+      <a:camera prst="orthographicFront"/>
+      <a:lightRig rig="threePt" dir="t"/>
+    </dgm:scene3d>
+    <dgm:sp3d/>
+    <dgm:txPr/>
+    <dgm:style>
+      <a:lnRef idx="2">
+        <a:scrgbClr r="0" g="0" b="0"/>
+      </a:lnRef>
+      <a:fillRef idx="1">
+        <a:scrgbClr r="0" g="0" b="0"/>
+      </a:fillRef>
+      <a:effectRef idx="0">
+        <a:scrgbClr r="0" g="0" b="0"/>
+      </a:effectRef>
+      <a:fontRef idx="minor">
+        <a:schemeClr val="lt1"/>
+      </a:fontRef>
+    </dgm:style>
+  </dgm:styleLbl>
+  <dgm:styleLbl name="parChTrans1D1">
+    <dgm:scene3d>
+      <a:camera prst="orthographicFront"/>
+      <a:lightRig rig="threePt" dir="t"/>
+    </dgm:scene3d>
+    <dgm:sp3d/>
+    <dgm:txPr/>
+    <dgm:style>
+      <a:lnRef idx="2">
+        <a:scrgbClr r="0" g="0" b="0"/>
+      </a:lnRef>
+      <a:fillRef idx="0">
+        <a:scrgbClr r="0" g="0" b="0"/>
+      </a:fillRef>
+      <a:effectRef idx="0">
+        <a:scrgbClr r="0" g="0" b="0"/>
+      </a:effectRef>
+      <a:fontRef idx="minor"/>
+    </dgm:style>
+  </dgm:styleLbl>
+  <dgm:styleLbl name="parChTrans1D2">
+    <dgm:scene3d>
+      <a:camera prst="orthographicFront"/>
+      <a:lightRig rig="threePt" dir="t"/>
+    </dgm:scene3d>
+    <dgm:sp3d/>
+    <dgm:txPr/>
+    <dgm:style>
+      <a:lnRef idx="2">
+        <a:scrgbClr r="0" g="0" b="0"/>
+      </a:lnRef>
+      <a:fillRef idx="0">
+        <a:scrgbClr r="0" g="0" b="0"/>
+      </a:fillRef>
+      <a:effectRef idx="0">
+        <a:scrgbClr r="0" g="0" b="0"/>
+      </a:effectRef>
+      <a:fontRef idx="minor"/>
+    </dgm:style>
+  </dgm:styleLbl>
+  <dgm:styleLbl name="parChTrans1D3">
+    <dgm:scene3d>
+      <a:camera prst="orthographicFront"/>
+      <a:lightRig rig="threePt" dir="t"/>
+    </dgm:scene3d>
+    <dgm:sp3d/>
+    <dgm:txPr/>
+    <dgm:style>
+      <a:lnRef idx="2">
+        <a:scrgbClr r="0" g="0" b="0"/>
+      </a:lnRef>
+      <a:fillRef idx="0">
+        <a:scrgbClr r="0" g="0" b="0"/>
+      </a:fillRef>
+      <a:effectRef idx="0">
+        <a:scrgbClr r="0" g="0" b="0"/>
+      </a:effectRef>
+      <a:fontRef idx="minor"/>
+    </dgm:style>
+  </dgm:styleLbl>
+  <dgm:styleLbl name="parChTrans1D4">
+    <dgm:scene3d>
+      <a:camera prst="orthographicFront"/>
+      <a:lightRig rig="threePt" dir="t"/>
+    </dgm:scene3d>
+    <dgm:sp3d/>
+    <dgm:txPr/>
+    <dgm:style>
+      <a:lnRef idx="2">
+        <a:scrgbClr r="0" g="0" b="0"/>
+      </a:lnRef>
+      <a:fillRef idx="0">
+        <a:scrgbClr r="0" g="0" b="0"/>
+      </a:fillRef>
+      <a:effectRef idx="0">
+        <a:scrgbClr r="0" g="0" b="0"/>
+      </a:effectRef>
+      <a:fontRef idx="minor"/>
+    </dgm:style>
+  </dgm:styleLbl>
+  <dgm:styleLbl name="fgAcc1">
+    <dgm:scene3d>
+      <a:camera prst="orthographicFront"/>
+      <a:lightRig rig="threePt" dir="t"/>
+    </dgm:scene3d>
+    <dgm:sp3d/>
+    <dgm:txPr/>
+    <dgm:style>
+      <a:lnRef idx="2">
+        <a:scrgbClr r="0" g="0" b="0"/>
+      </a:lnRef>
+      <a:fillRef idx="1">
+        <a:scrgbClr r="0" g="0" b="0"/>
+      </a:fillRef>
+      <a:effectRef idx="0">
+        <a:scrgbClr r="0" g="0" b="0"/>
+      </a:effectRef>
+      <a:fontRef idx="minor"/>
+    </dgm:style>
+  </dgm:styleLbl>
+  <dgm:styleLbl name="conFgAcc1">
+    <dgm:scene3d>
+      <a:camera prst="orthographicFront"/>
+      <a:lightRig rig="threePt" dir="t"/>
+    </dgm:scene3d>
+    <dgm:sp3d/>
+    <dgm:txPr/>
+    <dgm:style>
+      <a:lnRef idx="2">
+        <a:scrgbClr r="0" g="0" b="0"/>
+      </a:lnRef>
+      <a:fillRef idx="1">
+        <a:scrgbClr r="0" g="0" b="0"/>
+      </a:fillRef>
+      <a:effectRef idx="0">
+        <a:scrgbClr r="0" g="0" b="0"/>
+      </a:effectRef>
+      <a:fontRef idx="minor"/>
+    </dgm:style>
+  </dgm:styleLbl>
+  <dgm:styleLbl name="alignAcc1">
+    <dgm:scene3d>
+      <a:camera prst="orthographicFront"/>
+      <a:lightRig rig="threePt" dir="t"/>
+    </dgm:scene3d>
+    <dgm:sp3d/>
+    <dgm:txPr/>
+    <dgm:style>
+      <a:lnRef idx="2">
+        <a:scrgbClr r="0" g="0" b="0"/>
+      </a:lnRef>
+      <a:fillRef idx="1">
+        <a:scrgbClr r="0" g="0" b="0"/>
+      </a:fillRef>
+      <a:effectRef idx="0">
+        <a:scrgbClr r="0" g="0" b="0"/>
+      </a:effectRef>
+      <a:fontRef idx="minor"/>
+    </dgm:style>
+  </dgm:styleLbl>
+  <dgm:styleLbl name="trAlignAcc1">
+    <dgm:scene3d>
+      <a:camera prst="orthographicFront"/>
+      <a:lightRig rig="threePt" dir="t"/>
+    </dgm:scene3d>
+    <dgm:sp3d/>
+    <dgm:txPr/>
+    <dgm:style>
+      <a:lnRef idx="1">
+        <a:scrgbClr r="0" g="0" b="0"/>
+      </a:lnRef>
+      <a:fillRef idx="1">
+        <a:scrgbClr r="0" g="0" b="0"/>
+      </a:fillRef>
+      <a:effectRef idx="0">
+        <a:scrgbClr r="0" g="0" b="0"/>
+      </a:effectRef>
+      <a:fontRef idx="minor"/>
+    </dgm:style>
+  </dgm:styleLbl>
+  <dgm:styleLbl name="bgAcc1">
+    <dgm:scene3d>
+      <a:camera prst="orthographicFront"/>
+      <a:lightRig rig="threePt" dir="t"/>
+    </dgm:scene3d>
+    <dgm:sp3d/>
+    <dgm:txPr/>
+    <dgm:style>
+      <a:lnRef idx="2">
+        <a:scrgbClr r="0" g="0" b="0"/>
+      </a:lnRef>
+      <a:fillRef idx="1">
+        <a:scrgbClr r="0" g="0" b="0"/>
+      </a:fillRef>
+      <a:effectRef idx="0">
+        <a:scrgbClr r="0" g="0" b="0"/>
+      </a:effectRef>
+      <a:fontRef idx="minor"/>
+    </dgm:style>
+  </dgm:styleLbl>
+  <dgm:styleLbl name="solidFgAcc1">
+    <dgm:scene3d>
+      <a:camera prst="orthographicFront"/>
+      <a:lightRig rig="threePt" dir="t"/>
+    </dgm:scene3d>
+    <dgm:sp3d/>
+    <dgm:txPr/>
+    <dgm:style>
+      <a:lnRef idx="2">
+        <a:scrgbClr r="0" g="0" b="0"/>
+      </a:lnRef>
+      <a:fillRef idx="1">
+        <a:scrgbClr r="0" g="0" b="0"/>
+      </a:fillRef>
+      <a:effectRef idx="0">
+        <a:scrgbClr r="0" g="0" b="0"/>
+      </a:effectRef>
+      <a:fontRef idx="minor"/>
+    </dgm:style>
+  </dgm:styleLbl>
+  <dgm:styleLbl name="solidAlignAcc1">
+    <dgm:scene3d>
+      <a:camera prst="orthographicFront"/>
+      <a:lightRig rig="threePt" dir="t"/>
+    </dgm:scene3d>
+    <dgm:sp3d/>
+    <dgm:txPr/>
+    <dgm:style>
+      <a:lnRef idx="2">
+        <a:scrgbClr r="0" g="0" b="0"/>
+      </a:lnRef>
+      <a:fillRef idx="1">
+        <a:scrgbClr r="0" g="0" b="0"/>
+      </a:fillRef>
+      <a:effectRef idx="0">
+        <a:scrgbClr r="0" g="0" b="0"/>
+      </a:effectRef>
+      <a:fontRef idx="minor"/>
+    </dgm:style>
+  </dgm:styleLbl>
+  <dgm:styleLbl name="solidBgAcc1">
+    <dgm:scene3d>
+      <a:camera prst="orthographicFront"/>
+      <a:lightRig rig="threePt" dir="t"/>
+    </dgm:scene3d>
+    <dgm:sp3d/>
+    <dgm:txPr/>
+    <dgm:style>
+      <a:lnRef idx="2">
+        <a:scrgbClr r="0" g="0" b="0"/>
+      </a:lnRef>
+      <a:fillRef idx="1">
+        <a:scrgbClr r="0" g="0" b="0"/>
+      </a:fillRef>
+      <a:effectRef idx="0">
+        <a:scrgbClr r="0" g="0" b="0"/>
+      </a:effectRef>
+      <a:fontRef idx="minor"/>
+    </dgm:style>
+  </dgm:styleLbl>
+  <dgm:styleLbl name="fgAccFollowNode1">
+    <dgm:scene3d>
+      <a:camera prst="orthographicFront"/>
+      <a:lightRig rig="threePt" dir="t"/>
+    </dgm:scene3d>
+    <dgm:sp3d/>
+    <dgm:txPr/>
+    <dgm:style>
+      <a:lnRef idx="2">
+        <a:scrgbClr r="0" g="0" b="0"/>
+      </a:lnRef>
+      <a:fillRef idx="1">
+        <a:scrgbClr r="0" g="0" b="0"/>
+      </a:fillRef>
+      <a:effectRef idx="0">
+        <a:scrgbClr r="0" g="0" b="0"/>
+      </a:effectRef>
+      <a:fontRef idx="minor"/>
+    </dgm:style>
+  </dgm:styleLbl>
+  <dgm:styleLbl name="alignAccFollowNode1">
+    <dgm:scene3d>
+      <a:camera prst="orthographicFront"/>
+      <a:lightRig rig="threePt" dir="t"/>
+    </dgm:scene3d>
+    <dgm:sp3d/>
+    <dgm:txPr/>
+    <dgm:style>
+      <a:lnRef idx="2">
+        <a:scrgbClr r="0" g="0" b="0"/>
+      </a:lnRef>
+      <a:fillRef idx="1">
+        <a:scrgbClr r="0" g="0" b="0"/>
+      </a:fillRef>
+      <a:effectRef idx="0">
+        <a:scrgbClr r="0" g="0" b="0"/>
+      </a:effectRef>
+      <a:fontRef idx="minor"/>
+    </dgm:style>
+  </dgm:styleLbl>
+  <dgm:styleLbl name="bgAccFollowNode1">
+    <dgm:scene3d>
+      <a:camera prst="orthographicFront"/>
+      <a:lightRig rig="threePt" dir="t"/>
+    </dgm:scene3d>
+    <dgm:sp3d/>
+    <dgm:txPr/>
+    <dgm:style>
+      <a:lnRef idx="2">
+        <a:scrgbClr r="0" g="0" b="0"/>
+      </a:lnRef>
+      <a:fillRef idx="1">
+        <a:scrgbClr r="0" g="0" b="0"/>
+      </a:fillRef>
+      <a:effectRef idx="0">
+        <a:scrgbClr r="0" g="0" b="0"/>
+      </a:effectRef>
+      <a:fontRef idx="minor"/>
+    </dgm:style>
+  </dgm:styleLbl>
+  <dgm:styleLbl name="fgAcc0">
+    <dgm:scene3d>
+      <a:camera prst="orthographicFront"/>
+      <a:lightRig rig="threePt" dir="t"/>
+    </dgm:scene3d>
+    <dgm:sp3d/>
+    <dgm:txPr/>
+    <dgm:style>
+      <a:lnRef idx="2">
+        <a:scrgbClr r="0" g="0" b="0"/>
+      </a:lnRef>
+      <a:fillRef idx="1">
+        <a:scrgbClr r="0" g="0" b="0"/>
+      </a:fillRef>
+      <a:effectRef idx="0">
+        <a:scrgbClr r="0" g="0" b="0"/>
+      </a:effectRef>
+      <a:fontRef idx="minor"/>
+    </dgm:style>
+  </dgm:styleLbl>
+  <dgm:styleLbl name="fgAcc2">
+    <dgm:scene3d>
+      <a:camera prst="orthographicFront"/>
+      <a:lightRig rig="threePt" dir="t"/>
+    </dgm:scene3d>
+    <dgm:sp3d/>
+    <dgm:txPr/>
+    <dgm:style>
+      <a:lnRef idx="2">
+        <a:scrgbClr r="0" g="0" b="0"/>
+      </a:lnRef>
+      <a:fillRef idx="1">
+        <a:scrgbClr r="0" g="0" b="0"/>
+      </a:fillRef>
+      <a:effectRef idx="0">
+        <a:scrgbClr r="0" g="0" b="0"/>
+      </a:effectRef>
+      <a:fontRef idx="minor"/>
+    </dgm:style>
+  </dgm:styleLbl>
+  <dgm:styleLbl name="fgAcc3">
+    <dgm:scene3d>
+      <a:camera prst="orthographicFront"/>
+      <a:lightRig rig="threePt" dir="t"/>
+    </dgm:scene3d>
+    <dgm:sp3d/>
+    <dgm:txPr/>
+    <dgm:style>
+      <a:lnRef idx="2">
+        <a:scrgbClr r="0" g="0" b="0"/>
+      </a:lnRef>
+      <a:fillRef idx="1">
+        <a:scrgbClr r="0" g="0" b="0"/>
+      </a:fillRef>
+      <a:effectRef idx="0">
+        <a:scrgbClr r="0" g="0" b="0"/>
+      </a:effectRef>
+      <a:fontRef idx="minor"/>
+    </dgm:style>
+  </dgm:styleLbl>
+  <dgm:styleLbl name="fgAcc4">
+    <dgm:scene3d>
+      <a:camera prst="orthographicFront"/>
+      <a:lightRig rig="threePt" dir="t"/>
+    </dgm:scene3d>
+    <dgm:sp3d/>
+    <dgm:txPr/>
+    <dgm:style>
+      <a:lnRef idx="2">
+        <a:scrgbClr r="0" g="0" b="0"/>
+      </a:lnRef>
+      <a:fillRef idx="1">
+        <a:scrgbClr r="0" g="0" b="0"/>
+      </a:fillRef>
+      <a:effectRef idx="0">
+        <a:scrgbClr r="0" g="0" b="0"/>
+      </a:effectRef>
+      <a:fontRef idx="minor"/>
+    </dgm:style>
+  </dgm:styleLbl>
+  <dgm:styleLbl name="bgShp">
+    <dgm:scene3d>
+      <a:camera prst="orthographicFront"/>
+      <a:lightRig rig="threePt" dir="t"/>
+    </dgm:scene3d>
+    <dgm:sp3d/>
+    <dgm:txPr/>
+    <dgm:style>
+      <a:lnRef idx="0">
+        <a:scrgbClr r="0" g="0" b="0"/>
+      </a:lnRef>
+      <a:fillRef idx="1">
+        <a:scrgbClr r="0" g="0" b="0"/>
+      </a:fillRef>
+      <a:effectRef idx="0">
+        <a:scrgbClr r="0" g="0" b="0"/>
+      </a:effectRef>
+      <a:fontRef idx="minor"/>
+    </dgm:style>
+  </dgm:styleLbl>
+  <dgm:styleLbl name="dkBgShp">
+    <dgm:scene3d>
+      <a:camera prst="orthographicFront"/>
+      <a:lightRig rig="threePt" dir="t"/>
+    </dgm:scene3d>
+    <dgm:sp3d/>
+    <dgm:txPr/>
+    <dgm:style>
+      <a:lnRef idx="0">
+        <a:scrgbClr r="0" g="0" b="0"/>
+      </a:lnRef>
+      <a:fillRef idx="1">
+        <a:scrgbClr r="0" g="0" b="0"/>
+      </a:fillRef>
+      <a:effectRef idx="0">
+        <a:scrgbClr r="0" g="0" b="0"/>
+      </a:effectRef>
+      <a:fontRef idx="minor"/>
+    </dgm:style>
+  </dgm:styleLbl>
+  <dgm:styleLbl name="trBgShp">
+    <dgm:scene3d>
+      <a:camera prst="orthographicFront"/>
+      <a:lightRig rig="threePt" dir="t"/>
+    </dgm:scene3d>
+    <dgm:sp3d/>
+    <dgm:txPr/>
+    <dgm:style>
+      <a:lnRef idx="0">
+        <a:scrgbClr r="0" g="0" b="0"/>
+      </a:lnRef>
+      <a:fillRef idx="1">
+        <a:scrgbClr r="0" g="0" b="0"/>
+      </a:fillRef>
+      <a:effectRef idx="0">
+        <a:scrgbClr r="0" g="0" b="0"/>
+      </a:effectRef>
+      <a:fontRef idx="minor"/>
+    </dgm:style>
+  </dgm:styleLbl>
+  <dgm:styleLbl name="fgShp">
+    <dgm:scene3d>
+      <a:camera prst="orthographicFront"/>
+      <a:lightRig rig="threePt" dir="t"/>
+    </dgm:scene3d>
+    <dgm:sp3d/>
+    <dgm:txPr/>
+    <dgm:style>
+      <a:lnRef idx="2">
+        <a:scrgbClr r="0" g="0" b="0"/>
+      </a:lnRef>
+      <a:fillRef idx="1">
+        <a:scrgbClr r="0" g="0" b="0"/>
+      </a:fillRef>
+      <a:effectRef idx="0">
+        <a:scrgbClr r="0" g="0" b="0"/>
+      </a:effectRef>
+      <a:fontRef idx="minor"/>
+    </dgm:style>
+  </dgm:styleLbl>
+  <dgm:styleLbl name="revTx">
+    <dgm:scene3d>
+      <a:camera prst="orthographicFront"/>
+      <a:lightRig rig="threePt" dir="t"/>
+    </dgm:scene3d>
+    <dgm:sp3d/>
+    <dgm:txPr/>
+    <dgm:style>
+      <a:lnRef idx="0">
+        <a:scrgbClr r="0" g="0" b="0"/>
+      </a:lnRef>
+      <a:fillRef idx="0">
+        <a:scrgbClr r="0" g="0" b="0"/>
+      </a:fillRef>
+      <a:effectRef idx="0">
+        <a:scrgbClr r="0" g="0" b="0"/>
+      </a:effectRef>
+      <a:fontRef idx="minor"/>
+    </dgm:style>
+  </dgm:styleLbl>
+</dgm:styleDef>
 </file>
 
 <file path=ppt/notesMasters/notesMaster1.xml><?xml version="1.0" encoding="utf-8"?>
@@ -839,23 +3245,7 @@
                     <a:schemeClr val="bg1"/>
                   </a:solidFill>
                 </a:rPr>
-                <a:t> Final Year Project, Semester 2, </a:t>
-              </a:r>
-              <a:r>
-                <a:rPr lang="en-US" sz="4200" b="1" baseline="0" dirty="0" smtClean="0">
-                  <a:solidFill>
-                    <a:schemeClr val="bg1"/>
-                  </a:solidFill>
-                </a:rPr>
-                <a:t>2014</a:t>
-              </a:r>
-              <a:r>
-                <a:rPr lang="en-US" sz="4200" b="1" baseline="0" dirty="0" smtClean="0">
-                  <a:solidFill>
-                    <a:schemeClr val="bg1"/>
-                  </a:solidFill>
-                </a:rPr>
-                <a:t>				</a:t>
+                <a:t> Final Year Project, Semester 2, 2014				</a:t>
               </a:r>
               <a:endParaRPr lang="en-US" sz="4200" b="1" dirty="0">
                 <a:solidFill>
@@ -14385,6 +16775,54 @@
           <a:chExt cx="0" cy="0"/>
         </a:xfrm>
       </p:grpSpPr>
+      <p:pic>
+        <p:nvPicPr>
+          <p:cNvPr id="1028" name="Picture 4" descr="Z:\home\reuben\Remote\ECE4094\docs\Poster\Haskell-Logo-wm2.png"/>
+          <p:cNvPicPr>
+            <a:picLocks noChangeAspect="1" noChangeArrowheads="1"/>
+          </p:cNvPicPr>
+          <p:nvPr/>
+        </p:nvPicPr>
+        <p:blipFill>
+          <a:blip r:embed="rId3">
+            <a:duotone>
+              <a:schemeClr val="accent3">
+                <a:shade val="45000"/>
+                <a:satMod val="135000"/>
+              </a:schemeClr>
+              <a:prstClr val="white"/>
+            </a:duotone>
+            <a:extLst>
+              <a:ext uri="{28A0092B-C50C-407E-A947-70E740481C1C}">
+                <a14:useLocalDpi xmlns:a14="http://schemas.microsoft.com/office/drawing/2010/main" val="0"/>
+              </a:ext>
+            </a:extLst>
+          </a:blip>
+          <a:srcRect/>
+          <a:stretch>
+            <a:fillRect/>
+          </a:stretch>
+        </p:blipFill>
+        <p:spPr bwMode="auto">
+          <a:xfrm>
+            <a:off x="864308" y="7128076"/>
+            <a:ext cx="19686529" cy="22105770"/>
+          </a:xfrm>
+          <a:prstGeom prst="rect">
+            <a:avLst/>
+          </a:prstGeom>
+          <a:noFill/>
+          <a:extLst>
+            <a:ext uri="{909E8E84-426E-40DD-AFC4-6F175D3DCCD1}">
+              <a14:hiddenFill xmlns:a14="http://schemas.microsoft.com/office/drawing/2010/main">
+                <a:solidFill>
+                  <a:srgbClr val="FFFFFF"/>
+                </a:solidFill>
+              </a14:hiddenFill>
+            </a:ext>
+          </a:extLst>
+        </p:spPr>
+      </p:pic>
       <p:sp>
         <p:nvSpPr>
           <p:cNvPr id="4" name="Title 3"/>
@@ -14489,7 +16927,7 @@
                   <a:schemeClr val="bg1"/>
                 </a:solidFill>
               </a:rPr>
-              <a:t>Supervisor: </a:t>
+              <a:t>Supervisor: Dr. David </a:t>
             </a:r>
             <a:r>
               <a:rPr lang="en-US" sz="3200" dirty="0" smtClean="0">
@@ -14497,15 +16935,7 @@
                   <a:schemeClr val="bg1"/>
                 </a:solidFill>
               </a:rPr>
-              <a:t>Dr. David </a:t>
-            </a:r>
-            <a:r>
-              <a:rPr lang="en-US" sz="3200" dirty="0" err="1" smtClean="0">
-                <a:solidFill>
-                  <a:schemeClr val="bg1"/>
-                </a:solidFill>
-              </a:rPr>
-              <a:t>Bolland</a:t>
+              <a:t>Boland</a:t>
             </a:r>
             <a:endParaRPr lang="en-AU" sz="3200" dirty="0">
               <a:solidFill>
@@ -14524,7 +16954,7 @@
           <p:nvPr/>
         </p:nvPicPr>
         <p:blipFill>
-          <a:blip r:embed="rId2">
+          <a:blip r:embed="rId4">
             <a:clrChange>
               <a:clrFrom>
                 <a:srgbClr val="FFFFFF"/>
@@ -14555,35 +16985,6 @@
           </a:prstGeom>
         </p:spPr>
       </p:pic>
-      <p:cxnSp>
-        <p:nvCxnSpPr>
-          <p:cNvPr id="17" name="Straight Arrow Connector 16"/>
-          <p:cNvCxnSpPr/>
-          <p:nvPr/>
-        </p:nvCxnSpPr>
-        <p:spPr bwMode="auto">
-          <a:xfrm>
-            <a:off x="7849084" y="8765114"/>
-            <a:ext cx="4730696" cy="0"/>
-          </a:xfrm>
-          <a:prstGeom prst="straightConnector1">
-            <a:avLst/>
-          </a:prstGeom>
-          <a:solidFill>
-            <a:schemeClr val="accent1"/>
-          </a:solidFill>
-          <a:ln w="127000" cap="flat" cmpd="sng" algn="ctr">
-            <a:solidFill>
-              <a:schemeClr val="tx1"/>
-            </a:solidFill>
-            <a:prstDash val="solid"/>
-            <a:round/>
-            <a:headEnd type="none" w="med" len="med"/>
-            <a:tailEnd type="arrow"/>
-          </a:ln>
-          <a:effectLst/>
-        </p:spPr>
-      </p:cxnSp>
       <p:sp>
         <p:nvSpPr>
           <p:cNvPr id="19" name="TextBox 18"/>
@@ -14592,8 +16993,8 @@
         </p:nvSpPr>
         <p:spPr>
           <a:xfrm>
-            <a:off x="1215890" y="11107539"/>
-            <a:ext cx="9685076" cy="2246769"/>
+            <a:off x="1148159" y="7579147"/>
+            <a:ext cx="9685076" cy="6863417"/>
           </a:xfrm>
           <a:prstGeom prst="rect">
             <a:avLst/>
@@ -14609,12 +17010,23 @@
             <a:pPr algn="l"/>
             <a:r>
               <a:rPr lang="en-AU" sz="4000" dirty="0" smtClean="0"/>
-              <a:t>Explanation of Haskell, functional programming etc.</a:t>
+              <a:t>Verilog is often used to implement hardware accelerators, which are used to perform expensive computations faster than a general purpose CPU would allow.</a:t>
             </a:r>
           </a:p>
           <a:p>
             <a:pPr algn="l"/>
-            <a:endParaRPr lang="en-AU" sz="4000" dirty="0"/>
+            <a:r>
+              <a:rPr lang="en-AU" sz="4000" dirty="0" smtClean="0"/>
+              <a:t>H2V generates Verilog modules from concise functional descriptions of logic, making it trivial to leverage data-level parallelism.</a:t>
+            </a:r>
+          </a:p>
+          <a:p>
+            <a:pPr algn="l"/>
+            <a:r>
+              <a:rPr lang="en-AU" sz="4000" dirty="0" smtClean="0"/>
+              <a:t>Logic can be tested with desktop Haskell compilers, reducing development time.</a:t>
+            </a:r>
+            <a:endParaRPr lang="en-AU" sz="4000" dirty="0" smtClean="0"/>
           </a:p>
         </p:txBody>
       </p:sp>
@@ -14626,13 +17038,18 @@
         </p:nvSpPr>
         <p:spPr>
           <a:xfrm>
-            <a:off x="1305499" y="16148099"/>
-            <a:ext cx="8136904" cy="2123658"/>
+            <a:off x="864308" y="15139987"/>
+            <a:ext cx="10697370" cy="3139321"/>
           </a:xfrm>
           <a:prstGeom prst="rect">
             <a:avLst/>
           </a:prstGeom>
           <a:noFill/>
+          <a:ln>
+            <a:solidFill>
+              <a:schemeClr val="accent4"/>
+            </a:solidFill>
+          </a:ln>
         </p:spPr>
         <p:txBody>
           <a:bodyPr wrap="square" rtlCol="0">
@@ -14640,119 +17057,225 @@
           </a:bodyPr>
           <a:lstStyle/>
           <a:p>
-            <a:r>
-              <a:rPr lang="en-AU" dirty="0" smtClean="0"/>
-              <a:t>Example Haskell and corresponding DFD</a:t>
-            </a:r>
-            <a:r>
-              <a:rPr lang="en-AU" dirty="0"/>
+            <a:pPr algn="l"/>
+            <a:r>
+              <a:rPr lang="en-AU" dirty="0">
+                <a:latin typeface="Consolas" pitchFamily="49" charset="0"/>
+                <a:cs typeface="Consolas" pitchFamily="49" charset="0"/>
+              </a:rPr>
+              <a:t>sum :: [</a:t>
+            </a:r>
+            <a:r>
+              <a:rPr lang="en-AU" dirty="0" err="1">
+                <a:latin typeface="Consolas" pitchFamily="49" charset="0"/>
+                <a:cs typeface="Consolas" pitchFamily="49" charset="0"/>
+              </a:rPr>
+              <a:t>Int</a:t>
+            </a:r>
+            <a:r>
+              <a:rPr lang="en-AU" dirty="0">
+                <a:latin typeface="Consolas" pitchFamily="49" charset="0"/>
+                <a:cs typeface="Consolas" pitchFamily="49" charset="0"/>
+              </a:rPr>
+              <a:t>] -&gt; </a:t>
+            </a:r>
+            <a:r>
+              <a:rPr lang="en-AU" dirty="0" err="1" smtClean="0">
+                <a:latin typeface="Consolas" pitchFamily="49" charset="0"/>
+                <a:cs typeface="Consolas" pitchFamily="49" charset="0"/>
+              </a:rPr>
+              <a:t>Int</a:t>
+            </a:r>
+            <a:r>
+              <a:rPr lang="en-AU" dirty="0" smtClean="0">
+                <a:latin typeface="Consolas" pitchFamily="49" charset="0"/>
+                <a:cs typeface="Consolas" pitchFamily="49" charset="0"/>
+              </a:rPr>
               <a:t/>
             </a:r>
             <a:br>
-              <a:rPr lang="en-AU" dirty="0"/>
+              <a:rPr lang="en-AU" dirty="0" smtClean="0">
+                <a:latin typeface="Consolas" pitchFamily="49" charset="0"/>
+                <a:cs typeface="Consolas" pitchFamily="49" charset="0"/>
+              </a:rPr>
             </a:br>
             <a:r>
-              <a:rPr lang="en-AU" dirty="0" smtClean="0"/>
-              <a:t>line1</a:t>
+              <a:rPr lang="en-AU" dirty="0" smtClean="0">
+                <a:latin typeface="Consolas" pitchFamily="49" charset="0"/>
+                <a:cs typeface="Consolas" pitchFamily="49" charset="0"/>
+              </a:rPr>
+              <a:t>sum </a:t>
+            </a:r>
+            <a:r>
+              <a:rPr lang="en-AU" dirty="0">
+                <a:latin typeface="Consolas" pitchFamily="49" charset="0"/>
+                <a:cs typeface="Consolas" pitchFamily="49" charset="0"/>
+              </a:rPr>
+              <a:t>= </a:t>
+            </a:r>
+            <a:r>
+              <a:rPr lang="en-AU" dirty="0" err="1">
+                <a:latin typeface="Consolas" pitchFamily="49" charset="0"/>
+                <a:cs typeface="Consolas" pitchFamily="49" charset="0"/>
+              </a:rPr>
+              <a:t>mfoldr</a:t>
+            </a:r>
+            <a:r>
+              <a:rPr lang="en-AU" dirty="0">
+                <a:latin typeface="Consolas" pitchFamily="49" charset="0"/>
+                <a:cs typeface="Consolas" pitchFamily="49" charset="0"/>
+              </a:rPr>
+              <a:t> (+) 0</a:t>
+            </a:r>
+          </a:p>
+          <a:p>
+            <a:pPr algn="l"/>
+            <a:r>
+              <a:rPr lang="en-AU" dirty="0" err="1" smtClean="0">
+                <a:latin typeface="Consolas" pitchFamily="49" charset="0"/>
+                <a:cs typeface="Consolas" pitchFamily="49" charset="0"/>
+              </a:rPr>
+              <a:t>dotProduct</a:t>
+            </a:r>
+            <a:r>
+              <a:rPr lang="en-AU" dirty="0" smtClean="0">
+                <a:latin typeface="Consolas" pitchFamily="49" charset="0"/>
+                <a:cs typeface="Consolas" pitchFamily="49" charset="0"/>
+              </a:rPr>
+              <a:t> </a:t>
+            </a:r>
+            <a:r>
+              <a:rPr lang="en-AU" dirty="0">
+                <a:latin typeface="Consolas" pitchFamily="49" charset="0"/>
+                <a:cs typeface="Consolas" pitchFamily="49" charset="0"/>
+              </a:rPr>
+              <a:t>:: [</a:t>
+            </a:r>
+            <a:r>
+              <a:rPr lang="en-AU" dirty="0" err="1">
+                <a:latin typeface="Consolas" pitchFamily="49" charset="0"/>
+                <a:cs typeface="Consolas" pitchFamily="49" charset="0"/>
+              </a:rPr>
+              <a:t>Int</a:t>
+            </a:r>
+            <a:r>
+              <a:rPr lang="en-AU" dirty="0">
+                <a:latin typeface="Consolas" pitchFamily="49" charset="0"/>
+                <a:cs typeface="Consolas" pitchFamily="49" charset="0"/>
+              </a:rPr>
+              <a:t>] -&gt; [</a:t>
+            </a:r>
+            <a:r>
+              <a:rPr lang="en-AU" dirty="0" err="1">
+                <a:latin typeface="Consolas" pitchFamily="49" charset="0"/>
+                <a:cs typeface="Consolas" pitchFamily="49" charset="0"/>
+              </a:rPr>
+              <a:t>Int</a:t>
+            </a:r>
+            <a:r>
+              <a:rPr lang="en-AU" dirty="0">
+                <a:latin typeface="Consolas" pitchFamily="49" charset="0"/>
+                <a:cs typeface="Consolas" pitchFamily="49" charset="0"/>
+              </a:rPr>
+              <a:t>] -&gt; </a:t>
+            </a:r>
+            <a:r>
+              <a:rPr lang="en-AU" dirty="0" err="1" smtClean="0">
+                <a:latin typeface="Consolas" pitchFamily="49" charset="0"/>
+                <a:cs typeface="Consolas" pitchFamily="49" charset="0"/>
+              </a:rPr>
+              <a:t>Int</a:t>
+            </a:r>
+            <a:r>
+              <a:rPr lang="en-AU" dirty="0" smtClean="0">
+                <a:latin typeface="Consolas" pitchFamily="49" charset="0"/>
+                <a:cs typeface="Consolas" pitchFamily="49" charset="0"/>
+              </a:rPr>
+              <a:t/>
             </a:r>
             <a:br>
-              <a:rPr lang="en-AU" dirty="0" smtClean="0"/>
+              <a:rPr lang="en-AU" dirty="0" smtClean="0">
+                <a:latin typeface="Consolas" pitchFamily="49" charset="0"/>
+                <a:cs typeface="Consolas" pitchFamily="49" charset="0"/>
+              </a:rPr>
             </a:br>
             <a:r>
-              <a:rPr lang="en-AU" dirty="0" smtClean="0"/>
-              <a:t>line2</a:t>
-            </a:r>
-            <a:br>
-              <a:rPr lang="en-AU" dirty="0" smtClean="0"/>
-            </a:br>
-            <a:r>
-              <a:rPr lang="en-AU" dirty="0" smtClean="0"/>
-              <a:t>line3</a:t>
-            </a:r>
-          </a:p>
-        </p:txBody>
-      </p:sp>
-      <p:pic>
-        <p:nvPicPr>
-          <p:cNvPr id="22" name="Picture 21"/>
-          <p:cNvPicPr>
-            <a:picLocks noChangeAspect="1"/>
-          </p:cNvPicPr>
-          <p:nvPr/>
-        </p:nvPicPr>
-        <p:blipFill>
-          <a:blip r:embed="rId3">
-            <a:extLst>
-              <a:ext uri="{28A0092B-C50C-407E-A947-70E740481C1C}">
-                <a14:useLocalDpi xmlns:a14="http://schemas.microsoft.com/office/drawing/2010/main" val="0"/>
-              </a:ext>
-            </a:extLst>
-          </a:blip>
-          <a:stretch>
-            <a:fillRect/>
-          </a:stretch>
-        </p:blipFill>
-        <p:spPr>
-          <a:xfrm>
-            <a:off x="1148159" y="19604483"/>
-            <a:ext cx="10163175" cy="5676900"/>
-          </a:xfrm>
-          <a:prstGeom prst="rect">
-            <a:avLst/>
-          </a:prstGeom>
-        </p:spPr>
-      </p:pic>
-      <p:sp>
-        <p:nvSpPr>
-          <p:cNvPr id="24" name="TextBox 23"/>
-          <p:cNvSpPr txBox="1"/>
-          <p:nvPr/>
-        </p:nvSpPr>
-        <p:spPr>
-          <a:xfrm>
-            <a:off x="13361393" y="11107539"/>
-            <a:ext cx="5868088" cy="2308324"/>
-          </a:xfrm>
-          <a:prstGeom prst="rect">
-            <a:avLst/>
-          </a:prstGeom>
-          <a:noFill/>
-        </p:spPr>
-        <p:txBody>
-          <a:bodyPr wrap="square" rtlCol="0">
-            <a:spAutoFit/>
-          </a:bodyPr>
-          <a:lstStyle/>
-          <a:p>
-            <a:pPr marL="571500" indent="-571500" algn="l">
-              <a:buFont typeface="Arial" pitchFamily="34" charset="0"/>
-              <a:buChar char="•"/>
-            </a:pPr>
-            <a:r>
-              <a:rPr lang="en-AU" sz="3600" dirty="0"/>
-              <a:t>Pro/benefit 1</a:t>
-            </a:r>
-          </a:p>
-          <a:p>
-            <a:pPr marL="571500" indent="-571500" algn="l">
-              <a:buFont typeface="Arial" pitchFamily="34" charset="0"/>
-              <a:buChar char="•"/>
-            </a:pPr>
-            <a:r>
-              <a:rPr lang="en-AU" sz="3600" dirty="0"/>
-              <a:t>Pro/benefit 2</a:t>
-            </a:r>
-          </a:p>
-          <a:p>
-            <a:pPr marL="571500" indent="-571500" algn="l">
-              <a:buFont typeface="Arial" pitchFamily="34" charset="0"/>
-              <a:buChar char="•"/>
-            </a:pPr>
-            <a:r>
-              <a:rPr lang="en-AU" sz="3600" dirty="0"/>
-              <a:t>Pro/benefit 3</a:t>
-            </a:r>
-            <a:endParaRPr lang="en-AU" sz="3600" dirty="0"/>
+              <a:rPr lang="en-AU" dirty="0" err="1" smtClean="0">
+                <a:latin typeface="Consolas" pitchFamily="49" charset="0"/>
+                <a:cs typeface="Consolas" pitchFamily="49" charset="0"/>
+              </a:rPr>
+              <a:t>dotProduct</a:t>
+            </a:r>
+            <a:r>
+              <a:rPr lang="en-AU" dirty="0" smtClean="0">
+                <a:latin typeface="Consolas" pitchFamily="49" charset="0"/>
+                <a:cs typeface="Consolas" pitchFamily="49" charset="0"/>
+              </a:rPr>
+              <a:t> </a:t>
+            </a:r>
+            <a:r>
+              <a:rPr lang="en-AU" dirty="0">
+                <a:latin typeface="Consolas" pitchFamily="49" charset="0"/>
+                <a:cs typeface="Consolas" pitchFamily="49" charset="0"/>
+              </a:rPr>
+              <a:t>= sum . </a:t>
+            </a:r>
+            <a:r>
+              <a:rPr lang="en-AU" dirty="0" err="1">
+                <a:latin typeface="Consolas" pitchFamily="49" charset="0"/>
+                <a:cs typeface="Consolas" pitchFamily="49" charset="0"/>
+              </a:rPr>
+              <a:t>zipWith</a:t>
+            </a:r>
+            <a:r>
+              <a:rPr lang="en-AU" dirty="0">
+                <a:latin typeface="Consolas" pitchFamily="49" charset="0"/>
+                <a:cs typeface="Consolas" pitchFamily="49" charset="0"/>
+              </a:rPr>
+              <a:t> (*)</a:t>
+            </a:r>
+          </a:p>
+          <a:p>
+            <a:pPr algn="l"/>
+            <a:r>
+              <a:rPr lang="en-AU" dirty="0" smtClean="0">
+                <a:latin typeface="Consolas" pitchFamily="49" charset="0"/>
+                <a:cs typeface="Consolas" pitchFamily="49" charset="0"/>
+              </a:rPr>
+              <a:t>demo </a:t>
+            </a:r>
+            <a:r>
+              <a:rPr lang="en-AU" dirty="0">
+                <a:latin typeface="Consolas" pitchFamily="49" charset="0"/>
+                <a:cs typeface="Consolas" pitchFamily="49" charset="0"/>
+              </a:rPr>
+              <a:t>_ = </a:t>
+            </a:r>
+            <a:r>
+              <a:rPr lang="en-AU" dirty="0" err="1">
+                <a:latin typeface="Consolas" pitchFamily="49" charset="0"/>
+                <a:cs typeface="Consolas" pitchFamily="49" charset="0"/>
+              </a:rPr>
+              <a:t>dotProduct</a:t>
+            </a:r>
+            <a:r>
+              <a:rPr lang="en-AU" dirty="0">
+                <a:latin typeface="Consolas" pitchFamily="49" charset="0"/>
+                <a:cs typeface="Consolas" pitchFamily="49" charset="0"/>
+              </a:rPr>
+              <a:t> [1, 2, 3] [4, 5, 6] ||| </a:t>
+            </a:r>
+            <a:r>
+              <a:rPr lang="en-AU" dirty="0" smtClean="0">
+                <a:latin typeface="Consolas" pitchFamily="49" charset="0"/>
+                <a:cs typeface="Consolas" pitchFamily="49" charset="0"/>
+              </a:rPr>
+              <a:t>3</a:t>
+            </a:r>
+            <a:endParaRPr lang="en-AU" dirty="0">
+              <a:latin typeface="Consolas" pitchFamily="49" charset="0"/>
+              <a:cs typeface="Consolas" pitchFamily="49" charset="0"/>
+            </a:endParaRPr>
           </a:p>
         </p:txBody>
       </p:sp>
@@ -14797,46 +17320,90 @@
           </a:p>
         </p:txBody>
       </p:sp>
-      <p:pic>
-        <p:nvPicPr>
-          <p:cNvPr id="26" name="Picture 25"/>
-          <p:cNvPicPr>
-            <a:picLocks noChangeAspect="1"/>
-          </p:cNvPicPr>
-          <p:nvPr/>
-        </p:nvPicPr>
-        <p:blipFill>
-          <a:blip r:embed="rId4">
-            <a:extLst>
-              <a:ext uri="{28A0092B-C50C-407E-A947-70E740481C1C}">
-                <a14:useLocalDpi xmlns:a14="http://schemas.microsoft.com/office/drawing/2010/main" val="0"/>
-              </a:ext>
-            </a:extLst>
-          </a:blip>
-          <a:stretch>
-            <a:fillRect/>
-          </a:stretch>
-        </p:blipFill>
-        <p:spPr>
-          <a:xfrm>
-            <a:off x="1675783" y="7145724"/>
-            <a:ext cx="4587638" cy="3238781"/>
-          </a:xfrm>
-          <a:prstGeom prst="rect">
-            <a:avLst/>
-          </a:prstGeom>
-        </p:spPr>
-      </p:pic>
-      <p:sp>
-        <p:nvSpPr>
-          <p:cNvPr id="27" name="TextBox 26"/>
+      <p:graphicFrame>
+        <p:nvGraphicFramePr>
+          <p:cNvPr id="8" name="Object 7"/>
+          <p:cNvGraphicFramePr>
+            <a:graphicFrameLocks noChangeAspect="1"/>
+          </p:cNvGraphicFramePr>
+          <p:nvPr>
+            <p:extLst>
+              <p:ext uri="{D42A27DB-BD31-4B8C-83A1-F6EECF244321}">
+                <p14:modId xmlns:p14="http://schemas.microsoft.com/office/powerpoint/2010/main" val="1324686203"/>
+              </p:ext>
+            </p:extLst>
+          </p:nvPr>
+        </p:nvGraphicFramePr>
+        <p:xfrm>
+          <a:off x="3563938" y="10387013"/>
+          <a:ext cx="14257337" cy="9504362"/>
+        </p:xfrm>
+        <a:graphic>
+          <a:graphicData uri="http://schemas.openxmlformats.org/presentationml/2006/ole">
+            <mc:AlternateContent xmlns:mc="http://schemas.openxmlformats.org/markup-compatibility/2006">
+              <mc:Choice xmlns:v="urn:schemas-microsoft-com:vml" Requires="v">
+                <p:oleObj spid="_x0000_s1030" name="Microsoft Graph Chart" r:id="rId5" imgW="0" imgH="0" progId="MSGraph.Chart.8">
+                  <p:embed followColorScheme="full"/>
+                </p:oleObj>
+              </mc:Choice>
+              <mc:Fallback>
+                <p:oleObj name="Microsoft Graph Chart" r:id="rId5" imgW="0" imgH="0" progId="MSGraph.Chart.8">
+                  <p:embed followColorScheme="full"/>
+                  <p:pic>
+                    <p:nvPicPr>
+                      <p:cNvPr id="0" name=""/>
+                      <p:cNvPicPr/>
+                      <p:nvPr/>
+                    </p:nvPicPr>
+                    <p:blipFill/>
+                    <p:spPr>
+                      <a:xfrm>
+                        <a:off x="3563938" y="10387013"/>
+                        <a:ext cx="14257337" cy="9504362"/>
+                      </a:xfrm>
+                      <a:prstGeom prst="rect">
+                        <a:avLst/>
+                      </a:prstGeom>
+                    </p:spPr>
+                  </p:pic>
+                </p:oleObj>
+              </mc:Fallback>
+            </mc:AlternateContent>
+          </a:graphicData>
+        </a:graphic>
+      </p:graphicFrame>
+      <p:graphicFrame>
+        <p:nvGraphicFramePr>
+          <p:cNvPr id="9" name="Diagram 8"/>
+          <p:cNvGraphicFramePr/>
+          <p:nvPr>
+            <p:extLst>
+              <p:ext uri="{D42A27DB-BD31-4B8C-83A1-F6EECF244321}">
+                <p14:modId xmlns:p14="http://schemas.microsoft.com/office/powerpoint/2010/main" val="3703941292"/>
+              </p:ext>
+            </p:extLst>
+          </p:nvPr>
+        </p:nvGraphicFramePr>
+        <p:xfrm>
+          <a:off x="11385838" y="7576766"/>
+          <a:ext cx="8909182" cy="7322041"/>
+        </p:xfrm>
+        <a:graphic>
+          <a:graphicData uri="http://schemas.openxmlformats.org/drawingml/2006/diagram">
+            <dgm:relIds xmlns:dgm="http://schemas.openxmlformats.org/drawingml/2006/diagram" xmlns:r="http://schemas.openxmlformats.org/officeDocument/2006/relationships" r:dm="rId6" r:lo="rId7" r:qs="rId8" r:cs="rId9"/>
+          </a:graphicData>
+        </a:graphic>
+      </p:graphicFrame>
+      <p:sp>
+        <p:nvSpPr>
+          <p:cNvPr id="10" name="TextBox 9"/>
           <p:cNvSpPr txBox="1"/>
           <p:nvPr/>
         </p:nvSpPr>
         <p:spPr>
           <a:xfrm>
-            <a:off x="12332145" y="16414849"/>
-            <a:ext cx="6337469" cy="1107996"/>
+            <a:off x="847330" y="19179761"/>
+            <a:ext cx="3055645" cy="600164"/>
           </a:xfrm>
           <a:prstGeom prst="rect">
             <a:avLst/>
@@ -14844,115 +17411,19 @@
           <a:noFill/>
         </p:spPr>
         <p:txBody>
-          <a:bodyPr wrap="square" rtlCol="0">
-            <a:spAutoFit/>
-          </a:bodyPr>
-          <a:lstStyle/>
-          <a:p>
-            <a:r>
-              <a:rPr lang="en-AU" dirty="0" smtClean="0"/>
-              <a:t>Diagram of hardware representation?</a:t>
-            </a:r>
-            <a:endParaRPr lang="en-AU" dirty="0"/>
-          </a:p>
-        </p:txBody>
-      </p:sp>
-      <p:sp>
-        <p:nvSpPr>
-          <p:cNvPr id="28" name="TextBox 27"/>
-          <p:cNvSpPr txBox="1"/>
-          <p:nvPr/>
-        </p:nvSpPr>
-        <p:spPr>
-          <a:xfrm>
-            <a:off x="12332146" y="21080647"/>
-            <a:ext cx="7127664" cy="1869743"/>
-          </a:xfrm>
-          <a:prstGeom prst="rect">
-            <a:avLst/>
-          </a:prstGeom>
-          <a:noFill/>
-        </p:spPr>
-        <p:txBody>
-          <a:bodyPr wrap="square" rtlCol="0">
-            <a:spAutoFit/>
-          </a:bodyPr>
-          <a:lstStyle/>
-          <a:p>
-            <a:r>
-              <a:rPr lang="en-AU" dirty="0" smtClean="0"/>
-              <a:t>Graph of resource consumption/speed</a:t>
-            </a:r>
-          </a:p>
-          <a:p>
-            <a:r>
-              <a:rPr lang="en-AU" dirty="0" smtClean="0"/>
-              <a:t>(compared to C2H)</a:t>
-            </a:r>
-          </a:p>
-        </p:txBody>
-      </p:sp>
-      <p:sp>
-        <p:nvSpPr>
-          <p:cNvPr id="30" name="TextBox 29"/>
-          <p:cNvSpPr txBox="1"/>
-          <p:nvPr/>
-        </p:nvSpPr>
-        <p:spPr>
-          <a:xfrm>
-            <a:off x="383081" y="29233846"/>
-            <a:ext cx="8946873" cy="600164"/>
-          </a:xfrm>
-          <a:prstGeom prst="rect">
-            <a:avLst/>
-          </a:prstGeom>
-          <a:noFill/>
-        </p:spPr>
-        <p:txBody>
           <a:bodyPr wrap="none" rtlCol="0">
             <a:spAutoFit/>
           </a:bodyPr>
           <a:lstStyle/>
           <a:p>
-            <a:pPr algn="l"/>
             <a:r>
               <a:rPr lang="en-AU" dirty="0" smtClean="0"/>
-              <a:t>TODO: make textboxes snazzy using SmartArt</a:t>
+              <a:t>DFD goes here</a:t>
             </a:r>
             <a:endParaRPr lang="en-AU" dirty="0"/>
           </a:p>
         </p:txBody>
       </p:sp>
-      <p:pic>
-        <p:nvPicPr>
-          <p:cNvPr id="33" name="Picture 32"/>
-          <p:cNvPicPr>
-            <a:picLocks noChangeAspect="1"/>
-          </p:cNvPicPr>
-          <p:nvPr/>
-        </p:nvPicPr>
-        <p:blipFill>
-          <a:blip r:embed="rId5">
-            <a:extLst>
-              <a:ext uri="{28A0092B-C50C-407E-A947-70E740481C1C}">
-                <a14:useLocalDpi xmlns:a14="http://schemas.microsoft.com/office/drawing/2010/main" val="0"/>
-              </a:ext>
-            </a:extLst>
-          </a:blip>
-          <a:stretch>
-            <a:fillRect/>
-          </a:stretch>
-        </p:blipFill>
-        <p:spPr>
-          <a:xfrm>
-            <a:off x="13008897" y="7128076"/>
-            <a:ext cx="6573081" cy="3259256"/>
-          </a:xfrm>
-          <a:prstGeom prst="rect">
-            <a:avLst/>
-          </a:prstGeom>
-        </p:spPr>
-      </p:pic>
     </p:spTree>
   </p:cSld>
   <p:clrMapOvr>

--- a/docs/Poster/Poster.pptx
+++ b/docs/Poster/Poster.pptx
@@ -10,6 +10,9 @@
   <p:notesMasterIdLst>
     <p:notesMasterId r:id="rId6"/>
   </p:notesMasterIdLst>
+  <p:handoutMasterIdLst>
+    <p:handoutMasterId r:id="rId7"/>
+  </p:handoutMasterIdLst>
   <p:sldIdLst>
     <p:sldId id="257" r:id="rId5"/>
   </p:sldIdLst>
@@ -893,7 +896,7 @@
 <file path=ppt/diagrams/data1.xml><?xml version="1.0" encoding="utf-8"?>
 <dgm:dataModel xmlns:dgm="http://schemas.openxmlformats.org/drawingml/2006/diagram" xmlns:a="http://schemas.openxmlformats.org/drawingml/2006/main">
   <dgm:ptLst>
-    <dgm:pt modelId="{96818FA0-1682-41EE-9104-C714E28B2491}" type="doc">
+    <dgm:pt modelId="{018743D6-7C3B-4545-8A94-DD594F327F26}" type="doc">
       <dgm:prSet loTypeId="urn:microsoft.com/office/officeart/2005/8/layout/vList2" loCatId="list" qsTypeId="urn:microsoft.com/office/officeart/2005/8/quickstyle/simple1" qsCatId="simple" csTypeId="urn:microsoft.com/office/officeart/2005/8/colors/accent1_2" csCatId="accent1" phldr="1"/>
       <dgm:spPr/>
       <dgm:t>
@@ -904,7 +907,7 @@
         </a:p>
       </dgm:t>
     </dgm:pt>
-    <dgm:pt modelId="{C8C58F3F-3312-4FA9-B94D-E18DB392C7CA}">
+    <dgm:pt modelId="{743A51C2-6E8D-463B-9B20-67F5DDB66E39}">
       <dgm:prSet phldrT="[Text]" custT="1"/>
       <dgm:spPr/>
       <dgm:t>
@@ -912,14 +915,19 @@
         <a:lstStyle/>
         <a:p>
           <a:r>
-            <a:rPr lang="en-AU" sz="4400" dirty="0" smtClean="0"/>
+            <a:rPr lang="en-AU" sz="4400" dirty="0" smtClean="0">
+              <a:solidFill>
+                <a:srgbClr val="FFFFFF"/>
+              </a:solidFill>
+              <a:latin typeface="Arial"/>
+              <a:ea typeface="Arial"/>
+            </a:rPr>
             <a:t>Trivial composition of modules</a:t>
           </a:r>
-          <a:endParaRPr lang="en-AU" sz="4400" dirty="0"/>
         </a:p>
       </dgm:t>
     </dgm:pt>
-    <dgm:pt modelId="{87CAFEDF-0506-400F-956E-D5B62F797F8A}" type="parTrans" cxnId="{A0CF120B-ACB6-4EAD-A385-707DAB039FE4}">
+    <dgm:pt modelId="{4C0B19ED-F92F-4D47-A80C-6C98D10862F4}" type="parTrans" cxnId="{6631C0F5-9FCB-4282-BA8F-6743973F6344}">
       <dgm:prSet/>
       <dgm:spPr/>
       <dgm:t>
@@ -930,7 +938,7 @@
         </a:p>
       </dgm:t>
     </dgm:pt>
-    <dgm:pt modelId="{A0DE9D5B-C0BB-49DA-98CB-78FF20230FCD}" type="sibTrans" cxnId="{A0CF120B-ACB6-4EAD-A385-707DAB039FE4}">
+    <dgm:pt modelId="{1C6A2644-273D-4F21-ABBB-30DE9F970DAC}" type="sibTrans" cxnId="{6631C0F5-9FCB-4282-BA8F-6743973F6344}">
       <dgm:prSet/>
       <dgm:spPr/>
       <dgm:t>
@@ -941,7 +949,7 @@
         </a:p>
       </dgm:t>
     </dgm:pt>
-    <dgm:pt modelId="{29F3C2E9-6CDE-487A-8E78-6B6D759A24A6}">
+    <dgm:pt modelId="{9CF86D76-A148-4378-A792-C209862D6514}">
       <dgm:prSet phldrT="[Text]" custT="1"/>
       <dgm:spPr/>
       <dgm:t>
@@ -949,14 +957,19 @@
         <a:lstStyle/>
         <a:p>
           <a:r>
-            <a:rPr lang="en-AU" sz="4400" dirty="0" smtClean="0"/>
+            <a:rPr lang="en-AU" sz="4400" dirty="0" smtClean="0">
+              <a:solidFill>
+                <a:srgbClr val="FFFFFF"/>
+              </a:solidFill>
+              <a:latin typeface="Arial"/>
+              <a:ea typeface="Arial"/>
+            </a:rPr>
             <a:t>Compatible with existing Haskell compilers</a:t>
           </a:r>
-          <a:endParaRPr lang="en-AU" sz="4400" dirty="0"/>
         </a:p>
       </dgm:t>
     </dgm:pt>
-    <dgm:pt modelId="{BE42E21B-FC3F-4C32-9CC7-2FD348C5BD2E}" type="parTrans" cxnId="{96FCD530-A424-4280-8494-7FA9C6F715B0}">
+    <dgm:pt modelId="{99D6D3C1-FADD-4DBA-AD96-F605376295FA}" type="parTrans" cxnId="{4D43104F-3E6C-4B83-86DB-1C01FB2A67B4}">
       <dgm:prSet/>
       <dgm:spPr/>
       <dgm:t>
@@ -967,7 +980,7 @@
         </a:p>
       </dgm:t>
     </dgm:pt>
-    <dgm:pt modelId="{8EE3D4DA-7F14-4743-8A70-A0DC1B8CA11D}" type="sibTrans" cxnId="{96FCD530-A424-4280-8494-7FA9C6F715B0}">
+    <dgm:pt modelId="{0A4EF66E-4368-467F-A054-940CCD643809}" type="sibTrans" cxnId="{4D43104F-3E6C-4B83-86DB-1C01FB2A67B4}">
       <dgm:prSet/>
       <dgm:spPr/>
       <dgm:t>
@@ -978,7 +991,7 @@
         </a:p>
       </dgm:t>
     </dgm:pt>
-    <dgm:pt modelId="{811C1C0D-A356-45A8-813F-3D27133E6179}">
+    <dgm:pt modelId="{F99CDF44-2C14-446C-AD2E-2F2561BD2DCA}">
       <dgm:prSet phldrT="[Text]" custT="1"/>
       <dgm:spPr/>
       <dgm:t>
@@ -986,14 +999,19 @@
         <a:lstStyle/>
         <a:p>
           <a:r>
-            <a:rPr lang="en-AU" sz="4400" dirty="0" smtClean="0"/>
+            <a:rPr lang="en-AU" sz="4400" dirty="0" smtClean="0">
+              <a:solidFill>
+                <a:srgbClr val="FFFFFF"/>
+              </a:solidFill>
+              <a:latin typeface="Arial"/>
+              <a:ea typeface="Arial"/>
+            </a:rPr>
             <a:t>Easily tuned N-degree parallelization</a:t>
           </a:r>
-          <a:endParaRPr lang="en-AU" sz="4400" dirty="0"/>
         </a:p>
       </dgm:t>
     </dgm:pt>
-    <dgm:pt modelId="{119333D6-C902-4B86-8E4D-2F0E605D774A}" type="parTrans" cxnId="{2C16790F-E86E-4596-94FD-C3DE1B7AAC5E}">
+    <dgm:pt modelId="{C222A908-6493-4EAB-936B-9F2C293467D2}" type="parTrans" cxnId="{95E62353-36AB-4CF5-BFA3-C5B9E2013D75}">
       <dgm:prSet/>
       <dgm:spPr/>
       <dgm:t>
@@ -1004,7 +1022,7 @@
         </a:p>
       </dgm:t>
     </dgm:pt>
-    <dgm:pt modelId="{0F8F1EDA-12B6-48C6-8214-946794012053}" type="sibTrans" cxnId="{2C16790F-E86E-4596-94FD-C3DE1B7AAC5E}">
+    <dgm:pt modelId="{902A5FFF-61BB-495C-91F6-29819ECC2D4B}" type="sibTrans" cxnId="{95E62353-36AB-4CF5-BFA3-C5B9E2013D75}">
       <dgm:prSet/>
       <dgm:spPr/>
       <dgm:t>
@@ -1015,17 +1033,24 @@
         </a:p>
       </dgm:t>
     </dgm:pt>
-    <dgm:pt modelId="{92F3A8C4-8FCC-4F59-AA9D-F2C92468DF36}" type="pres">
-      <dgm:prSet presAssocID="{96818FA0-1682-41EE-9104-C714E28B2491}" presName="linear" presStyleCnt="0">
+    <dgm:pt modelId="{64710C00-34DF-4B29-A1C1-1C11AA34AAD9}" type="pres">
+      <dgm:prSet presAssocID="{018743D6-7C3B-4545-8A94-DD594F327F26}" presName="linear" presStyleCnt="0">
         <dgm:presLayoutVars>
           <dgm:animLvl val="lvl"/>
           <dgm:resizeHandles val="exact"/>
         </dgm:presLayoutVars>
       </dgm:prSet>
       <dgm:spPr/>
+      <dgm:t>
+        <a:bodyPr/>
+        <a:lstStyle/>
+        <a:p>
+          <a:endParaRPr lang="en-AU"/>
+        </a:p>
+      </dgm:t>
     </dgm:pt>
-    <dgm:pt modelId="{F2B3F694-86D6-4655-AE63-21BE05369D5D}" type="pres">
-      <dgm:prSet presAssocID="{C8C58F3F-3312-4FA9-B94D-E18DB392C7CA}" presName="parentText" presStyleLbl="node1" presStyleIdx="0" presStyleCnt="3">
+    <dgm:pt modelId="{841581D3-A24E-40D8-8861-F42027613202}" type="pres">
+      <dgm:prSet presAssocID="{743A51C2-6E8D-463B-9B20-67F5DDB66E39}" presName="parentText" presStyleLbl="node1" presStyleIdx="0" presStyleCnt="3">
         <dgm:presLayoutVars>
           <dgm:chMax val="0"/>
           <dgm:bulletEnabled val="1"/>
@@ -1040,12 +1065,12 @@
         </a:p>
       </dgm:t>
     </dgm:pt>
-    <dgm:pt modelId="{4756DE4C-C311-434A-BBCC-4A5A9739AEAF}" type="pres">
-      <dgm:prSet presAssocID="{A0DE9D5B-C0BB-49DA-98CB-78FF20230FCD}" presName="spacer" presStyleCnt="0"/>
+    <dgm:pt modelId="{C491363A-B7E0-45AA-A72D-F24589FF8484}" type="pres">
+      <dgm:prSet presAssocID="{1C6A2644-273D-4F21-ABBB-30DE9F970DAC}" presName="spacer" presStyleCnt="0"/>
       <dgm:spPr/>
     </dgm:pt>
-    <dgm:pt modelId="{1C125B46-E965-425E-8F17-D52C487320A3}" type="pres">
-      <dgm:prSet presAssocID="{29F3C2E9-6CDE-487A-8E78-6B6D759A24A6}" presName="parentText" presStyleLbl="node1" presStyleIdx="1" presStyleCnt="3">
+    <dgm:pt modelId="{3D19F7F6-5923-45E2-B3B3-09B4F3FE903A}" type="pres">
+      <dgm:prSet presAssocID="{9CF86D76-A148-4378-A792-C209862D6514}" presName="parentText" presStyleLbl="node1" presStyleIdx="1" presStyleCnt="3">
         <dgm:presLayoutVars>
           <dgm:chMax val="0"/>
           <dgm:bulletEnabled val="1"/>
@@ -1060,12 +1085,12 @@
         </a:p>
       </dgm:t>
     </dgm:pt>
-    <dgm:pt modelId="{E55A33A7-F353-4D5C-9367-515AE2143180}" type="pres">
-      <dgm:prSet presAssocID="{8EE3D4DA-7F14-4743-8A70-A0DC1B8CA11D}" presName="spacer" presStyleCnt="0"/>
+    <dgm:pt modelId="{606E0EAE-121D-45ED-B1E1-12D3F8538947}" type="pres">
+      <dgm:prSet presAssocID="{0A4EF66E-4368-467F-A054-940CCD643809}" presName="spacer" presStyleCnt="0"/>
       <dgm:spPr/>
     </dgm:pt>
-    <dgm:pt modelId="{3C43C10B-2CD4-483E-B3DE-A5AABDBD4587}" type="pres">
-      <dgm:prSet presAssocID="{811C1C0D-A356-45A8-813F-3D27133E6179}" presName="parentText" presStyleLbl="node1" presStyleIdx="2" presStyleCnt="3">
+    <dgm:pt modelId="{F128A66F-7A49-49D0-83C0-311D952804D9}" type="pres">
+      <dgm:prSet presAssocID="{F99CDF44-2C14-446C-AD2E-2F2561BD2DCA}" presName="parentText" presStyleLbl="node1" presStyleIdx="2" presStyleCnt="3">
         <dgm:presLayoutVars>
           <dgm:chMax val="0"/>
           <dgm:bulletEnabled val="1"/>
@@ -1082,24 +1107,24 @@
     </dgm:pt>
   </dgm:ptLst>
   <dgm:cxnLst>
-    <dgm:cxn modelId="{4DC2516A-7C76-4AFB-ADF5-C95F8A9F0C4B}" type="presOf" srcId="{811C1C0D-A356-45A8-813F-3D27133E6179}" destId="{3C43C10B-2CD4-483E-B3DE-A5AABDBD4587}" srcOrd="0" destOrd="0" presId="urn:microsoft.com/office/officeart/2005/8/layout/vList2"/>
-    <dgm:cxn modelId="{A0CF120B-ACB6-4EAD-A385-707DAB039FE4}" srcId="{96818FA0-1682-41EE-9104-C714E28B2491}" destId="{C8C58F3F-3312-4FA9-B94D-E18DB392C7CA}" srcOrd="0" destOrd="0" parTransId="{87CAFEDF-0506-400F-956E-D5B62F797F8A}" sibTransId="{A0DE9D5B-C0BB-49DA-98CB-78FF20230FCD}"/>
-    <dgm:cxn modelId="{96FCD530-A424-4280-8494-7FA9C6F715B0}" srcId="{96818FA0-1682-41EE-9104-C714E28B2491}" destId="{29F3C2E9-6CDE-487A-8E78-6B6D759A24A6}" srcOrd="1" destOrd="0" parTransId="{BE42E21B-FC3F-4C32-9CC7-2FD348C5BD2E}" sibTransId="{8EE3D4DA-7F14-4743-8A70-A0DC1B8CA11D}"/>
-    <dgm:cxn modelId="{93C37FEE-6658-4FA3-8EA8-E13E0A5A748C}" type="presOf" srcId="{C8C58F3F-3312-4FA9-B94D-E18DB392C7CA}" destId="{F2B3F694-86D6-4655-AE63-21BE05369D5D}" srcOrd="0" destOrd="0" presId="urn:microsoft.com/office/officeart/2005/8/layout/vList2"/>
-    <dgm:cxn modelId="{03C1B9D4-EB8B-48DF-BAD1-F74B15FB59A3}" type="presOf" srcId="{96818FA0-1682-41EE-9104-C714E28B2491}" destId="{92F3A8C4-8FCC-4F59-AA9D-F2C92468DF36}" srcOrd="0" destOrd="0" presId="urn:microsoft.com/office/officeart/2005/8/layout/vList2"/>
-    <dgm:cxn modelId="{2C16790F-E86E-4596-94FD-C3DE1B7AAC5E}" srcId="{96818FA0-1682-41EE-9104-C714E28B2491}" destId="{811C1C0D-A356-45A8-813F-3D27133E6179}" srcOrd="2" destOrd="0" parTransId="{119333D6-C902-4B86-8E4D-2F0E605D774A}" sibTransId="{0F8F1EDA-12B6-48C6-8214-946794012053}"/>
-    <dgm:cxn modelId="{C4E48BD1-8950-4701-A092-C58310D5A813}" type="presOf" srcId="{29F3C2E9-6CDE-487A-8E78-6B6D759A24A6}" destId="{1C125B46-E965-425E-8F17-D52C487320A3}" srcOrd="0" destOrd="0" presId="urn:microsoft.com/office/officeart/2005/8/layout/vList2"/>
-    <dgm:cxn modelId="{A5107A93-194D-4722-9B63-8EE43525BF19}" type="presParOf" srcId="{92F3A8C4-8FCC-4F59-AA9D-F2C92468DF36}" destId="{F2B3F694-86D6-4655-AE63-21BE05369D5D}" srcOrd="0" destOrd="0" presId="urn:microsoft.com/office/officeart/2005/8/layout/vList2"/>
-    <dgm:cxn modelId="{91F70538-998E-4E8F-8DCE-3ACCA1619F94}" type="presParOf" srcId="{92F3A8C4-8FCC-4F59-AA9D-F2C92468DF36}" destId="{4756DE4C-C311-434A-BBCC-4A5A9739AEAF}" srcOrd="1" destOrd="0" presId="urn:microsoft.com/office/officeart/2005/8/layout/vList2"/>
-    <dgm:cxn modelId="{21579F76-3BD0-4C66-B36B-869B365CEAD3}" type="presParOf" srcId="{92F3A8C4-8FCC-4F59-AA9D-F2C92468DF36}" destId="{1C125B46-E965-425E-8F17-D52C487320A3}" srcOrd="2" destOrd="0" presId="urn:microsoft.com/office/officeart/2005/8/layout/vList2"/>
-    <dgm:cxn modelId="{EE0D6DEB-2AE4-4BEF-9B36-E53E50AA4A27}" type="presParOf" srcId="{92F3A8C4-8FCC-4F59-AA9D-F2C92468DF36}" destId="{E55A33A7-F353-4D5C-9367-515AE2143180}" srcOrd="3" destOrd="0" presId="urn:microsoft.com/office/officeart/2005/8/layout/vList2"/>
-    <dgm:cxn modelId="{1926DFC1-AF66-4A3F-B4EA-3E8CE086425E}" type="presParOf" srcId="{92F3A8C4-8FCC-4F59-AA9D-F2C92468DF36}" destId="{3C43C10B-2CD4-483E-B3DE-A5AABDBD4587}" srcOrd="4" destOrd="0" presId="urn:microsoft.com/office/officeart/2005/8/layout/vList2"/>
+    <dgm:cxn modelId="{262A6DD6-0AEB-4179-A0FB-6DA5D0C08BE3}" type="presOf" srcId="{018743D6-7C3B-4545-8A94-DD594F327F26}" destId="{64710C00-34DF-4B29-A1C1-1C11AA34AAD9}" srcOrd="0" destOrd="0" presId="urn:microsoft.com/office/officeart/2005/8/layout/vList2"/>
+    <dgm:cxn modelId="{2F762DEA-D3DD-40C7-92CA-BE0CC24A2347}" type="presOf" srcId="{9CF86D76-A148-4378-A792-C209862D6514}" destId="{3D19F7F6-5923-45E2-B3B3-09B4F3FE903A}" srcOrd="0" destOrd="0" presId="urn:microsoft.com/office/officeart/2005/8/layout/vList2"/>
+    <dgm:cxn modelId="{86FCCE9C-A8B0-410B-99B3-CE3311E1EB54}" type="presOf" srcId="{F99CDF44-2C14-446C-AD2E-2F2561BD2DCA}" destId="{F128A66F-7A49-49D0-83C0-311D952804D9}" srcOrd="0" destOrd="0" presId="urn:microsoft.com/office/officeart/2005/8/layout/vList2"/>
+    <dgm:cxn modelId="{464721CB-858C-4920-A915-2F368E643049}" type="presOf" srcId="{743A51C2-6E8D-463B-9B20-67F5DDB66E39}" destId="{841581D3-A24E-40D8-8861-F42027613202}" srcOrd="0" destOrd="0" presId="urn:microsoft.com/office/officeart/2005/8/layout/vList2"/>
+    <dgm:cxn modelId="{4D43104F-3E6C-4B83-86DB-1C01FB2A67B4}" srcId="{018743D6-7C3B-4545-8A94-DD594F327F26}" destId="{9CF86D76-A148-4378-A792-C209862D6514}" srcOrd="1" destOrd="0" parTransId="{99D6D3C1-FADD-4DBA-AD96-F605376295FA}" sibTransId="{0A4EF66E-4368-467F-A054-940CCD643809}"/>
+    <dgm:cxn modelId="{95E62353-36AB-4CF5-BFA3-C5B9E2013D75}" srcId="{018743D6-7C3B-4545-8A94-DD594F327F26}" destId="{F99CDF44-2C14-446C-AD2E-2F2561BD2DCA}" srcOrd="2" destOrd="0" parTransId="{C222A908-6493-4EAB-936B-9F2C293467D2}" sibTransId="{902A5FFF-61BB-495C-91F6-29819ECC2D4B}"/>
+    <dgm:cxn modelId="{6631C0F5-9FCB-4282-BA8F-6743973F6344}" srcId="{018743D6-7C3B-4545-8A94-DD594F327F26}" destId="{743A51C2-6E8D-463B-9B20-67F5DDB66E39}" srcOrd="0" destOrd="0" parTransId="{4C0B19ED-F92F-4D47-A80C-6C98D10862F4}" sibTransId="{1C6A2644-273D-4F21-ABBB-30DE9F970DAC}"/>
+    <dgm:cxn modelId="{5DD9C360-65F2-4BFF-AC0D-D8FC71C274E0}" type="presParOf" srcId="{64710C00-34DF-4B29-A1C1-1C11AA34AAD9}" destId="{841581D3-A24E-40D8-8861-F42027613202}" srcOrd="0" destOrd="0" presId="urn:microsoft.com/office/officeart/2005/8/layout/vList2"/>
+    <dgm:cxn modelId="{A1C6E316-766C-428F-9FEC-451E78013603}" type="presParOf" srcId="{64710C00-34DF-4B29-A1C1-1C11AA34AAD9}" destId="{C491363A-B7E0-45AA-A72D-F24589FF8484}" srcOrd="1" destOrd="0" presId="urn:microsoft.com/office/officeart/2005/8/layout/vList2"/>
+    <dgm:cxn modelId="{B0588BC5-8F20-4585-BB86-731707001A8E}" type="presParOf" srcId="{64710C00-34DF-4B29-A1C1-1C11AA34AAD9}" destId="{3D19F7F6-5923-45E2-B3B3-09B4F3FE903A}" srcOrd="2" destOrd="0" presId="urn:microsoft.com/office/officeart/2005/8/layout/vList2"/>
+    <dgm:cxn modelId="{AA958D58-A9EC-4A55-892B-11B7D99709E1}" type="presParOf" srcId="{64710C00-34DF-4B29-A1C1-1C11AA34AAD9}" destId="{606E0EAE-121D-45ED-B1E1-12D3F8538947}" srcOrd="3" destOrd="0" presId="urn:microsoft.com/office/officeart/2005/8/layout/vList2"/>
+    <dgm:cxn modelId="{13F70169-415C-45A4-A9EE-799EBB4E0DD7}" type="presParOf" srcId="{64710C00-34DF-4B29-A1C1-1C11AA34AAD9}" destId="{F128A66F-7A49-49D0-83C0-311D952804D9}" srcOrd="4" destOrd="0" presId="urn:microsoft.com/office/officeart/2005/8/layout/vList2"/>
   </dgm:cxnLst>
   <dgm:bg/>
   <dgm:whole/>
   <dgm:extLst>
     <a:ext uri="http://schemas.microsoft.com/office/drawing/2008/diagram">
-      <dsp:dataModelExt xmlns:dsp="http://schemas.microsoft.com/office/drawing/2008/diagram" relId="rId10" minVer="http://schemas.openxmlformats.org/drawingml/2006/diagram"/>
+      <dsp:dataModelExt xmlns:dsp="http://schemas.microsoft.com/office/drawing/2008/diagram" relId="rId9" minVer="http://schemas.openxmlformats.org/drawingml/2006/diagram"/>
     </a:ext>
   </dgm:extLst>
 </dgm:dataModel>
@@ -1113,15 +1138,15 @@
       <dsp:cNvGrpSpPr/>
     </dsp:nvGrpSpPr>
     <dsp:grpSpPr/>
-    <dsp:sp modelId="{F2B3F694-86D6-4655-AE63-21BE05369D5D}">
+    <dsp:sp modelId="{841581D3-A24E-40D8-8861-F42027613202}">
       <dsp:nvSpPr>
         <dsp:cNvPr id="0" name=""/>
         <dsp:cNvSpPr/>
       </dsp:nvSpPr>
       <dsp:spPr>
         <a:xfrm>
-          <a:off x="0" y="964170"/>
-          <a:ext cx="8909182" cy="1673100"/>
+          <a:off x="0" y="309483"/>
+          <a:ext cx="9321918" cy="1673100"/>
         </a:xfrm>
         <a:prstGeom prst="roundRect">
           <a:avLst/>
@@ -1179,26 +1204,31 @@
             </a:spcAft>
           </a:pPr>
           <a:r>
-            <a:rPr lang="en-AU" sz="4400" kern="1200" dirty="0" smtClean="0"/>
+            <a:rPr lang="en-AU" sz="4400" kern="1200" dirty="0" smtClean="0">
+              <a:solidFill>
+                <a:srgbClr val="FFFFFF"/>
+              </a:solidFill>
+              <a:latin typeface="Arial"/>
+              <a:ea typeface="Arial"/>
+            </a:rPr>
             <a:t>Trivial composition of modules</a:t>
           </a:r>
-          <a:endParaRPr lang="en-AU" sz="4400" kern="1200" dirty="0"/>
         </a:p>
       </dsp:txBody>
       <dsp:txXfrm>
-        <a:off x="81674" y="1045844"/>
-        <a:ext cx="8745834" cy="1509752"/>
+        <a:off x="81674" y="391157"/>
+        <a:ext cx="9158570" cy="1509752"/>
       </dsp:txXfrm>
     </dsp:sp>
-    <dsp:sp modelId="{1C125B46-E965-425E-8F17-D52C487320A3}">
+    <dsp:sp modelId="{3D19F7F6-5923-45E2-B3B3-09B4F3FE903A}">
       <dsp:nvSpPr>
         <dsp:cNvPr id="0" name=""/>
         <dsp:cNvSpPr/>
       </dsp:nvSpPr>
       <dsp:spPr>
         <a:xfrm>
-          <a:off x="0" y="2824470"/>
-          <a:ext cx="8909182" cy="1673100"/>
+          <a:off x="0" y="2169784"/>
+          <a:ext cx="9321918" cy="1673100"/>
         </a:xfrm>
         <a:prstGeom prst="roundRect">
           <a:avLst/>
@@ -1256,26 +1286,31 @@
             </a:spcAft>
           </a:pPr>
           <a:r>
-            <a:rPr lang="en-AU" sz="4400" kern="1200" dirty="0" smtClean="0"/>
+            <a:rPr lang="en-AU" sz="4400" kern="1200" dirty="0" smtClean="0">
+              <a:solidFill>
+                <a:srgbClr val="FFFFFF"/>
+              </a:solidFill>
+              <a:latin typeface="Arial"/>
+              <a:ea typeface="Arial"/>
+            </a:rPr>
             <a:t>Compatible with existing Haskell compilers</a:t>
           </a:r>
-          <a:endParaRPr lang="en-AU" sz="4400" kern="1200" dirty="0"/>
         </a:p>
       </dsp:txBody>
       <dsp:txXfrm>
-        <a:off x="81674" y="2906144"/>
-        <a:ext cx="8745834" cy="1509752"/>
+        <a:off x="81674" y="2251458"/>
+        <a:ext cx="9158570" cy="1509752"/>
       </dsp:txXfrm>
     </dsp:sp>
-    <dsp:sp modelId="{3C43C10B-2CD4-483E-B3DE-A5AABDBD4587}">
+    <dsp:sp modelId="{F128A66F-7A49-49D0-83C0-311D952804D9}">
       <dsp:nvSpPr>
         <dsp:cNvPr id="0" name=""/>
         <dsp:cNvSpPr/>
       </dsp:nvSpPr>
       <dsp:spPr>
         <a:xfrm>
-          <a:off x="0" y="4684770"/>
-          <a:ext cx="8909182" cy="1673100"/>
+          <a:off x="0" y="4030084"/>
+          <a:ext cx="9321918" cy="1673100"/>
         </a:xfrm>
         <a:prstGeom prst="roundRect">
           <a:avLst/>
@@ -1333,15 +1368,20 @@
             </a:spcAft>
           </a:pPr>
           <a:r>
-            <a:rPr lang="en-AU" sz="4400" kern="1200" dirty="0" smtClean="0"/>
+            <a:rPr lang="en-AU" sz="4400" kern="1200" dirty="0" smtClean="0">
+              <a:solidFill>
+                <a:srgbClr val="FFFFFF"/>
+              </a:solidFill>
+              <a:latin typeface="Arial"/>
+              <a:ea typeface="Arial"/>
+            </a:rPr>
             <a:t>Easily tuned N-degree parallelization</a:t>
           </a:r>
-          <a:endParaRPr lang="en-AU" sz="4400" kern="1200" dirty="0"/>
         </a:p>
       </dsp:txBody>
       <dsp:txXfrm>
-        <a:off x="81674" y="4766444"/>
-        <a:ext cx="8745834" cy="1509752"/>
+        <a:off x="81674" y="4111758"/>
+        <a:ext cx="9158570" cy="1509752"/>
       </dsp:txXfrm>
     </dsp:sp>
   </dsp:spTree>
@@ -2549,6 +2589,171 @@
 </dgm:styleDef>
 </file>
 
+<file path=ppt/handoutMasters/handoutMaster1.xml><?xml version="1.0" encoding="utf-8"?>
+<p:handoutMaster xmlns:a="http://schemas.openxmlformats.org/drawingml/2006/main" xmlns:r="http://schemas.openxmlformats.org/officeDocument/2006/relationships" xmlns:p="http://schemas.openxmlformats.org/presentationml/2006/main">
+  <p:cSld>
+    <p:bg>
+      <p:bgRef idx="1001">
+        <a:schemeClr val="bg1"/>
+      </p:bgRef>
+    </p:bg>
+    <p:spTree>
+      <p:nvGrpSpPr>
+        <p:cNvPr id="1" name=""/>
+        <p:cNvGrpSpPr/>
+        <p:nvPr/>
+      </p:nvGrpSpPr>
+      <p:grpSpPr>
+        <a:xfrm>
+          <a:off x="0" y="0"/>
+          <a:ext cx="0" cy="0"/>
+          <a:chOff x="0" y="0"/>
+          <a:chExt cx="0" cy="0"/>
+        </a:xfrm>
+      </p:grpSpPr>
+      <p:sp>
+        <p:nvSpPr>
+          <p:cNvPr id="2" name="Header Placeholder 1"/>
+          <p:cNvSpPr>
+            <a:spLocks noGrp="1"/>
+          </p:cNvSpPr>
+          <p:nvPr>
+            <p:ph type="hdr" sz="quarter"/>
+          </p:nvPr>
+        </p:nvSpPr>
+        <p:spPr>
+          <a:xfrm>
+            <a:off x="0" y="0"/>
+            <a:ext cx="2971800" cy="457200"/>
+          </a:xfrm>
+          <a:prstGeom prst="rect">
+            <a:avLst/>
+          </a:prstGeom>
+        </p:spPr>
+        <p:txBody>
+          <a:bodyPr vert="horz" lIns="91440" tIns="45720" rIns="91440" bIns="45720" rtlCol="0"/>
+          <a:lstStyle>
+            <a:lvl1pPr algn="l">
+              <a:defRPr sz="1200"/>
+            </a:lvl1pPr>
+          </a:lstStyle>
+          <a:p>
+            <a:endParaRPr lang="en-AU"/>
+          </a:p>
+        </p:txBody>
+      </p:sp>
+      <p:sp>
+        <p:nvSpPr>
+          <p:cNvPr id="3" name="Date Placeholder 2"/>
+          <p:cNvSpPr>
+            <a:spLocks noGrp="1"/>
+          </p:cNvSpPr>
+          <p:nvPr>
+            <p:ph type="dt" sz="quarter" idx="1"/>
+          </p:nvPr>
+        </p:nvSpPr>
+        <p:spPr>
+          <a:xfrm>
+            <a:off x="3884613" y="0"/>
+            <a:ext cx="2971800" cy="457200"/>
+          </a:xfrm>
+          <a:prstGeom prst="rect">
+            <a:avLst/>
+          </a:prstGeom>
+        </p:spPr>
+        <p:txBody>
+          <a:bodyPr vert="horz" lIns="91440" tIns="45720" rIns="91440" bIns="45720" rtlCol="0"/>
+          <a:lstStyle>
+            <a:lvl1pPr algn="r">
+              <a:defRPr sz="1200"/>
+            </a:lvl1pPr>
+          </a:lstStyle>
+          <a:p>
+            <a:fld id="{6927DF88-591D-4F8B-9A4C-7CCD405954A6}" type="datetimeFigureOut">
+              <a:rPr lang="en-AU" smtClean="0"/>
+              <a:t>13/10/2014</a:t>
+            </a:fld>
+            <a:endParaRPr lang="en-AU"/>
+          </a:p>
+        </p:txBody>
+      </p:sp>
+      <p:sp>
+        <p:nvSpPr>
+          <p:cNvPr id="4" name="Footer Placeholder 3"/>
+          <p:cNvSpPr>
+            <a:spLocks noGrp="1"/>
+          </p:cNvSpPr>
+          <p:nvPr>
+            <p:ph type="ftr" sz="quarter" idx="2"/>
+          </p:nvPr>
+        </p:nvSpPr>
+        <p:spPr>
+          <a:xfrm>
+            <a:off x="0" y="8685213"/>
+            <a:ext cx="2971800" cy="457200"/>
+          </a:xfrm>
+          <a:prstGeom prst="rect">
+            <a:avLst/>
+          </a:prstGeom>
+        </p:spPr>
+        <p:txBody>
+          <a:bodyPr vert="horz" lIns="91440" tIns="45720" rIns="91440" bIns="45720" rtlCol="0" anchor="b"/>
+          <a:lstStyle>
+            <a:lvl1pPr algn="l">
+              <a:defRPr sz="1200"/>
+            </a:lvl1pPr>
+          </a:lstStyle>
+          <a:p>
+            <a:endParaRPr lang="en-AU"/>
+          </a:p>
+        </p:txBody>
+      </p:sp>
+      <p:sp>
+        <p:nvSpPr>
+          <p:cNvPr id="5" name="Slide Number Placeholder 4"/>
+          <p:cNvSpPr>
+            <a:spLocks noGrp="1"/>
+          </p:cNvSpPr>
+          <p:nvPr>
+            <p:ph type="sldNum" sz="quarter" idx="3"/>
+          </p:nvPr>
+        </p:nvSpPr>
+        <p:spPr>
+          <a:xfrm>
+            <a:off x="3884613" y="8685213"/>
+            <a:ext cx="2971800" cy="457200"/>
+          </a:xfrm>
+          <a:prstGeom prst="rect">
+            <a:avLst/>
+          </a:prstGeom>
+        </p:spPr>
+        <p:txBody>
+          <a:bodyPr vert="horz" lIns="91440" tIns="45720" rIns="91440" bIns="45720" rtlCol="0" anchor="b"/>
+          <a:lstStyle>
+            <a:lvl1pPr algn="r">
+              <a:defRPr sz="1200"/>
+            </a:lvl1pPr>
+          </a:lstStyle>
+          <a:p>
+            <a:fld id="{73CB7D84-D2F9-412B-BCD3-3C79C4169B9C}" type="slidenum">
+              <a:rPr lang="en-AU" smtClean="0"/>
+              <a:t>‹#›</a:t>
+            </a:fld>
+            <a:endParaRPr lang="en-AU"/>
+          </a:p>
+        </p:txBody>
+      </p:sp>
+    </p:spTree>
+    <p:extLst>
+      <p:ext uri="{BB962C8B-B14F-4D97-AF65-F5344CB8AC3E}">
+        <p14:creationId xmlns:p14="http://schemas.microsoft.com/office/powerpoint/2010/main" val="3461144697"/>
+      </p:ext>
+    </p:extLst>
+  </p:cSld>
+  <p:clrMap bg1="lt1" tx1="dk1" bg2="lt2" tx2="dk2" accent1="accent1" accent2="accent2" accent3="accent3" accent4="accent4" accent5="accent5" accent6="accent6" hlink="hlink" folHlink="folHlink"/>
+</p:handoutMaster>
+</file>
+
 <file path=ppt/notesMasters/notesMaster1.xml><?xml version="1.0" encoding="utf-8"?>
 <p:notesMaster xmlns:a="http://schemas.openxmlformats.org/drawingml/2006/main" xmlns:r="http://schemas.openxmlformats.org/officeDocument/2006/relationships" xmlns:p="http://schemas.openxmlformats.org/presentationml/2006/main">
   <p:cSld>
@@ -3030,42 +3235,6 @@
       </p:grpSpPr>
       <p:sp>
         <p:nvSpPr>
-          <p:cNvPr id="10" name="Rectangle 15"/>
-          <p:cNvSpPr>
-            <a:spLocks noChangeArrowheads="1"/>
-          </p:cNvSpPr>
-          <p:nvPr userDrawn="1"/>
-        </p:nvSpPr>
-        <p:spPr bwMode="auto">
-          <a:xfrm>
-            <a:off x="792300" y="5670935"/>
-            <a:ext cx="19755366" cy="23834648"/>
-          </a:xfrm>
-          <a:prstGeom prst="rect">
-            <a:avLst/>
-          </a:prstGeom>
-          <a:noFill/>
-          <a:ln w="9525">
-            <a:noFill/>
-            <a:miter lim="800000"/>
-            <a:headEnd/>
-            <a:tailEnd/>
-          </a:ln>
-          <a:effectLst/>
-        </p:spPr>
-        <p:txBody>
-          <a:bodyPr wrap="none" lIns="213944" tIns="106973" rIns="213944" bIns="106973" anchor="ctr"/>
-          <a:lstStyle/>
-          <a:p>
-            <a:pPr>
-              <a:defRPr/>
-            </a:pPr>
-            <a:endParaRPr lang="en-US"/>
-          </a:p>
-        </p:txBody>
-      </p:sp>
-      <p:sp>
-        <p:nvSpPr>
           <p:cNvPr id="11" name="Rectangle 12"/>
           <p:cNvSpPr>
             <a:spLocks noChangeArrowheads="1"/>
@@ -3294,46 +3463,6 @@
       </p:sp>
       <p:sp>
         <p:nvSpPr>
-          <p:cNvPr id="17" name="Rectangle 3"/>
-          <p:cNvSpPr>
-            <a:spLocks noGrp="1" noChangeArrowheads="1"/>
-          </p:cNvSpPr>
-          <p:nvPr userDrawn="1">
-            <p:ph type="subTitle" idx="1"/>
-          </p:nvPr>
-        </p:nvSpPr>
-        <p:spPr>
-          <a:xfrm>
-            <a:off x="2272351" y="10894612"/>
-            <a:ext cx="17978279" cy="4103599"/>
-          </a:xfrm>
-        </p:spPr>
-        <p:txBody>
-          <a:bodyPr lIns="0" anchor="b"/>
-          <a:lstStyle>
-            <a:lvl1pPr marL="0" indent="0">
-              <a:spcBef>
-                <a:spcPct val="0"/>
-              </a:spcBef>
-              <a:buFontTx/>
-              <a:buNone/>
-              <a:defRPr sz="3300">
-                <a:solidFill>
-                  <a:schemeClr val="bg1"/>
-                </a:solidFill>
-              </a:defRPr>
-            </a:lvl1pPr>
-          </a:lstStyle>
-          <a:p>
-            <a:r>
-              <a:rPr lang="en-US"/>
-              <a:t>Click to edit Master subtitle style</a:t>
-            </a:r>
-          </a:p>
-        </p:txBody>
-      </p:sp>
-      <p:sp>
-        <p:nvSpPr>
           <p:cNvPr id="19" name="TextBox 18"/>
           <p:cNvSpPr txBox="1"/>
           <p:nvPr userDrawn="1"/>
@@ -3373,13 +3502,6 @@
   <p:clrMapOvr>
     <a:masterClrMapping/>
   </p:clrMapOvr>
-  <p:timing>
-    <p:tnLst>
-      <p:par>
-        <p:cTn id="1" dur="indefinite" restart="never" nodeType="tmRoot"/>
-      </p:par>
-    </p:tnLst>
-  </p:timing>
 </p:sldLayout>
 </file>
 
@@ -16775,23 +16897,655 @@
           <a:chExt cx="0" cy="0"/>
         </a:xfrm>
       </p:grpSpPr>
+      <p:sp>
+        <p:nvSpPr>
+          <p:cNvPr id="4" name="Title 3"/>
+          <p:cNvSpPr>
+            <a:spLocks noGrp="1"/>
+          </p:cNvSpPr>
+          <p:nvPr>
+            <p:ph type="ctrTitle"/>
+          </p:nvPr>
+        </p:nvSpPr>
+        <p:spPr>
+          <a:xfrm>
+            <a:off x="1260352" y="3726719"/>
+            <a:ext cx="18866096" cy="1772497"/>
+          </a:xfrm>
+        </p:spPr>
+        <p:txBody>
+          <a:bodyPr/>
+          <a:lstStyle/>
+          <a:p>
+            <a:r>
+              <a:rPr lang="en-AU" sz="8000" b="1" dirty="0" smtClean="0"/>
+              <a:t>H2V – a Haskell to Verilog Compiler</a:t>
+            </a:r>
+            <a:endParaRPr lang="en-AU" sz="8000" dirty="0"/>
+          </a:p>
+        </p:txBody>
+      </p:sp>
+      <p:sp>
+        <p:nvSpPr>
+          <p:cNvPr id="2" name="TextBox 1"/>
+          <p:cNvSpPr txBox="1"/>
+          <p:nvPr/>
+        </p:nvSpPr>
+        <p:spPr>
+          <a:xfrm>
+            <a:off x="14591108" y="2468320"/>
+            <a:ext cx="5535340" cy="646331"/>
+          </a:xfrm>
+          <a:prstGeom prst="rect">
+            <a:avLst/>
+          </a:prstGeom>
+          <a:noFill/>
+        </p:spPr>
+        <p:txBody>
+          <a:bodyPr wrap="square" rtlCol="0">
+            <a:spAutoFit/>
+          </a:bodyPr>
+          <a:lstStyle/>
+          <a:p>
+            <a:pPr algn="r"/>
+            <a:r>
+              <a:rPr lang="en-US" sz="3600" b="1" dirty="0" smtClean="0">
+                <a:solidFill>
+                  <a:schemeClr val="bg1"/>
+                </a:solidFill>
+              </a:rPr>
+              <a:t>Reuben </a:t>
+            </a:r>
+            <a:r>
+              <a:rPr lang="en-US" sz="3600" b="1" dirty="0" err="1" smtClean="0">
+                <a:solidFill>
+                  <a:schemeClr val="bg1"/>
+                </a:solidFill>
+              </a:rPr>
+              <a:t>D’Netto</a:t>
+            </a:r>
+            <a:endParaRPr lang="en-AU" sz="3600" b="1" dirty="0">
+              <a:solidFill>
+                <a:schemeClr val="bg1"/>
+              </a:solidFill>
+            </a:endParaRPr>
+          </a:p>
+        </p:txBody>
+      </p:sp>
+      <p:sp>
+        <p:nvSpPr>
+          <p:cNvPr id="5" name="TextBox 4"/>
+          <p:cNvSpPr txBox="1"/>
+          <p:nvPr/>
+        </p:nvSpPr>
+        <p:spPr>
+          <a:xfrm>
+            <a:off x="14759680" y="5778947"/>
+            <a:ext cx="5535340" cy="584775"/>
+          </a:xfrm>
+          <a:prstGeom prst="rect">
+            <a:avLst/>
+          </a:prstGeom>
+          <a:noFill/>
+        </p:spPr>
+        <p:txBody>
+          <a:bodyPr wrap="square" rtlCol="0">
+            <a:spAutoFit/>
+          </a:bodyPr>
+          <a:lstStyle/>
+          <a:p>
+            <a:pPr algn="r"/>
+            <a:r>
+              <a:rPr lang="en-US" sz="3200" dirty="0" smtClean="0">
+                <a:solidFill>
+                  <a:schemeClr val="bg1"/>
+                </a:solidFill>
+              </a:rPr>
+              <a:t>Supervisor: Dr. David Boland</a:t>
+            </a:r>
+            <a:endParaRPr lang="en-AU" sz="3200" dirty="0">
+              <a:solidFill>
+                <a:schemeClr val="bg1"/>
+              </a:solidFill>
+            </a:endParaRPr>
+          </a:p>
+        </p:txBody>
+      </p:sp>
       <p:pic>
         <p:nvPicPr>
-          <p:cNvPr id="1028" name="Picture 4" descr="Z:\home\reuben\Remote\ECE4094\docs\Poster\Haskell-Logo-wm2.png"/>
+          <p:cNvPr id="6" name="Picture 4"/>
+          <p:cNvPicPr/>
+          <p:nvPr/>
+        </p:nvPicPr>
+        <p:blipFill>
+          <a:blip r:embed="rId2"/>
+          <a:stretch>
+            <a:fillRect/>
+          </a:stretch>
+        </p:blipFill>
+        <p:spPr>
+          <a:xfrm>
+            <a:off x="864360" y="7128000"/>
+            <a:ext cx="19994448" cy="22105440"/>
+          </a:xfrm>
+          <a:prstGeom prst="rect">
+            <a:avLst/>
+          </a:prstGeom>
+          <a:ln>
+            <a:noFill/>
+          </a:ln>
+        </p:spPr>
+      </p:pic>
+      <p:pic>
+        <p:nvPicPr>
+          <p:cNvPr id="7" name="Picture 2"/>
+          <p:cNvPicPr/>
+          <p:nvPr/>
+        </p:nvPicPr>
+        <p:blipFill>
+          <a:blip r:embed="rId3"/>
+          <a:stretch>
+            <a:fillRect/>
+          </a:stretch>
+        </p:blipFill>
+        <p:spPr>
+          <a:xfrm>
+            <a:off x="17086368" y="25774583"/>
+            <a:ext cx="3772440" cy="3772440"/>
+          </a:xfrm>
+          <a:prstGeom prst="rect">
+            <a:avLst/>
+          </a:prstGeom>
+          <a:ln>
+            <a:noFill/>
+          </a:ln>
+        </p:spPr>
+      </p:pic>
+      <p:sp>
+        <p:nvSpPr>
+          <p:cNvPr id="8" name="CustomShape 6"/>
+          <p:cNvSpPr/>
+          <p:nvPr/>
+        </p:nvSpPr>
+        <p:spPr>
+          <a:xfrm>
+            <a:off x="10927440" y="27921240"/>
+            <a:ext cx="5868360" cy="1095480"/>
+          </a:xfrm>
+          <a:prstGeom prst="rect">
+            <a:avLst/>
+          </a:prstGeom>
+          <a:noFill/>
+          <a:ln>
+            <a:noFill/>
+          </a:ln>
+        </p:spPr>
+        <p:txBody>
+          <a:bodyPr lIns="90000" tIns="45000" rIns="90000" bIns="45000"/>
+          <a:lstStyle/>
+          <a:p>
+            <a:pPr>
+              <a:lnSpc>
+                <a:spcPct val="100000"/>
+              </a:lnSpc>
+            </a:pPr>
+            <a:r>
+              <a:rPr lang="en-AU" sz="3300" dirty="0">
+                <a:solidFill>
+                  <a:srgbClr val="393938"/>
+                </a:solidFill>
+                <a:latin typeface="Calibri" panose="020F0502020204030204" pitchFamily="34" charset="0"/>
+                <a:ea typeface="Arial"/>
+              </a:rPr>
+              <a:t>Source available at:
+</a:t>
+            </a:r>
+            <a:r>
+              <a:rPr lang="en-AU" sz="3300" dirty="0">
+                <a:solidFill>
+                  <a:srgbClr val="393938"/>
+                </a:solidFill>
+                <a:latin typeface="Calibri" panose="020F0502020204030204" pitchFamily="34" charset="0"/>
+                <a:ea typeface="Arial"/>
+                <a:hlinkClick r:id="rId4"/>
+              </a:rPr>
+              <a:t>https://github.com/rdnetto/H2V</a:t>
+            </a:r>
+            <a:endParaRPr dirty="0">
+              <a:latin typeface="Calibri" panose="020F0502020204030204" pitchFamily="34" charset="0"/>
+            </a:endParaRPr>
+          </a:p>
+        </p:txBody>
+      </p:sp>
+      <p:sp>
+        <p:nvSpPr>
+          <p:cNvPr id="9" name="CustomShape 4"/>
+          <p:cNvSpPr/>
+          <p:nvPr/>
+        </p:nvSpPr>
+        <p:spPr>
+          <a:xfrm>
+            <a:off x="1148040" y="7579079"/>
+            <a:ext cx="9684720" cy="7632915"/>
+          </a:xfrm>
+          <a:prstGeom prst="rect">
+            <a:avLst/>
+          </a:prstGeom>
+          <a:noFill/>
+          <a:ln>
+            <a:noFill/>
+          </a:ln>
+        </p:spPr>
+        <p:txBody>
+          <a:bodyPr lIns="90000" tIns="45000" rIns="90000" bIns="45000"/>
+          <a:lstStyle/>
+          <a:p>
+            <a:pPr algn="l">
+              <a:lnSpc>
+                <a:spcPct val="100000"/>
+              </a:lnSpc>
+            </a:pPr>
+            <a:r>
+              <a:rPr lang="en-AU" sz="4400" dirty="0">
+                <a:solidFill>
+                  <a:srgbClr val="393938"/>
+                </a:solidFill>
+                <a:latin typeface="Calibri" panose="020F0502020204030204" pitchFamily="34" charset="0"/>
+                <a:ea typeface="Arial"/>
+              </a:rPr>
+              <a:t>Verilog is often used to implement hardware accelerators, which are used to perform expensive computations faster than a general purpose CPU would allow.</a:t>
+            </a:r>
+            <a:endParaRPr sz="4400" dirty="0">
+              <a:latin typeface="Calibri" panose="020F0502020204030204" pitchFamily="34" charset="0"/>
+            </a:endParaRPr>
+          </a:p>
+          <a:p>
+            <a:pPr algn="l">
+              <a:lnSpc>
+                <a:spcPct val="100000"/>
+              </a:lnSpc>
+            </a:pPr>
+            <a:r>
+              <a:rPr lang="en-AU" sz="4400" dirty="0">
+                <a:solidFill>
+                  <a:srgbClr val="393938"/>
+                </a:solidFill>
+                <a:latin typeface="Calibri" panose="020F0502020204030204" pitchFamily="34" charset="0"/>
+                <a:ea typeface="Arial"/>
+              </a:rPr>
+              <a:t>H2V generates Verilog modules from concise functional descriptions of logic, making it trivial to leverage data-level parallelism.</a:t>
+            </a:r>
+            <a:endParaRPr sz="4400" dirty="0">
+              <a:latin typeface="Calibri" panose="020F0502020204030204" pitchFamily="34" charset="0"/>
+            </a:endParaRPr>
+          </a:p>
+          <a:p>
+            <a:pPr algn="l">
+              <a:lnSpc>
+                <a:spcPct val="100000"/>
+              </a:lnSpc>
+            </a:pPr>
+            <a:r>
+              <a:rPr lang="en-AU" sz="4400" dirty="0">
+                <a:solidFill>
+                  <a:srgbClr val="393938"/>
+                </a:solidFill>
+                <a:latin typeface="Calibri" panose="020F0502020204030204" pitchFamily="34" charset="0"/>
+                <a:ea typeface="Arial"/>
+              </a:rPr>
+              <a:t>Logic can be tested with desktop Haskell compilers, reducing development time.</a:t>
+            </a:r>
+            <a:endParaRPr sz="4400" dirty="0">
+              <a:latin typeface="Calibri" panose="020F0502020204030204" pitchFamily="34" charset="0"/>
+            </a:endParaRPr>
+          </a:p>
+        </p:txBody>
+      </p:sp>
+      <p:sp>
+        <p:nvSpPr>
+          <p:cNvPr id="10" name="CustomShape 5"/>
+          <p:cNvSpPr/>
+          <p:nvPr/>
+        </p:nvSpPr>
+        <p:spPr>
+          <a:xfrm>
+            <a:off x="864360" y="15572035"/>
+            <a:ext cx="9968400" cy="3524040"/>
+          </a:xfrm>
+          <a:prstGeom prst="rect">
+            <a:avLst/>
+          </a:prstGeom>
+          <a:noFill/>
+          <a:ln>
+            <a:solidFill>
+              <a:srgbClr val="2F2F2E"/>
+            </a:solidFill>
+          </a:ln>
+        </p:spPr>
+        <p:txBody>
+          <a:bodyPr lIns="90000" tIns="45000" rIns="90000" bIns="45000"/>
+          <a:lstStyle/>
+          <a:p>
+            <a:pPr algn="l">
+              <a:lnSpc>
+                <a:spcPct val="100000"/>
+              </a:lnSpc>
+            </a:pPr>
+            <a:r>
+              <a:rPr lang="en-AU" sz="3000" dirty="0">
+                <a:solidFill>
+                  <a:srgbClr val="393938"/>
+                </a:solidFill>
+                <a:latin typeface="Consolas"/>
+              </a:rPr>
+              <a:t>sum :: [</a:t>
+            </a:r>
+            <a:r>
+              <a:rPr lang="en-AU" sz="3000" dirty="0" err="1">
+                <a:solidFill>
+                  <a:srgbClr val="393938"/>
+                </a:solidFill>
+                <a:latin typeface="Consolas"/>
+              </a:rPr>
+              <a:t>Int</a:t>
+            </a:r>
+            <a:r>
+              <a:rPr lang="en-AU" sz="3000" dirty="0">
+                <a:solidFill>
+                  <a:srgbClr val="393938"/>
+                </a:solidFill>
+                <a:latin typeface="Consolas"/>
+              </a:rPr>
+              <a:t>] -&gt; </a:t>
+            </a:r>
+            <a:r>
+              <a:rPr lang="en-AU" sz="3000" dirty="0" err="1" smtClean="0">
+                <a:solidFill>
+                  <a:srgbClr val="393938"/>
+                </a:solidFill>
+                <a:latin typeface="Consolas"/>
+              </a:rPr>
+              <a:t>Int</a:t>
+            </a:r>
+            <a:r>
+              <a:rPr lang="en-AU" sz="3000" dirty="0" smtClean="0">
+                <a:solidFill>
+                  <a:srgbClr val="393938"/>
+                </a:solidFill>
+                <a:latin typeface="Consolas"/>
+              </a:rPr>
+              <a:t/>
+            </a:r>
+            <a:br>
+              <a:rPr lang="en-AU" sz="3000" dirty="0" smtClean="0">
+                <a:solidFill>
+                  <a:srgbClr val="393938"/>
+                </a:solidFill>
+                <a:latin typeface="Consolas"/>
+              </a:rPr>
+            </a:br>
+            <a:r>
+              <a:rPr lang="en-AU" sz="3000" dirty="0" smtClean="0">
+                <a:solidFill>
+                  <a:srgbClr val="393938"/>
+                </a:solidFill>
+                <a:latin typeface="Consolas"/>
+              </a:rPr>
+              <a:t>sum </a:t>
+            </a:r>
+            <a:r>
+              <a:rPr lang="en-AU" sz="3000" dirty="0">
+                <a:solidFill>
+                  <a:srgbClr val="393938"/>
+                </a:solidFill>
+                <a:latin typeface="Consolas"/>
+              </a:rPr>
+              <a:t>= </a:t>
+            </a:r>
+            <a:r>
+              <a:rPr lang="en-AU" sz="3000" dirty="0" err="1">
+                <a:solidFill>
+                  <a:srgbClr val="393938"/>
+                </a:solidFill>
+                <a:latin typeface="Consolas"/>
+              </a:rPr>
+              <a:t>mfoldr</a:t>
+            </a:r>
+            <a:r>
+              <a:rPr lang="en-AU" sz="3000" dirty="0">
+                <a:solidFill>
+                  <a:srgbClr val="393938"/>
+                </a:solidFill>
+                <a:latin typeface="Consolas"/>
+              </a:rPr>
+              <a:t> (+) 0</a:t>
+            </a:r>
+          </a:p>
+          <a:p>
+            <a:pPr algn="l">
+              <a:lnSpc>
+                <a:spcPct val="100000"/>
+              </a:lnSpc>
+            </a:pPr>
+            <a:r>
+              <a:rPr lang="en-AU" sz="3000" dirty="0" err="1" smtClean="0">
+                <a:solidFill>
+                  <a:srgbClr val="393938"/>
+                </a:solidFill>
+                <a:latin typeface="Consolas"/>
+              </a:rPr>
+              <a:t>dotProduct</a:t>
+            </a:r>
+            <a:r>
+              <a:rPr lang="en-AU" sz="3000" dirty="0" smtClean="0">
+                <a:solidFill>
+                  <a:srgbClr val="393938"/>
+                </a:solidFill>
+                <a:latin typeface="Consolas"/>
+              </a:rPr>
+              <a:t> </a:t>
+            </a:r>
+            <a:r>
+              <a:rPr lang="en-AU" sz="3000" dirty="0">
+                <a:solidFill>
+                  <a:srgbClr val="393938"/>
+                </a:solidFill>
+                <a:latin typeface="Consolas"/>
+              </a:rPr>
+              <a:t>:: [</a:t>
+            </a:r>
+            <a:r>
+              <a:rPr lang="en-AU" sz="3000" dirty="0" err="1">
+                <a:solidFill>
+                  <a:srgbClr val="393938"/>
+                </a:solidFill>
+                <a:latin typeface="Consolas"/>
+              </a:rPr>
+              <a:t>Int</a:t>
+            </a:r>
+            <a:r>
+              <a:rPr lang="en-AU" sz="3000" dirty="0">
+                <a:solidFill>
+                  <a:srgbClr val="393938"/>
+                </a:solidFill>
+                <a:latin typeface="Consolas"/>
+              </a:rPr>
+              <a:t>] -&gt; [</a:t>
+            </a:r>
+            <a:r>
+              <a:rPr lang="en-AU" sz="3000" dirty="0" err="1">
+                <a:solidFill>
+                  <a:srgbClr val="393938"/>
+                </a:solidFill>
+                <a:latin typeface="Consolas"/>
+              </a:rPr>
+              <a:t>Int</a:t>
+            </a:r>
+            <a:r>
+              <a:rPr lang="en-AU" sz="3000" dirty="0">
+                <a:solidFill>
+                  <a:srgbClr val="393938"/>
+                </a:solidFill>
+                <a:latin typeface="Consolas"/>
+              </a:rPr>
+              <a:t>] -&gt; </a:t>
+            </a:r>
+            <a:r>
+              <a:rPr lang="en-AU" sz="3000" dirty="0" err="1" smtClean="0">
+                <a:solidFill>
+                  <a:srgbClr val="393938"/>
+                </a:solidFill>
+                <a:latin typeface="Consolas"/>
+              </a:rPr>
+              <a:t>Int</a:t>
+            </a:r>
+            <a:r>
+              <a:rPr lang="en-AU" sz="3000" dirty="0" smtClean="0">
+                <a:solidFill>
+                  <a:srgbClr val="393938"/>
+                </a:solidFill>
+                <a:latin typeface="Consolas"/>
+              </a:rPr>
+              <a:t/>
+            </a:r>
+            <a:br>
+              <a:rPr lang="en-AU" sz="3000" dirty="0" smtClean="0">
+                <a:solidFill>
+                  <a:srgbClr val="393938"/>
+                </a:solidFill>
+                <a:latin typeface="Consolas"/>
+              </a:rPr>
+            </a:br>
+            <a:r>
+              <a:rPr lang="en-AU" sz="3000" dirty="0" err="1" smtClean="0">
+                <a:solidFill>
+                  <a:srgbClr val="393938"/>
+                </a:solidFill>
+                <a:latin typeface="Consolas"/>
+              </a:rPr>
+              <a:t>dotProduct</a:t>
+            </a:r>
+            <a:r>
+              <a:rPr lang="en-AU" sz="3000" dirty="0" smtClean="0">
+                <a:solidFill>
+                  <a:srgbClr val="393938"/>
+                </a:solidFill>
+                <a:latin typeface="Consolas"/>
+              </a:rPr>
+              <a:t> </a:t>
+            </a:r>
+            <a:r>
+              <a:rPr lang="en-AU" sz="3000" dirty="0">
+                <a:solidFill>
+                  <a:srgbClr val="393938"/>
+                </a:solidFill>
+                <a:latin typeface="Consolas"/>
+              </a:rPr>
+              <a:t>u v = sum $ </a:t>
+            </a:r>
+            <a:r>
+              <a:rPr lang="en-AU" sz="3000" dirty="0" err="1">
+                <a:solidFill>
+                  <a:srgbClr val="393938"/>
+                </a:solidFill>
+                <a:latin typeface="Consolas"/>
+              </a:rPr>
+              <a:t>zipWith</a:t>
+            </a:r>
+            <a:r>
+              <a:rPr lang="en-AU" sz="3000" dirty="0">
+                <a:solidFill>
+                  <a:srgbClr val="393938"/>
+                </a:solidFill>
+                <a:latin typeface="Consolas"/>
+              </a:rPr>
+              <a:t> (*) u v ||| 3</a:t>
+            </a:r>
+          </a:p>
+          <a:p>
+            <a:pPr algn="l">
+              <a:lnSpc>
+                <a:spcPct val="100000"/>
+              </a:lnSpc>
+            </a:pPr>
+            <a:r>
+              <a:rPr lang="en-AU" sz="3000" dirty="0" smtClean="0">
+                <a:solidFill>
+                  <a:srgbClr val="393938"/>
+                </a:solidFill>
+                <a:latin typeface="Consolas"/>
+              </a:rPr>
+              <a:t>demo _ = </a:t>
+            </a:r>
+            <a:r>
+              <a:rPr lang="en-AU" sz="3000" dirty="0" err="1">
+                <a:solidFill>
+                  <a:srgbClr val="393938"/>
+                </a:solidFill>
+                <a:latin typeface="Consolas"/>
+              </a:rPr>
+              <a:t>dotProduct</a:t>
+            </a:r>
+            <a:r>
+              <a:rPr lang="en-AU" sz="3000" dirty="0">
+                <a:solidFill>
+                  <a:srgbClr val="393938"/>
+                </a:solidFill>
+                <a:latin typeface="Consolas"/>
+              </a:rPr>
+              <a:t> [1, 2, 3] [4, 5, 6] ||| 3</a:t>
+            </a:r>
+            <a:endParaRPr lang="en-AU" sz="3000" dirty="0">
+              <a:solidFill>
+                <a:srgbClr val="393938"/>
+              </a:solidFill>
+              <a:latin typeface="Consolas"/>
+            </a:endParaRPr>
+          </a:p>
+        </p:txBody>
+      </p:sp>
+      <p:graphicFrame>
+        <p:nvGraphicFramePr>
+          <p:cNvPr id="3" name="Diagram 2"/>
+          <p:cNvGraphicFramePr/>
+          <p:nvPr>
+            <p:extLst>
+              <p:ext uri="{D42A27DB-BD31-4B8C-83A1-F6EECF244321}">
+                <p14:modId xmlns:p14="http://schemas.microsoft.com/office/powerpoint/2010/main" val="4082531773"/>
+              </p:ext>
+            </p:extLst>
+          </p:nvPr>
+        </p:nvGraphicFramePr>
+        <p:xfrm>
+          <a:off x="11232165" y="8083203"/>
+          <a:ext cx="9321918" cy="6012668"/>
+        </p:xfrm>
+        <a:graphic>
+          <a:graphicData uri="http://schemas.openxmlformats.org/drawingml/2006/diagram">
+            <dgm:relIds xmlns:dgm="http://schemas.openxmlformats.org/drawingml/2006/diagram" xmlns:r="http://schemas.openxmlformats.org/officeDocument/2006/relationships" r:dm="rId5" r:lo="rId6" r:qs="rId7" r:cs="rId8"/>
+          </a:graphicData>
+        </a:graphic>
+      </p:graphicFrame>
+      <p:pic>
+        <p:nvPicPr>
+          <p:cNvPr id="1028" name="Picture 4" descr="\\192.168.1.40\reuben\Remote\ECE4094\docs\Poster\DFD.png"/>
           <p:cNvPicPr>
             <a:picLocks noChangeAspect="1" noChangeArrowheads="1"/>
           </p:cNvPicPr>
           <p:nvPr/>
         </p:nvPicPr>
         <p:blipFill>
-          <a:blip r:embed="rId3">
-            <a:duotone>
-              <a:schemeClr val="accent3">
-                <a:shade val="45000"/>
-                <a:satMod val="135000"/>
-              </a:schemeClr>
-              <a:prstClr val="white"/>
-            </a:duotone>
+          <a:blip r:embed="rId10">
+            <a:clrChange>
+              <a:clrFrom>
+                <a:srgbClr val="8080FF"/>
+              </a:clrFrom>
+              <a:clrTo>
+                <a:srgbClr val="8080FF">
+                  <a:alpha val="0"/>
+                </a:srgbClr>
+              </a:clrTo>
+            </a:clrChange>
             <a:extLst>
               <a:ext uri="{28A0092B-C50C-407E-A947-70E740481C1C}">
                 <a14:useLocalDpi xmlns:a14="http://schemas.microsoft.com/office/drawing/2010/main" val="0"/>
@@ -16805,8 +17559,8 @@
         </p:blipFill>
         <p:spPr bwMode="auto">
           <a:xfrm>
-            <a:off x="864308" y="7128076"/>
-            <a:ext cx="19686529" cy="22105770"/>
+            <a:off x="10927440" y="15565548"/>
+            <a:ext cx="9931368" cy="6403176"/>
           </a:xfrm>
           <a:prstGeom prst="rect">
             <a:avLst/>
@@ -16823,607 +17577,6 @@
           </a:extLst>
         </p:spPr>
       </p:pic>
-      <p:sp>
-        <p:nvSpPr>
-          <p:cNvPr id="4" name="Title 3"/>
-          <p:cNvSpPr>
-            <a:spLocks noGrp="1"/>
-          </p:cNvSpPr>
-          <p:nvPr>
-            <p:ph type="ctrTitle"/>
-          </p:nvPr>
-        </p:nvSpPr>
-        <p:spPr>
-          <a:xfrm>
-            <a:off x="1260352" y="3726719"/>
-            <a:ext cx="18866096" cy="1772497"/>
-          </a:xfrm>
-        </p:spPr>
-        <p:txBody>
-          <a:bodyPr/>
-          <a:lstStyle/>
-          <a:p>
-            <a:r>
-              <a:rPr lang="en-AU" sz="8000" b="1" dirty="0" smtClean="0"/>
-              <a:t>H2V – a Haskell to Verilog Compiler</a:t>
-            </a:r>
-            <a:endParaRPr lang="en-AU" sz="8000" dirty="0"/>
-          </a:p>
-        </p:txBody>
-      </p:sp>
-      <p:sp>
-        <p:nvSpPr>
-          <p:cNvPr id="2" name="TextBox 1"/>
-          <p:cNvSpPr txBox="1"/>
-          <p:nvPr/>
-        </p:nvSpPr>
-        <p:spPr>
-          <a:xfrm>
-            <a:off x="14591108" y="2468320"/>
-            <a:ext cx="5535340" cy="646331"/>
-          </a:xfrm>
-          <a:prstGeom prst="rect">
-            <a:avLst/>
-          </a:prstGeom>
-          <a:noFill/>
-        </p:spPr>
-        <p:txBody>
-          <a:bodyPr wrap="square" rtlCol="0">
-            <a:spAutoFit/>
-          </a:bodyPr>
-          <a:lstStyle/>
-          <a:p>
-            <a:pPr algn="r"/>
-            <a:r>
-              <a:rPr lang="en-US" sz="3600" b="1" dirty="0" smtClean="0">
-                <a:solidFill>
-                  <a:schemeClr val="bg1"/>
-                </a:solidFill>
-              </a:rPr>
-              <a:t>Reuben </a:t>
-            </a:r>
-            <a:r>
-              <a:rPr lang="en-US" sz="3600" b="1" dirty="0" err="1" smtClean="0">
-                <a:solidFill>
-                  <a:schemeClr val="bg1"/>
-                </a:solidFill>
-              </a:rPr>
-              <a:t>D’Netto</a:t>
-            </a:r>
-            <a:endParaRPr lang="en-AU" sz="3600" b="1" dirty="0">
-              <a:solidFill>
-                <a:schemeClr val="bg1"/>
-              </a:solidFill>
-            </a:endParaRPr>
-          </a:p>
-        </p:txBody>
-      </p:sp>
-      <p:sp>
-        <p:nvSpPr>
-          <p:cNvPr id="5" name="TextBox 4"/>
-          <p:cNvSpPr txBox="1"/>
-          <p:nvPr/>
-        </p:nvSpPr>
-        <p:spPr>
-          <a:xfrm>
-            <a:off x="13861752" y="5778947"/>
-            <a:ext cx="6433268" cy="584775"/>
-          </a:xfrm>
-          <a:prstGeom prst="rect">
-            <a:avLst/>
-          </a:prstGeom>
-          <a:noFill/>
-        </p:spPr>
-        <p:txBody>
-          <a:bodyPr wrap="square" rtlCol="0">
-            <a:spAutoFit/>
-          </a:bodyPr>
-          <a:lstStyle/>
-          <a:p>
-            <a:pPr algn="r"/>
-            <a:r>
-              <a:rPr lang="en-US" sz="3200" dirty="0" smtClean="0">
-                <a:solidFill>
-                  <a:schemeClr val="bg1"/>
-                </a:solidFill>
-              </a:rPr>
-              <a:t>Supervisor: Dr. David </a:t>
-            </a:r>
-            <a:r>
-              <a:rPr lang="en-US" sz="3200" dirty="0" smtClean="0">
-                <a:solidFill>
-                  <a:schemeClr val="bg1"/>
-                </a:solidFill>
-              </a:rPr>
-              <a:t>Boland</a:t>
-            </a:r>
-            <a:endParaRPr lang="en-AU" sz="3200" dirty="0">
-              <a:solidFill>
-                <a:schemeClr val="bg1"/>
-              </a:solidFill>
-            </a:endParaRPr>
-          </a:p>
-        </p:txBody>
-      </p:sp>
-      <p:pic>
-        <p:nvPicPr>
-          <p:cNvPr id="3" name="Picture 2"/>
-          <p:cNvPicPr>
-            <a:picLocks noChangeAspect="1"/>
-          </p:cNvPicPr>
-          <p:nvPr/>
-        </p:nvPicPr>
-        <p:blipFill>
-          <a:blip r:embed="rId4">
-            <a:clrChange>
-              <a:clrFrom>
-                <a:srgbClr val="FFFFFF"/>
-              </a:clrFrom>
-              <a:clrTo>
-                <a:srgbClr val="FFFFFF">
-                  <a:alpha val="0"/>
-                </a:srgbClr>
-              </a:clrTo>
-            </a:clrChange>
-            <a:extLst>
-              <a:ext uri="{28A0092B-C50C-407E-A947-70E740481C1C}">
-                <a14:useLocalDpi xmlns:a14="http://schemas.microsoft.com/office/drawing/2010/main" val="0"/>
-              </a:ext>
-            </a:extLst>
-          </a:blip>
-          <a:stretch>
-            <a:fillRect/>
-          </a:stretch>
-        </p:blipFill>
-        <p:spPr>
-          <a:xfrm>
-            <a:off x="16778076" y="25761167"/>
-            <a:ext cx="3772761" cy="3772761"/>
-          </a:xfrm>
-          <a:prstGeom prst="rect">
-            <a:avLst/>
-          </a:prstGeom>
-        </p:spPr>
-      </p:pic>
-      <p:sp>
-        <p:nvSpPr>
-          <p:cNvPr id="19" name="TextBox 18"/>
-          <p:cNvSpPr txBox="1"/>
-          <p:nvPr/>
-        </p:nvSpPr>
-        <p:spPr>
-          <a:xfrm>
-            <a:off x="1148159" y="7579147"/>
-            <a:ext cx="9685076" cy="6863417"/>
-          </a:xfrm>
-          <a:prstGeom prst="rect">
-            <a:avLst/>
-          </a:prstGeom>
-          <a:noFill/>
-        </p:spPr>
-        <p:txBody>
-          <a:bodyPr wrap="square" rtlCol="0">
-            <a:spAutoFit/>
-          </a:bodyPr>
-          <a:lstStyle/>
-          <a:p>
-            <a:pPr algn="l"/>
-            <a:r>
-              <a:rPr lang="en-AU" sz="4000" dirty="0" smtClean="0"/>
-              <a:t>Verilog is often used to implement hardware accelerators, which are used to perform expensive computations faster than a general purpose CPU would allow.</a:t>
-            </a:r>
-          </a:p>
-          <a:p>
-            <a:pPr algn="l"/>
-            <a:r>
-              <a:rPr lang="en-AU" sz="4000" dirty="0" smtClean="0"/>
-              <a:t>H2V generates Verilog modules from concise functional descriptions of logic, making it trivial to leverage data-level parallelism.</a:t>
-            </a:r>
-          </a:p>
-          <a:p>
-            <a:pPr algn="l"/>
-            <a:r>
-              <a:rPr lang="en-AU" sz="4000" dirty="0" smtClean="0"/>
-              <a:t>Logic can be tested with desktop Haskell compilers, reducing development time.</a:t>
-            </a:r>
-            <a:endParaRPr lang="en-AU" sz="4000" dirty="0" smtClean="0"/>
-          </a:p>
-        </p:txBody>
-      </p:sp>
-      <p:sp>
-        <p:nvSpPr>
-          <p:cNvPr id="21" name="TextBox 20"/>
-          <p:cNvSpPr txBox="1"/>
-          <p:nvPr/>
-        </p:nvSpPr>
-        <p:spPr>
-          <a:xfrm>
-            <a:off x="864308" y="15139987"/>
-            <a:ext cx="10697370" cy="3139321"/>
-          </a:xfrm>
-          <a:prstGeom prst="rect">
-            <a:avLst/>
-          </a:prstGeom>
-          <a:noFill/>
-          <a:ln>
-            <a:solidFill>
-              <a:schemeClr val="accent4"/>
-            </a:solidFill>
-          </a:ln>
-        </p:spPr>
-        <p:txBody>
-          <a:bodyPr wrap="square" rtlCol="0">
-            <a:spAutoFit/>
-          </a:bodyPr>
-          <a:lstStyle/>
-          <a:p>
-            <a:pPr algn="l"/>
-            <a:r>
-              <a:rPr lang="en-AU" dirty="0">
-                <a:latin typeface="Consolas" pitchFamily="49" charset="0"/>
-                <a:cs typeface="Consolas" pitchFamily="49" charset="0"/>
-              </a:rPr>
-              <a:t>sum :: [</a:t>
-            </a:r>
-            <a:r>
-              <a:rPr lang="en-AU" dirty="0" err="1">
-                <a:latin typeface="Consolas" pitchFamily="49" charset="0"/>
-                <a:cs typeface="Consolas" pitchFamily="49" charset="0"/>
-              </a:rPr>
-              <a:t>Int</a:t>
-            </a:r>
-            <a:r>
-              <a:rPr lang="en-AU" dirty="0">
-                <a:latin typeface="Consolas" pitchFamily="49" charset="0"/>
-                <a:cs typeface="Consolas" pitchFamily="49" charset="0"/>
-              </a:rPr>
-              <a:t>] -&gt; </a:t>
-            </a:r>
-            <a:r>
-              <a:rPr lang="en-AU" dirty="0" err="1" smtClean="0">
-                <a:latin typeface="Consolas" pitchFamily="49" charset="0"/>
-                <a:cs typeface="Consolas" pitchFamily="49" charset="0"/>
-              </a:rPr>
-              <a:t>Int</a:t>
-            </a:r>
-            <a:r>
-              <a:rPr lang="en-AU" dirty="0" smtClean="0">
-                <a:latin typeface="Consolas" pitchFamily="49" charset="0"/>
-                <a:cs typeface="Consolas" pitchFamily="49" charset="0"/>
-              </a:rPr>
-              <a:t/>
-            </a:r>
-            <a:br>
-              <a:rPr lang="en-AU" dirty="0" smtClean="0">
-                <a:latin typeface="Consolas" pitchFamily="49" charset="0"/>
-                <a:cs typeface="Consolas" pitchFamily="49" charset="0"/>
-              </a:rPr>
-            </a:br>
-            <a:r>
-              <a:rPr lang="en-AU" dirty="0" smtClean="0">
-                <a:latin typeface="Consolas" pitchFamily="49" charset="0"/>
-                <a:cs typeface="Consolas" pitchFamily="49" charset="0"/>
-              </a:rPr>
-              <a:t>sum </a:t>
-            </a:r>
-            <a:r>
-              <a:rPr lang="en-AU" dirty="0">
-                <a:latin typeface="Consolas" pitchFamily="49" charset="0"/>
-                <a:cs typeface="Consolas" pitchFamily="49" charset="0"/>
-              </a:rPr>
-              <a:t>= </a:t>
-            </a:r>
-            <a:r>
-              <a:rPr lang="en-AU" dirty="0" err="1">
-                <a:latin typeface="Consolas" pitchFamily="49" charset="0"/>
-                <a:cs typeface="Consolas" pitchFamily="49" charset="0"/>
-              </a:rPr>
-              <a:t>mfoldr</a:t>
-            </a:r>
-            <a:r>
-              <a:rPr lang="en-AU" dirty="0">
-                <a:latin typeface="Consolas" pitchFamily="49" charset="0"/>
-                <a:cs typeface="Consolas" pitchFamily="49" charset="0"/>
-              </a:rPr>
-              <a:t> (+) 0</a:t>
-            </a:r>
-          </a:p>
-          <a:p>
-            <a:pPr algn="l"/>
-            <a:r>
-              <a:rPr lang="en-AU" dirty="0" err="1" smtClean="0">
-                <a:latin typeface="Consolas" pitchFamily="49" charset="0"/>
-                <a:cs typeface="Consolas" pitchFamily="49" charset="0"/>
-              </a:rPr>
-              <a:t>dotProduct</a:t>
-            </a:r>
-            <a:r>
-              <a:rPr lang="en-AU" dirty="0" smtClean="0">
-                <a:latin typeface="Consolas" pitchFamily="49" charset="0"/>
-                <a:cs typeface="Consolas" pitchFamily="49" charset="0"/>
-              </a:rPr>
-              <a:t> </a:t>
-            </a:r>
-            <a:r>
-              <a:rPr lang="en-AU" dirty="0">
-                <a:latin typeface="Consolas" pitchFamily="49" charset="0"/>
-                <a:cs typeface="Consolas" pitchFamily="49" charset="0"/>
-              </a:rPr>
-              <a:t>:: [</a:t>
-            </a:r>
-            <a:r>
-              <a:rPr lang="en-AU" dirty="0" err="1">
-                <a:latin typeface="Consolas" pitchFamily="49" charset="0"/>
-                <a:cs typeface="Consolas" pitchFamily="49" charset="0"/>
-              </a:rPr>
-              <a:t>Int</a:t>
-            </a:r>
-            <a:r>
-              <a:rPr lang="en-AU" dirty="0">
-                <a:latin typeface="Consolas" pitchFamily="49" charset="0"/>
-                <a:cs typeface="Consolas" pitchFamily="49" charset="0"/>
-              </a:rPr>
-              <a:t>] -&gt; [</a:t>
-            </a:r>
-            <a:r>
-              <a:rPr lang="en-AU" dirty="0" err="1">
-                <a:latin typeface="Consolas" pitchFamily="49" charset="0"/>
-                <a:cs typeface="Consolas" pitchFamily="49" charset="0"/>
-              </a:rPr>
-              <a:t>Int</a:t>
-            </a:r>
-            <a:r>
-              <a:rPr lang="en-AU" dirty="0">
-                <a:latin typeface="Consolas" pitchFamily="49" charset="0"/>
-                <a:cs typeface="Consolas" pitchFamily="49" charset="0"/>
-              </a:rPr>
-              <a:t>] -&gt; </a:t>
-            </a:r>
-            <a:r>
-              <a:rPr lang="en-AU" dirty="0" err="1" smtClean="0">
-                <a:latin typeface="Consolas" pitchFamily="49" charset="0"/>
-                <a:cs typeface="Consolas" pitchFamily="49" charset="0"/>
-              </a:rPr>
-              <a:t>Int</a:t>
-            </a:r>
-            <a:r>
-              <a:rPr lang="en-AU" dirty="0" smtClean="0">
-                <a:latin typeface="Consolas" pitchFamily="49" charset="0"/>
-                <a:cs typeface="Consolas" pitchFamily="49" charset="0"/>
-              </a:rPr>
-              <a:t/>
-            </a:r>
-            <a:br>
-              <a:rPr lang="en-AU" dirty="0" smtClean="0">
-                <a:latin typeface="Consolas" pitchFamily="49" charset="0"/>
-                <a:cs typeface="Consolas" pitchFamily="49" charset="0"/>
-              </a:rPr>
-            </a:br>
-            <a:r>
-              <a:rPr lang="en-AU" dirty="0" err="1" smtClean="0">
-                <a:latin typeface="Consolas" pitchFamily="49" charset="0"/>
-                <a:cs typeface="Consolas" pitchFamily="49" charset="0"/>
-              </a:rPr>
-              <a:t>dotProduct</a:t>
-            </a:r>
-            <a:r>
-              <a:rPr lang="en-AU" dirty="0" smtClean="0">
-                <a:latin typeface="Consolas" pitchFamily="49" charset="0"/>
-                <a:cs typeface="Consolas" pitchFamily="49" charset="0"/>
-              </a:rPr>
-              <a:t> </a:t>
-            </a:r>
-            <a:r>
-              <a:rPr lang="en-AU" dirty="0">
-                <a:latin typeface="Consolas" pitchFamily="49" charset="0"/>
-                <a:cs typeface="Consolas" pitchFamily="49" charset="0"/>
-              </a:rPr>
-              <a:t>= sum . </a:t>
-            </a:r>
-            <a:r>
-              <a:rPr lang="en-AU" dirty="0" err="1">
-                <a:latin typeface="Consolas" pitchFamily="49" charset="0"/>
-                <a:cs typeface="Consolas" pitchFamily="49" charset="0"/>
-              </a:rPr>
-              <a:t>zipWith</a:t>
-            </a:r>
-            <a:r>
-              <a:rPr lang="en-AU" dirty="0">
-                <a:latin typeface="Consolas" pitchFamily="49" charset="0"/>
-                <a:cs typeface="Consolas" pitchFamily="49" charset="0"/>
-              </a:rPr>
-              <a:t> (*)</a:t>
-            </a:r>
-          </a:p>
-          <a:p>
-            <a:pPr algn="l"/>
-            <a:r>
-              <a:rPr lang="en-AU" dirty="0" smtClean="0">
-                <a:latin typeface="Consolas" pitchFamily="49" charset="0"/>
-                <a:cs typeface="Consolas" pitchFamily="49" charset="0"/>
-              </a:rPr>
-              <a:t>demo </a:t>
-            </a:r>
-            <a:r>
-              <a:rPr lang="en-AU" dirty="0">
-                <a:latin typeface="Consolas" pitchFamily="49" charset="0"/>
-                <a:cs typeface="Consolas" pitchFamily="49" charset="0"/>
-              </a:rPr>
-              <a:t>_ = </a:t>
-            </a:r>
-            <a:r>
-              <a:rPr lang="en-AU" dirty="0" err="1">
-                <a:latin typeface="Consolas" pitchFamily="49" charset="0"/>
-                <a:cs typeface="Consolas" pitchFamily="49" charset="0"/>
-              </a:rPr>
-              <a:t>dotProduct</a:t>
-            </a:r>
-            <a:r>
-              <a:rPr lang="en-AU" dirty="0">
-                <a:latin typeface="Consolas" pitchFamily="49" charset="0"/>
-                <a:cs typeface="Consolas" pitchFamily="49" charset="0"/>
-              </a:rPr>
-              <a:t> [1, 2, 3] [4, 5, 6] ||| </a:t>
-            </a:r>
-            <a:r>
-              <a:rPr lang="en-AU" dirty="0" smtClean="0">
-                <a:latin typeface="Consolas" pitchFamily="49" charset="0"/>
-                <a:cs typeface="Consolas" pitchFamily="49" charset="0"/>
-              </a:rPr>
-              <a:t>3</a:t>
-            </a:r>
-            <a:endParaRPr lang="en-AU" dirty="0">
-              <a:latin typeface="Consolas" pitchFamily="49" charset="0"/>
-              <a:cs typeface="Consolas" pitchFamily="49" charset="0"/>
-            </a:endParaRPr>
-          </a:p>
-        </p:txBody>
-      </p:sp>
-      <p:sp>
-        <p:nvSpPr>
-          <p:cNvPr id="25" name="TextBox 24"/>
-          <p:cNvSpPr txBox="1"/>
-          <p:nvPr/>
-        </p:nvSpPr>
-        <p:spPr>
-          <a:xfrm>
-            <a:off x="10927426" y="27921407"/>
-            <a:ext cx="5868652" cy="1107996"/>
-          </a:xfrm>
-          <a:prstGeom prst="rect">
-            <a:avLst/>
-          </a:prstGeom>
-          <a:noFill/>
-        </p:spPr>
-        <p:txBody>
-          <a:bodyPr wrap="square" rtlCol="0">
-            <a:spAutoFit/>
-          </a:bodyPr>
-          <a:lstStyle/>
-          <a:p>
-            <a:pPr algn="l"/>
-            <a:r>
-              <a:rPr lang="en-AU" dirty="0" smtClean="0"/>
-              <a:t>Source available at:</a:t>
-            </a:r>
-            <a:br>
-              <a:rPr lang="en-AU" dirty="0" smtClean="0"/>
-            </a:br>
-            <a:r>
-              <a:rPr lang="en-AU" dirty="0" smtClean="0"/>
-              <a:t>https</a:t>
-            </a:r>
-            <a:r>
-              <a:rPr lang="en-AU" dirty="0"/>
-              <a:t>://github.com/rdnetto/H2V</a:t>
-            </a:r>
-          </a:p>
-        </p:txBody>
-      </p:sp>
-      <p:graphicFrame>
-        <p:nvGraphicFramePr>
-          <p:cNvPr id="8" name="Object 7"/>
-          <p:cNvGraphicFramePr>
-            <a:graphicFrameLocks noChangeAspect="1"/>
-          </p:cNvGraphicFramePr>
-          <p:nvPr>
-            <p:extLst>
-              <p:ext uri="{D42A27DB-BD31-4B8C-83A1-F6EECF244321}">
-                <p14:modId xmlns:p14="http://schemas.microsoft.com/office/powerpoint/2010/main" val="1324686203"/>
-              </p:ext>
-            </p:extLst>
-          </p:nvPr>
-        </p:nvGraphicFramePr>
-        <p:xfrm>
-          <a:off x="3563938" y="10387013"/>
-          <a:ext cx="14257337" cy="9504362"/>
-        </p:xfrm>
-        <a:graphic>
-          <a:graphicData uri="http://schemas.openxmlformats.org/presentationml/2006/ole">
-            <mc:AlternateContent xmlns:mc="http://schemas.openxmlformats.org/markup-compatibility/2006">
-              <mc:Choice xmlns:v="urn:schemas-microsoft-com:vml" Requires="v">
-                <p:oleObj spid="_x0000_s1030" name="Microsoft Graph Chart" r:id="rId5" imgW="0" imgH="0" progId="MSGraph.Chart.8">
-                  <p:embed followColorScheme="full"/>
-                </p:oleObj>
-              </mc:Choice>
-              <mc:Fallback>
-                <p:oleObj name="Microsoft Graph Chart" r:id="rId5" imgW="0" imgH="0" progId="MSGraph.Chart.8">
-                  <p:embed followColorScheme="full"/>
-                  <p:pic>
-                    <p:nvPicPr>
-                      <p:cNvPr id="0" name=""/>
-                      <p:cNvPicPr/>
-                      <p:nvPr/>
-                    </p:nvPicPr>
-                    <p:blipFill/>
-                    <p:spPr>
-                      <a:xfrm>
-                        <a:off x="3563938" y="10387013"/>
-                        <a:ext cx="14257337" cy="9504362"/>
-                      </a:xfrm>
-                      <a:prstGeom prst="rect">
-                        <a:avLst/>
-                      </a:prstGeom>
-                    </p:spPr>
-                  </p:pic>
-                </p:oleObj>
-              </mc:Fallback>
-            </mc:AlternateContent>
-          </a:graphicData>
-        </a:graphic>
-      </p:graphicFrame>
-      <p:graphicFrame>
-        <p:nvGraphicFramePr>
-          <p:cNvPr id="9" name="Diagram 8"/>
-          <p:cNvGraphicFramePr/>
-          <p:nvPr>
-            <p:extLst>
-              <p:ext uri="{D42A27DB-BD31-4B8C-83A1-F6EECF244321}">
-                <p14:modId xmlns:p14="http://schemas.microsoft.com/office/powerpoint/2010/main" val="3703941292"/>
-              </p:ext>
-            </p:extLst>
-          </p:nvPr>
-        </p:nvGraphicFramePr>
-        <p:xfrm>
-          <a:off x="11385838" y="7576766"/>
-          <a:ext cx="8909182" cy="7322041"/>
-        </p:xfrm>
-        <a:graphic>
-          <a:graphicData uri="http://schemas.openxmlformats.org/drawingml/2006/diagram">
-            <dgm:relIds xmlns:dgm="http://schemas.openxmlformats.org/drawingml/2006/diagram" xmlns:r="http://schemas.openxmlformats.org/officeDocument/2006/relationships" r:dm="rId6" r:lo="rId7" r:qs="rId8" r:cs="rId9"/>
-          </a:graphicData>
-        </a:graphic>
-      </p:graphicFrame>
-      <p:sp>
-        <p:nvSpPr>
-          <p:cNvPr id="10" name="TextBox 9"/>
-          <p:cNvSpPr txBox="1"/>
-          <p:nvPr/>
-        </p:nvSpPr>
-        <p:spPr>
-          <a:xfrm>
-            <a:off x="847330" y="19179761"/>
-            <a:ext cx="3055645" cy="600164"/>
-          </a:xfrm>
-          <a:prstGeom prst="rect">
-            <a:avLst/>
-          </a:prstGeom>
-          <a:noFill/>
-        </p:spPr>
-        <p:txBody>
-          <a:bodyPr wrap="none" rtlCol="0">
-            <a:spAutoFit/>
-          </a:bodyPr>
-          <a:lstStyle/>
-          <a:p>
-            <a:r>
-              <a:rPr lang="en-AU" dirty="0" smtClean="0"/>
-              <a:t>DFD goes here</a:t>
-            </a:r>
-            <a:endParaRPr lang="en-AU" dirty="0"/>
-          </a:p>
-        </p:txBody>
-      </p:sp>
     </p:spTree>
   </p:cSld>
   <p:clrMapOvr>
@@ -19602,4 +19755,289 @@
   </a:objectDefaults>
   <a:extraClrSchemeLst/>
 </a:theme>
+</file>
+
+<file path=ppt/theme/theme6.xml><?xml version="1.0" encoding="utf-8"?>
+<a:theme xmlns:a="http://schemas.openxmlformats.org/drawingml/2006/main" name="Office Theme">
+  <a:themeElements>
+    <a:clrScheme name="Office">
+      <a:dk1>
+        <a:sysClr val="windowText" lastClr="000000"/>
+      </a:dk1>
+      <a:lt1>
+        <a:sysClr val="window" lastClr="FFFFFF"/>
+      </a:lt1>
+      <a:dk2>
+        <a:srgbClr val="1F497D"/>
+      </a:dk2>
+      <a:lt2>
+        <a:srgbClr val="EEECE1"/>
+      </a:lt2>
+      <a:accent1>
+        <a:srgbClr val="4F81BD"/>
+      </a:accent1>
+      <a:accent2>
+        <a:srgbClr val="C0504D"/>
+      </a:accent2>
+      <a:accent3>
+        <a:srgbClr val="9BBB59"/>
+      </a:accent3>
+      <a:accent4>
+        <a:srgbClr val="8064A2"/>
+      </a:accent4>
+      <a:accent5>
+        <a:srgbClr val="4BACC6"/>
+      </a:accent5>
+      <a:accent6>
+        <a:srgbClr val="F79646"/>
+      </a:accent6>
+      <a:hlink>
+        <a:srgbClr val="0000FF"/>
+      </a:hlink>
+      <a:folHlink>
+        <a:srgbClr val="800080"/>
+      </a:folHlink>
+    </a:clrScheme>
+    <a:fontScheme name="Office">
+      <a:majorFont>
+        <a:latin typeface="Calibri"/>
+        <a:ea typeface=""/>
+        <a:cs typeface=""/>
+        <a:font script="Jpan" typeface="ＭＳ Ｐゴシック"/>
+        <a:font script="Hang" typeface="맑은 고딕"/>
+        <a:font script="Hans" typeface="宋体"/>
+        <a:font script="Hant" typeface="新細明體"/>
+        <a:font script="Arab" typeface="Times New Roman"/>
+        <a:font script="Hebr" typeface="Times New Roman"/>
+        <a:font script="Thai" typeface="Angsana New"/>
+        <a:font script="Ethi" typeface="Nyala"/>
+        <a:font script="Beng" typeface="Vrinda"/>
+        <a:font script="Gujr" typeface="Shruti"/>
+        <a:font script="Khmr" typeface="MoolBoran"/>
+        <a:font script="Knda" typeface="Tunga"/>
+        <a:font script="Guru" typeface="Raavi"/>
+        <a:font script="Cans" typeface="Euphemia"/>
+        <a:font script="Cher" typeface="Plantagenet Cherokee"/>
+        <a:font script="Yiii" typeface="Microsoft Yi Baiti"/>
+        <a:font script="Tibt" typeface="Microsoft Himalaya"/>
+        <a:font script="Thaa" typeface="MV Boli"/>
+        <a:font script="Deva" typeface="Mangal"/>
+        <a:font script="Telu" typeface="Gautami"/>
+        <a:font script="Taml" typeface="Latha"/>
+        <a:font script="Syrc" typeface="Estrangelo Edessa"/>
+        <a:font script="Orya" typeface="Kalinga"/>
+        <a:font script="Mlym" typeface="Kartika"/>
+        <a:font script="Laoo" typeface="DokChampa"/>
+        <a:font script="Sinh" typeface="Iskoola Pota"/>
+        <a:font script="Mong" typeface="Mongolian Baiti"/>
+        <a:font script="Viet" typeface="Times New Roman"/>
+        <a:font script="Uigh" typeface="Microsoft Uighur"/>
+        <a:font script="Geor" typeface="Sylfaen"/>
+      </a:majorFont>
+      <a:minorFont>
+        <a:latin typeface="Calibri"/>
+        <a:ea typeface=""/>
+        <a:cs typeface=""/>
+        <a:font script="Jpan" typeface="ＭＳ Ｐゴシック"/>
+        <a:font script="Hang" typeface="맑은 고딕"/>
+        <a:font script="Hans" typeface="宋体"/>
+        <a:font script="Hant" typeface="新細明體"/>
+        <a:font script="Arab" typeface="Arial"/>
+        <a:font script="Hebr" typeface="Arial"/>
+        <a:font script="Thai" typeface="Cordia New"/>
+        <a:font script="Ethi" typeface="Nyala"/>
+        <a:font script="Beng" typeface="Vrinda"/>
+        <a:font script="Gujr" typeface="Shruti"/>
+        <a:font script="Khmr" typeface="DaunPenh"/>
+        <a:font script="Knda" typeface="Tunga"/>
+        <a:font script="Guru" typeface="Raavi"/>
+        <a:font script="Cans" typeface="Euphemia"/>
+        <a:font script="Cher" typeface="Plantagenet Cherokee"/>
+        <a:font script="Yiii" typeface="Microsoft Yi Baiti"/>
+        <a:font script="Tibt" typeface="Microsoft Himalaya"/>
+        <a:font script="Thaa" typeface="MV Boli"/>
+        <a:font script="Deva" typeface="Mangal"/>
+        <a:font script="Telu" typeface="Gautami"/>
+        <a:font script="Taml" typeface="Latha"/>
+        <a:font script="Syrc" typeface="Estrangelo Edessa"/>
+        <a:font script="Orya" typeface="Kalinga"/>
+        <a:font script="Mlym" typeface="Kartika"/>
+        <a:font script="Laoo" typeface="DokChampa"/>
+        <a:font script="Sinh" typeface="Iskoola Pota"/>
+        <a:font script="Mong" typeface="Mongolian Baiti"/>
+        <a:font script="Viet" typeface="Arial"/>
+        <a:font script="Uigh" typeface="Microsoft Uighur"/>
+        <a:font script="Geor" typeface="Sylfaen"/>
+      </a:minorFont>
+    </a:fontScheme>
+    <a:fmtScheme name="Office">
+      <a:fillStyleLst>
+        <a:solidFill>
+          <a:schemeClr val="phClr"/>
+        </a:solidFill>
+        <a:gradFill rotWithShape="1">
+          <a:gsLst>
+            <a:gs pos="0">
+              <a:schemeClr val="phClr">
+                <a:tint val="50000"/>
+                <a:satMod val="300000"/>
+              </a:schemeClr>
+            </a:gs>
+            <a:gs pos="35000">
+              <a:schemeClr val="phClr">
+                <a:tint val="37000"/>
+                <a:satMod val="300000"/>
+              </a:schemeClr>
+            </a:gs>
+            <a:gs pos="100000">
+              <a:schemeClr val="phClr">
+                <a:tint val="15000"/>
+                <a:satMod val="350000"/>
+              </a:schemeClr>
+            </a:gs>
+          </a:gsLst>
+          <a:lin ang="16200000" scaled="1"/>
+        </a:gradFill>
+        <a:gradFill rotWithShape="1">
+          <a:gsLst>
+            <a:gs pos="0">
+              <a:schemeClr val="phClr">
+                <a:shade val="51000"/>
+                <a:satMod val="130000"/>
+              </a:schemeClr>
+            </a:gs>
+            <a:gs pos="80000">
+              <a:schemeClr val="phClr">
+                <a:shade val="93000"/>
+                <a:satMod val="130000"/>
+              </a:schemeClr>
+            </a:gs>
+            <a:gs pos="100000">
+              <a:schemeClr val="phClr">
+                <a:shade val="94000"/>
+                <a:satMod val="135000"/>
+              </a:schemeClr>
+            </a:gs>
+          </a:gsLst>
+          <a:lin ang="16200000" scaled="0"/>
+        </a:gradFill>
+      </a:fillStyleLst>
+      <a:lnStyleLst>
+        <a:ln w="9525" cap="flat" cmpd="sng" algn="ctr">
+          <a:solidFill>
+            <a:schemeClr val="phClr">
+              <a:shade val="95000"/>
+              <a:satMod val="105000"/>
+            </a:schemeClr>
+          </a:solidFill>
+          <a:prstDash val="solid"/>
+        </a:ln>
+        <a:ln w="25400" cap="flat" cmpd="sng" algn="ctr">
+          <a:solidFill>
+            <a:schemeClr val="phClr"/>
+          </a:solidFill>
+          <a:prstDash val="solid"/>
+        </a:ln>
+        <a:ln w="38100" cap="flat" cmpd="sng" algn="ctr">
+          <a:solidFill>
+            <a:schemeClr val="phClr"/>
+          </a:solidFill>
+          <a:prstDash val="solid"/>
+        </a:ln>
+      </a:lnStyleLst>
+      <a:effectStyleLst>
+        <a:effectStyle>
+          <a:effectLst>
+            <a:outerShdw blurRad="40000" dist="20000" dir="5400000" rotWithShape="0">
+              <a:srgbClr val="000000">
+                <a:alpha val="38000"/>
+              </a:srgbClr>
+            </a:outerShdw>
+          </a:effectLst>
+        </a:effectStyle>
+        <a:effectStyle>
+          <a:effectLst>
+            <a:outerShdw blurRad="40000" dist="23000" dir="5400000" rotWithShape="0">
+              <a:srgbClr val="000000">
+                <a:alpha val="35000"/>
+              </a:srgbClr>
+            </a:outerShdw>
+          </a:effectLst>
+        </a:effectStyle>
+        <a:effectStyle>
+          <a:effectLst>
+            <a:outerShdw blurRad="40000" dist="23000" dir="5400000" rotWithShape="0">
+              <a:srgbClr val="000000">
+                <a:alpha val="35000"/>
+              </a:srgbClr>
+            </a:outerShdw>
+          </a:effectLst>
+          <a:scene3d>
+            <a:camera prst="orthographicFront">
+              <a:rot lat="0" lon="0" rev="0"/>
+            </a:camera>
+            <a:lightRig rig="threePt" dir="t">
+              <a:rot lat="0" lon="0" rev="1200000"/>
+            </a:lightRig>
+          </a:scene3d>
+          <a:sp3d>
+            <a:bevelT w="63500" h="25400"/>
+          </a:sp3d>
+        </a:effectStyle>
+      </a:effectStyleLst>
+      <a:bgFillStyleLst>
+        <a:solidFill>
+          <a:schemeClr val="phClr"/>
+        </a:solidFill>
+        <a:gradFill rotWithShape="1">
+          <a:gsLst>
+            <a:gs pos="0">
+              <a:schemeClr val="phClr">
+                <a:tint val="40000"/>
+                <a:satMod val="350000"/>
+              </a:schemeClr>
+            </a:gs>
+            <a:gs pos="40000">
+              <a:schemeClr val="phClr">
+                <a:tint val="45000"/>
+                <a:shade val="99000"/>
+                <a:satMod val="350000"/>
+              </a:schemeClr>
+            </a:gs>
+            <a:gs pos="100000">
+              <a:schemeClr val="phClr">
+                <a:shade val="20000"/>
+                <a:satMod val="255000"/>
+              </a:schemeClr>
+            </a:gs>
+          </a:gsLst>
+          <a:path path="circle">
+            <a:fillToRect l="50000" t="-80000" r="50000" b="180000"/>
+          </a:path>
+        </a:gradFill>
+        <a:gradFill rotWithShape="1">
+          <a:gsLst>
+            <a:gs pos="0">
+              <a:schemeClr val="phClr">
+                <a:tint val="80000"/>
+                <a:satMod val="300000"/>
+              </a:schemeClr>
+            </a:gs>
+            <a:gs pos="100000">
+              <a:schemeClr val="phClr">
+                <a:shade val="30000"/>
+                <a:satMod val="200000"/>
+              </a:schemeClr>
+            </a:gs>
+          </a:gsLst>
+          <a:path path="circle">
+            <a:fillToRect l="50000" t="50000" r="50000" b="50000"/>
+          </a:path>
+        </a:gradFill>
+      </a:bgFillStyleLst>
+    </a:fmtScheme>
+  </a:themeElements>
+  <a:objectDefaults/>
+  <a:extraClrSchemeLst/>
+</a:theme>
 </file>
--- a/docs/Poster/Poster.pptx
+++ b/docs/Poster/Poster.pptx
@@ -2671,7 +2671,7 @@
           <a:p>
             <a:fld id="{6927DF88-591D-4F8B-9A4C-7CCD405954A6}" type="datetimeFigureOut">
               <a:rPr lang="en-AU" smtClean="0"/>
-              <a:t>13/10/2014</a:t>
+              <a:t>15/10/2014</a:t>
             </a:fld>
             <a:endParaRPr lang="en-AU"/>
           </a:p>
@@ -16897,6 +16897,110 @@
           <a:chExt cx="0" cy="0"/>
         </a:xfrm>
       </p:grpSpPr>
+      <p:pic>
+        <p:nvPicPr>
+          <p:cNvPr id="6" name="Picture 4"/>
+          <p:cNvPicPr/>
+          <p:nvPr/>
+        </p:nvPicPr>
+        <p:blipFill>
+          <a:blip r:embed="rId2">
+            <a:duotone>
+              <a:schemeClr val="accent3">
+                <a:shade val="45000"/>
+                <a:satMod val="135000"/>
+              </a:schemeClr>
+              <a:prstClr val="white"/>
+            </a:duotone>
+            <a:extLst>
+              <a:ext uri="{28A0092B-C50C-407E-A947-70E740481C1C}">
+                <a14:useLocalDpi xmlns:a14="http://schemas.microsoft.com/office/drawing/2010/main" val="0"/>
+              </a:ext>
+            </a:extLst>
+          </a:blip>
+          <a:stretch>
+            <a:fillRect/>
+          </a:stretch>
+        </p:blipFill>
+        <p:spPr>
+          <a:xfrm>
+            <a:off x="864360" y="7579078"/>
+            <a:ext cx="19581775" cy="21999857"/>
+          </a:xfrm>
+          <a:prstGeom prst="rect">
+            <a:avLst/>
+          </a:prstGeom>
+          <a:ln>
+            <a:noFill/>
+          </a:ln>
+        </p:spPr>
+      </p:pic>
+      <p:sp>
+        <p:nvSpPr>
+          <p:cNvPr id="154" name="Rounded Rectangle 153"/>
+          <p:cNvSpPr/>
+          <p:nvPr/>
+        </p:nvSpPr>
+        <p:spPr bwMode="auto">
+          <a:xfrm>
+            <a:off x="9125040" y="21511100"/>
+            <a:ext cx="6304027" cy="6481833"/>
+          </a:xfrm>
+          <a:prstGeom prst="roundRect">
+            <a:avLst/>
+          </a:prstGeom>
+          <a:solidFill>
+            <a:schemeClr val="accent1"/>
+          </a:solidFill>
+          <a:ln w="9525" cap="flat" cmpd="sng" algn="ctr">
+            <a:noFill/>
+            <a:prstDash val="solid"/>
+            <a:round/>
+            <a:headEnd type="none" w="med" len="med"/>
+            <a:tailEnd type="none" w="med" len="med"/>
+          </a:ln>
+          <a:effectLst/>
+        </p:spPr>
+        <p:txBody>
+          <a:bodyPr vert="horz" wrap="square" lIns="91440" tIns="45720" rIns="91440" bIns="45720" numCol="1" rtlCol="0" anchor="ctr" anchorCtr="0" compatLnSpc="1">
+            <a:prstTxWarp prst="textNoShape">
+              <a:avLst/>
+            </a:prstTxWarp>
+            <a:spAutoFit/>
+          </a:bodyPr>
+          <a:lstStyle/>
+          <a:p>
+            <a:pPr marL="0" marR="0" indent="0" algn="ctr" defTabSz="914400" rtl="0" eaLnBrk="1" fontAlgn="base" latinLnBrk="0" hangingPunct="1">
+              <a:lnSpc>
+                <a:spcPct val="100000"/>
+              </a:lnSpc>
+              <a:spcBef>
+                <a:spcPct val="50000"/>
+              </a:spcBef>
+              <a:spcAft>
+                <a:spcPct val="0"/>
+              </a:spcAft>
+              <a:buClrTx/>
+              <a:buSzTx/>
+              <a:buFontTx/>
+              <a:buNone/>
+              <a:tabLst/>
+            </a:pPr>
+            <a:endParaRPr kumimoji="0" lang="en-AU" sz="1400" b="0" i="0" u="none" strike="noStrike" cap="none" normalizeH="0" baseline="0">
+              <a:ln>
+                <a:noFill/>
+              </a:ln>
+              <a:solidFill>
+                <a:schemeClr val="tx1"/>
+              </a:solidFill>
+              <a:effectLst/>
+              <a:latin typeface="Arial" charset="0"/>
+              <a:ea typeface="Arial" charset="0"/>
+              <a:cs typeface="Arial" charset="0"/>
+            </a:endParaRPr>
+          </a:p>
+        </p:txBody>
+      </p:sp>
       <p:sp>
         <p:nvSpPr>
           <p:cNvPr id="4" name="Title 3"/>
@@ -17013,33 +17117,10 @@
       </p:sp>
       <p:pic>
         <p:nvPicPr>
-          <p:cNvPr id="6" name="Picture 4"/>
-          <p:cNvPicPr/>
-          <p:nvPr/>
-        </p:nvPicPr>
-        <p:blipFill>
-          <a:blip r:embed="rId2"/>
-          <a:stretch>
-            <a:fillRect/>
-          </a:stretch>
-        </p:blipFill>
-        <p:spPr>
-          <a:xfrm>
-            <a:off x="864360" y="7128000"/>
-            <a:ext cx="19994448" cy="22105440"/>
-          </a:xfrm>
-          <a:prstGeom prst="rect">
-            <a:avLst/>
-          </a:prstGeom>
-          <a:ln>
-            <a:noFill/>
-          </a:ln>
-        </p:spPr>
-      </p:pic>
-      <p:pic>
-        <p:nvPicPr>
           <p:cNvPr id="7" name="Picture 2"/>
-          <p:cNvPicPr/>
+          <p:cNvPicPr>
+            <a:picLocks noChangeAspect="1"/>
+          </p:cNvPicPr>
           <p:nvPr/>
         </p:nvPicPr>
         <p:blipFill>
@@ -17050,8 +17131,8 @@
         </p:blipFill>
         <p:spPr>
           <a:xfrm>
-            <a:off x="17086368" y="25774583"/>
-            <a:ext cx="3772440" cy="3772440"/>
+            <a:off x="17981470" y="27063762"/>
+            <a:ext cx="2515174" cy="2515174"/>
           </a:xfrm>
           <a:prstGeom prst="rect">
             <a:avLst/>
@@ -17069,7 +17150,7 @@
         </p:nvSpPr>
         <p:spPr>
           <a:xfrm>
-            <a:off x="10927440" y="27921240"/>
+            <a:off x="12160755" y="28253608"/>
             <a:ext cx="5868360" cy="1095480"/>
           </a:xfrm>
           <a:prstGeom prst="rect">
@@ -17084,24 +17165,42 @@
           <a:bodyPr lIns="90000" tIns="45000" rIns="90000" bIns="45000"/>
           <a:lstStyle/>
           <a:p>
-            <a:pPr>
+            <a:pPr algn="r">
               <a:lnSpc>
                 <a:spcPct val="100000"/>
               </a:lnSpc>
             </a:pPr>
             <a:r>
-              <a:rPr lang="en-AU" sz="3300" dirty="0">
+              <a:rPr lang="en-AU" sz="3200" dirty="0">
                 <a:solidFill>
                   <a:srgbClr val="393938"/>
                 </a:solidFill>
                 <a:latin typeface="Calibri" panose="020F0502020204030204" pitchFamily="34" charset="0"/>
                 <a:ea typeface="Arial"/>
               </a:rPr>
-              <a:t>Source available at:
-</a:t>
-            </a:r>
-            <a:r>
-              <a:rPr lang="en-AU" sz="3300" dirty="0">
+              <a:t>Source available </a:t>
+            </a:r>
+            <a:r>
+              <a:rPr lang="en-AU" sz="3200" dirty="0" smtClean="0">
+                <a:solidFill>
+                  <a:srgbClr val="393938"/>
+                </a:solidFill>
+                <a:latin typeface="Calibri" panose="020F0502020204030204" pitchFamily="34" charset="0"/>
+                <a:ea typeface="Arial"/>
+              </a:rPr>
+              <a:t>at:</a:t>
+            </a:r>
+            <a:br>
+              <a:rPr lang="en-AU" sz="3200" dirty="0" smtClean="0">
+                <a:solidFill>
+                  <a:srgbClr val="393938"/>
+                </a:solidFill>
+                <a:latin typeface="Calibri" panose="020F0502020204030204" pitchFamily="34" charset="0"/>
+                <a:ea typeface="Arial"/>
+              </a:rPr>
+            </a:br>
+            <a:r>
+              <a:rPr lang="en-AU" sz="3200" dirty="0" smtClean="0">
                 <a:solidFill>
                   <a:srgbClr val="393938"/>
                 </a:solidFill>
@@ -17109,9 +17208,20 @@
                 <a:ea typeface="Arial"/>
                 <a:hlinkClick r:id="rId4"/>
               </a:rPr>
-              <a:t>https://github.com/rdnetto/H2V</a:t>
-            </a:r>
-            <a:endParaRPr dirty="0">
+              <a:t>https</a:t>
+            </a:r>
+            <a:r>
+              <a:rPr lang="en-AU" sz="3200" dirty="0">
+                <a:solidFill>
+                  <a:srgbClr val="393938"/>
+                </a:solidFill>
+                <a:latin typeface="Calibri" panose="020F0502020204030204" pitchFamily="34" charset="0"/>
+                <a:ea typeface="Arial"/>
+                <a:hlinkClick r:id="rId4"/>
+              </a:rPr>
+              <a:t>://github.com/rdnetto/H2V</a:t>
+            </a:r>
+            <a:endParaRPr sz="3200" dirty="0">
               <a:latin typeface="Calibri" panose="020F0502020204030204" pitchFamily="34" charset="0"/>
             </a:endParaRPr>
           </a:p>
@@ -17210,7 +17320,7 @@
         <p:spPr>
           <a:xfrm>
             <a:off x="864360" y="15572035"/>
-            <a:ext cx="9968400" cy="3524040"/>
+            <a:ext cx="9968400" cy="4068452"/>
           </a:xfrm>
           <a:prstGeom prst="rect">
             <a:avLst/>
@@ -17318,8 +17428,23 @@
                 </a:solidFill>
                 <a:latin typeface="Consolas"/>
               </a:rPr>
-              <a:t> (+) 0</a:t>
-            </a:r>
+              <a:t> (+) </a:t>
+            </a:r>
+            <a:r>
+              <a:rPr lang="en-AU" sz="3000" dirty="0" smtClean="0">
+                <a:solidFill>
+                  <a:srgbClr val="393938"/>
+                </a:solidFill>
+                <a:latin typeface="Consolas"/>
+              </a:rPr>
+              <a:t>0 ||| 3</a:t>
+            </a:r>
+            <a:endParaRPr lang="en-AU" sz="3000" dirty="0">
+              <a:solidFill>
+                <a:srgbClr val="393938"/>
+              </a:solidFill>
+              <a:latin typeface="Consolas"/>
+            </a:endParaRPr>
           </a:p>
           <a:p>
             <a:pPr algn="l">
@@ -17441,7 +17566,16 @@
                 </a:solidFill>
                 <a:latin typeface="Consolas"/>
               </a:rPr>
-              <a:t>u v = sum $ </a:t>
+              <a:t>u v = sum </a:t>
+            </a:r>
+            <a:r>
+              <a:rPr lang="en-AU" sz="3000" dirty="0" smtClean="0">
+                <a:solidFill>
+                  <a:srgbClr val="393938"/>
+                </a:solidFill>
+                <a:latin typeface="Consolas"/>
+              </a:rPr>
+              <a:t>$ </a:t>
             </a:r>
             <a:r>
               <a:rPr lang="en-AU" sz="3000" dirty="0" err="1">
@@ -17459,7 +17593,25 @@
                 </a:solidFill>
                 <a:latin typeface="Consolas"/>
               </a:rPr>
-              <a:t> (*) u v ||| 3</a:t>
+              <a:t> </a:t>
+            </a:r>
+            <a:r>
+              <a:rPr lang="en-AU" sz="3000" dirty="0" smtClean="0">
+                <a:solidFill>
+                  <a:srgbClr val="393938"/>
+                </a:solidFill>
+                <a:latin typeface="Consolas"/>
+              </a:rPr>
+              <a:t>(*) </a:t>
+            </a:r>
+            <a:r>
+              <a:rPr lang="en-AU" sz="3000" dirty="0">
+                <a:solidFill>
+                  <a:srgbClr val="393938"/>
+                </a:solidFill>
+                <a:latin typeface="Consolas"/>
+              </a:rPr>
+              <a:t>u v ||| 3</a:t>
             </a:r>
           </a:p>
           <a:p>
@@ -17493,14 +17645,78 @@
                 </a:solidFill>
                 <a:latin typeface="Consolas"/>
               </a:rPr>
-              <a:t> [1, 2, 3] [4, 5, 6] ||| 3</a:t>
-            </a:r>
-            <a:endParaRPr lang="en-AU" sz="3000" dirty="0">
-              <a:solidFill>
-                <a:srgbClr val="393938"/>
-              </a:solidFill>
-              <a:latin typeface="Consolas"/>
-            </a:endParaRPr>
+              <a:t> </a:t>
+            </a:r>
+            <a:r>
+              <a:rPr lang="en-AU" sz="3000" dirty="0" smtClean="0">
+                <a:solidFill>
+                  <a:srgbClr val="393938"/>
+                </a:solidFill>
+                <a:latin typeface="Consolas"/>
+              </a:rPr>
+              <a:t>vec1 vec2 </a:t>
+            </a:r>
+            <a:r>
+              <a:rPr lang="en-AU" sz="3000" dirty="0">
+                <a:solidFill>
+                  <a:srgbClr val="393938"/>
+                </a:solidFill>
+                <a:latin typeface="Consolas"/>
+              </a:rPr>
+              <a:t>||| </a:t>
+            </a:r>
+            <a:r>
+              <a:rPr lang="en-AU" sz="3000" dirty="0" smtClean="0">
+                <a:solidFill>
+                  <a:srgbClr val="393938"/>
+                </a:solidFill>
+                <a:latin typeface="Consolas"/>
+              </a:rPr>
+              <a:t>3 where</a:t>
+            </a:r>
+            <a:r>
+              <a:rPr lang="en-AU" sz="3000" dirty="0">
+                <a:solidFill>
+                  <a:srgbClr val="393938"/>
+                </a:solidFill>
+                <a:latin typeface="Consolas"/>
+              </a:rPr>
+              <a:t/>
+            </a:r>
+            <a:br>
+              <a:rPr lang="en-AU" sz="3000" dirty="0">
+                <a:solidFill>
+                  <a:srgbClr val="393938"/>
+                </a:solidFill>
+                <a:latin typeface="Consolas"/>
+              </a:rPr>
+            </a:br>
+            <a:r>
+              <a:rPr lang="en-AU" sz="3000" dirty="0" smtClean="0">
+                <a:solidFill>
+                  <a:srgbClr val="393938"/>
+                </a:solidFill>
+                <a:latin typeface="Consolas"/>
+              </a:rPr>
+              <a:t>	vec1 = [+1, -1, +1, -1, +1, -1]</a:t>
+            </a:r>
+            <a:br>
+              <a:rPr lang="en-AU" sz="3000" dirty="0" smtClean="0">
+                <a:solidFill>
+                  <a:srgbClr val="393938"/>
+                </a:solidFill>
+                <a:latin typeface="Consolas"/>
+              </a:rPr>
+            </a:br>
+            <a:r>
+              <a:rPr lang="en-AU" sz="3000" dirty="0" smtClean="0">
+                <a:solidFill>
+                  <a:srgbClr val="393938"/>
+                </a:solidFill>
+                <a:latin typeface="Consolas"/>
+              </a:rPr>
+              <a:t>	vec2 = [1 .. 6]</a:t>
+            </a:r>
           </a:p>
         </p:txBody>
       </p:sp>
@@ -17511,13 +17727,13 @@
           <p:nvPr>
             <p:extLst>
               <p:ext uri="{D42A27DB-BD31-4B8C-83A1-F6EECF244321}">
-                <p14:modId xmlns:p14="http://schemas.microsoft.com/office/powerpoint/2010/main" val="4082531773"/>
+                <p14:modId xmlns:p14="http://schemas.microsoft.com/office/powerpoint/2010/main" val="2207992461"/>
               </p:ext>
             </p:extLst>
           </p:nvPr>
         </p:nvGraphicFramePr>
         <p:xfrm>
-          <a:off x="11232165" y="8083203"/>
+          <a:off x="10973102" y="8083203"/>
           <a:ext cx="9321918" cy="6012668"/>
         </p:xfrm>
         <a:graphic>
@@ -17528,7 +17744,7 @@
       </p:graphicFrame>
       <p:pic>
         <p:nvPicPr>
-          <p:cNvPr id="1028" name="Picture 4" descr="\\192.168.1.40\reuben\Remote\ECE4094\docs\Poster\DFD.png"/>
+          <p:cNvPr id="1028" name="Picture 4"/>
           <p:cNvPicPr>
             <a:picLocks noChangeAspect="1" noChangeArrowheads="1"/>
           </p:cNvPicPr>
@@ -17538,10 +17754,10 @@
           <a:blip r:embed="rId10">
             <a:clrChange>
               <a:clrFrom>
-                <a:srgbClr val="8080FF"/>
+                <a:srgbClr val="FF00FF"/>
               </a:clrFrom>
               <a:clrTo>
-                <a:srgbClr val="8080FF">
+                <a:srgbClr val="FF00FF">
                   <a:alpha val="0"/>
                 </a:srgbClr>
               </a:clrTo>
@@ -17552,15 +17768,14 @@
               </a:ext>
             </a:extLst>
           </a:blip>
-          <a:srcRect/>
           <a:stretch>
             <a:fillRect/>
           </a:stretch>
         </p:blipFill>
         <p:spPr bwMode="auto">
           <a:xfrm>
-            <a:off x="10927440" y="15565548"/>
-            <a:ext cx="9931368" cy="6403176"/>
+            <a:off x="11340112" y="15565548"/>
+            <a:ext cx="9106023" cy="6403175"/>
           </a:xfrm>
           <a:prstGeom prst="rect">
             <a:avLst/>
@@ -17577,6 +17792,2623 @@
           </a:extLst>
         </p:spPr>
       </p:pic>
+      <p:grpSp>
+        <p:nvGrpSpPr>
+          <p:cNvPr id="24" name="Group 23"/>
+          <p:cNvGrpSpPr/>
+          <p:nvPr/>
+        </p:nvGrpSpPr>
+        <p:grpSpPr>
+          <a:xfrm>
+            <a:off x="6088054" y="23275295"/>
+            <a:ext cx="1596826" cy="4644349"/>
+            <a:chOff x="5676194" y="23583081"/>
+            <a:chExt cx="1332148" cy="3600000"/>
+          </a:xfrm>
+        </p:grpSpPr>
+        <p:sp>
+          <p:nvSpPr>
+            <p:cNvPr id="23" name="Rounded Rectangle 22"/>
+            <p:cNvSpPr/>
+            <p:nvPr/>
+          </p:nvSpPr>
+          <p:spPr bwMode="auto">
+            <a:xfrm>
+              <a:off x="5676194" y="23583081"/>
+              <a:ext cx="1332148" cy="3600000"/>
+            </a:xfrm>
+            <a:prstGeom prst="roundRect">
+              <a:avLst/>
+            </a:prstGeom>
+            <a:solidFill>
+              <a:schemeClr val="accent1"/>
+            </a:solidFill>
+            <a:ln w="9525" cap="flat" cmpd="sng" algn="ctr">
+              <a:noFill/>
+              <a:prstDash val="solid"/>
+              <a:round/>
+              <a:headEnd type="none" w="med" len="med"/>
+              <a:tailEnd type="none" w="med" len="med"/>
+            </a:ln>
+            <a:effectLst/>
+          </p:spPr>
+          <p:txBody>
+            <a:bodyPr vert="horz" wrap="none" lIns="91440" tIns="45720" rIns="91440" bIns="45720" numCol="1" rtlCol="0" anchor="ctr" anchorCtr="0" compatLnSpc="1">
+              <a:prstTxWarp prst="textNoShape">
+                <a:avLst/>
+              </a:prstTxWarp>
+              <a:spAutoFit/>
+            </a:bodyPr>
+            <a:lstStyle/>
+            <a:p>
+              <a:pPr marL="0" marR="0" indent="0" algn="ctr" defTabSz="914400" rtl="0" eaLnBrk="1" fontAlgn="base" latinLnBrk="0" hangingPunct="1">
+                <a:lnSpc>
+                  <a:spcPct val="100000"/>
+                </a:lnSpc>
+                <a:spcBef>
+                  <a:spcPct val="50000"/>
+                </a:spcBef>
+                <a:spcAft>
+                  <a:spcPct val="0"/>
+                </a:spcAft>
+                <a:buClrTx/>
+                <a:buSzTx/>
+                <a:buFontTx/>
+                <a:buNone/>
+                <a:tabLst/>
+              </a:pPr>
+              <a:endParaRPr kumimoji="0" lang="en-AU" sz="1400" b="0" i="0" u="none" strike="noStrike" cap="none" normalizeH="0" baseline="0">
+                <a:ln>
+                  <a:noFill/>
+                </a:ln>
+                <a:solidFill>
+                  <a:schemeClr val="tx1"/>
+                </a:solidFill>
+                <a:effectLst/>
+                <a:latin typeface="Arial" charset="0"/>
+                <a:ea typeface="Arial" charset="0"/>
+                <a:cs typeface="Arial" charset="0"/>
+              </a:endParaRPr>
+            </a:p>
+          </p:txBody>
+        </p:sp>
+        <p:sp>
+          <p:nvSpPr>
+            <p:cNvPr id="13" name="Oval 12"/>
+            <p:cNvSpPr>
+              <a:spLocks noChangeAspect="1"/>
+            </p:cNvSpPr>
+            <p:nvPr/>
+          </p:nvSpPr>
+          <p:spPr bwMode="auto">
+            <a:xfrm>
+              <a:off x="5982268" y="23907117"/>
+              <a:ext cx="720000" cy="720000"/>
+            </a:xfrm>
+            <a:prstGeom prst="ellipse">
+              <a:avLst/>
+            </a:prstGeom>
+            <a:solidFill>
+              <a:schemeClr val="accent4"/>
+            </a:solidFill>
+            <a:ln w="9525" cap="flat" cmpd="sng" algn="ctr">
+              <a:noFill/>
+              <a:prstDash val="solid"/>
+              <a:round/>
+              <a:headEnd type="none" w="med" len="med"/>
+              <a:tailEnd type="none" w="med" len="med"/>
+            </a:ln>
+            <a:effectLst/>
+          </p:spPr>
+          <p:txBody>
+            <a:bodyPr vert="horz" wrap="none" lIns="91440" tIns="45720" rIns="91440" bIns="45720" numCol="1" rtlCol="0" anchor="ctr" anchorCtr="0" compatLnSpc="1">
+              <a:prstTxWarp prst="textNoShape">
+                <a:avLst/>
+              </a:prstTxWarp>
+              <a:noAutofit/>
+            </a:bodyPr>
+            <a:lstStyle/>
+            <a:p>
+              <a:pPr marL="0" marR="0" indent="0" algn="ctr" defTabSz="914400" rtl="0" eaLnBrk="1" fontAlgn="base" latinLnBrk="0" hangingPunct="1">
+                <a:lnSpc>
+                  <a:spcPct val="100000"/>
+                </a:lnSpc>
+                <a:spcBef>
+                  <a:spcPct val="50000"/>
+                </a:spcBef>
+                <a:spcAft>
+                  <a:spcPct val="0"/>
+                </a:spcAft>
+                <a:buClrTx/>
+                <a:buSzTx/>
+                <a:buFontTx/>
+                <a:buNone/>
+                <a:tabLst/>
+              </a:pPr>
+              <a:r>
+                <a:rPr kumimoji="0" lang="en-US" sz="6000" b="0" i="0" u="none" strike="noStrike" cap="none" normalizeH="0" dirty="0" smtClean="0">
+                  <a:ln>
+                    <a:noFill/>
+                  </a:ln>
+                  <a:solidFill>
+                    <a:schemeClr val="bg1"/>
+                  </a:solidFill>
+                  <a:effectLst/>
+                  <a:latin typeface="Arial" charset="0"/>
+                  <a:ea typeface="Arial" charset="0"/>
+                  <a:cs typeface="Arial" charset="0"/>
+                </a:rPr>
+                <a:t>×</a:t>
+              </a:r>
+              <a:endParaRPr kumimoji="0" lang="en-AU" sz="6000" b="0" i="0" u="none" strike="noStrike" cap="none" normalizeH="0" dirty="0">
+                <a:ln>
+                  <a:noFill/>
+                </a:ln>
+                <a:solidFill>
+                  <a:schemeClr val="bg1"/>
+                </a:solidFill>
+                <a:effectLst/>
+                <a:latin typeface="Arial" charset="0"/>
+                <a:ea typeface="Arial" charset="0"/>
+                <a:cs typeface="Arial" charset="0"/>
+              </a:endParaRPr>
+            </a:p>
+          </p:txBody>
+        </p:sp>
+        <p:sp>
+          <p:nvSpPr>
+            <p:cNvPr id="25" name="Oval 24"/>
+            <p:cNvSpPr>
+              <a:spLocks noChangeAspect="1"/>
+            </p:cNvSpPr>
+            <p:nvPr/>
+          </p:nvSpPr>
+          <p:spPr bwMode="auto">
+            <a:xfrm>
+              <a:off x="5987068" y="25041239"/>
+              <a:ext cx="720000" cy="720000"/>
+            </a:xfrm>
+            <a:prstGeom prst="ellipse">
+              <a:avLst/>
+            </a:prstGeom>
+            <a:solidFill>
+              <a:schemeClr val="accent4"/>
+            </a:solidFill>
+            <a:ln w="9525" cap="flat" cmpd="sng" algn="ctr">
+              <a:noFill/>
+              <a:prstDash val="solid"/>
+              <a:round/>
+              <a:headEnd type="none" w="med" len="med"/>
+              <a:tailEnd type="none" w="med" len="med"/>
+            </a:ln>
+            <a:effectLst/>
+          </p:spPr>
+          <p:txBody>
+            <a:bodyPr vert="horz" wrap="none" lIns="91440" tIns="45720" rIns="91440" bIns="45720" numCol="1" rtlCol="0" anchor="ctr" anchorCtr="0" compatLnSpc="1">
+              <a:prstTxWarp prst="textNoShape">
+                <a:avLst/>
+              </a:prstTxWarp>
+              <a:noAutofit/>
+            </a:bodyPr>
+            <a:lstStyle/>
+            <a:p>
+              <a:pPr marL="0" marR="0" indent="0" algn="ctr" defTabSz="914400" rtl="0" eaLnBrk="1" fontAlgn="base" latinLnBrk="0" hangingPunct="1">
+                <a:lnSpc>
+                  <a:spcPct val="100000"/>
+                </a:lnSpc>
+                <a:spcBef>
+                  <a:spcPct val="50000"/>
+                </a:spcBef>
+                <a:spcAft>
+                  <a:spcPct val="0"/>
+                </a:spcAft>
+                <a:buClrTx/>
+                <a:buSzTx/>
+                <a:buFontTx/>
+                <a:buNone/>
+                <a:tabLst/>
+              </a:pPr>
+              <a:r>
+                <a:rPr kumimoji="0" lang="en-US" sz="6000" b="0" i="0" u="none" strike="noStrike" cap="none" normalizeH="0" dirty="0" smtClean="0">
+                  <a:ln>
+                    <a:noFill/>
+                  </a:ln>
+                  <a:solidFill>
+                    <a:schemeClr val="bg1"/>
+                  </a:solidFill>
+                  <a:effectLst/>
+                  <a:latin typeface="Arial" charset="0"/>
+                  <a:ea typeface="Arial" charset="0"/>
+                  <a:cs typeface="Arial" charset="0"/>
+                </a:rPr>
+                <a:t>×</a:t>
+              </a:r>
+              <a:endParaRPr kumimoji="0" lang="en-AU" sz="6000" b="0" i="0" u="none" strike="noStrike" cap="none" normalizeH="0" dirty="0">
+                <a:ln>
+                  <a:noFill/>
+                </a:ln>
+                <a:solidFill>
+                  <a:schemeClr val="bg1"/>
+                </a:solidFill>
+                <a:effectLst/>
+                <a:latin typeface="Arial" charset="0"/>
+                <a:ea typeface="Arial" charset="0"/>
+                <a:cs typeface="Arial" charset="0"/>
+              </a:endParaRPr>
+            </a:p>
+          </p:txBody>
+        </p:sp>
+        <p:sp>
+          <p:nvSpPr>
+            <p:cNvPr id="26" name="Oval 25"/>
+            <p:cNvSpPr>
+              <a:spLocks noChangeAspect="1"/>
+            </p:cNvSpPr>
+            <p:nvPr/>
+          </p:nvSpPr>
+          <p:spPr bwMode="auto">
+            <a:xfrm>
+              <a:off x="5994290" y="26164354"/>
+              <a:ext cx="720000" cy="720000"/>
+            </a:xfrm>
+            <a:prstGeom prst="ellipse">
+              <a:avLst/>
+            </a:prstGeom>
+            <a:solidFill>
+              <a:schemeClr val="accent4"/>
+            </a:solidFill>
+            <a:ln w="9525" cap="flat" cmpd="sng" algn="ctr">
+              <a:noFill/>
+              <a:prstDash val="solid"/>
+              <a:round/>
+              <a:headEnd type="none" w="med" len="med"/>
+              <a:tailEnd type="none" w="med" len="med"/>
+            </a:ln>
+            <a:effectLst/>
+          </p:spPr>
+          <p:txBody>
+            <a:bodyPr vert="horz" wrap="none" lIns="91440" tIns="45720" rIns="91440" bIns="45720" numCol="1" rtlCol="0" anchor="ctr" anchorCtr="0" compatLnSpc="1">
+              <a:prstTxWarp prst="textNoShape">
+                <a:avLst/>
+              </a:prstTxWarp>
+              <a:noAutofit/>
+            </a:bodyPr>
+            <a:lstStyle/>
+            <a:p>
+              <a:pPr marL="0" marR="0" indent="0" algn="ctr" defTabSz="914400" rtl="0" eaLnBrk="1" fontAlgn="base" latinLnBrk="0" hangingPunct="1">
+                <a:lnSpc>
+                  <a:spcPct val="100000"/>
+                </a:lnSpc>
+                <a:spcBef>
+                  <a:spcPct val="50000"/>
+                </a:spcBef>
+                <a:spcAft>
+                  <a:spcPct val="0"/>
+                </a:spcAft>
+                <a:buClrTx/>
+                <a:buSzTx/>
+                <a:buFontTx/>
+                <a:buNone/>
+                <a:tabLst/>
+              </a:pPr>
+              <a:r>
+                <a:rPr kumimoji="0" lang="en-US" sz="6000" b="0" i="0" u="none" strike="noStrike" cap="none" normalizeH="0" dirty="0" smtClean="0">
+                  <a:ln>
+                    <a:noFill/>
+                  </a:ln>
+                  <a:solidFill>
+                    <a:schemeClr val="bg1"/>
+                  </a:solidFill>
+                  <a:effectLst/>
+                  <a:latin typeface="Arial" charset="0"/>
+                  <a:ea typeface="Arial" charset="0"/>
+                  <a:cs typeface="Arial" charset="0"/>
+                </a:rPr>
+                <a:t>×</a:t>
+              </a:r>
+              <a:endParaRPr kumimoji="0" lang="en-AU" sz="6000" b="0" i="0" u="none" strike="noStrike" cap="none" normalizeH="0" dirty="0">
+                <a:ln>
+                  <a:noFill/>
+                </a:ln>
+                <a:solidFill>
+                  <a:schemeClr val="bg1"/>
+                </a:solidFill>
+                <a:effectLst/>
+                <a:latin typeface="Arial" charset="0"/>
+                <a:ea typeface="Arial" charset="0"/>
+                <a:cs typeface="Arial" charset="0"/>
+              </a:endParaRPr>
+            </a:p>
+          </p:txBody>
+        </p:sp>
+      </p:grpSp>
+      <p:cxnSp>
+        <p:nvCxnSpPr>
+          <p:cNvPr id="1024" name="Curved Connector 1023"/>
+          <p:cNvCxnSpPr/>
+          <p:nvPr/>
+        </p:nvCxnSpPr>
+        <p:spPr bwMode="auto">
+          <a:xfrm flipV="1">
+            <a:off x="2548844" y="25750610"/>
+            <a:ext cx="3539210" cy="1170417"/>
+          </a:xfrm>
+          <a:prstGeom prst="bentConnector3">
+            <a:avLst>
+              <a:gd name="adj1" fmla="val 35467"/>
+            </a:avLst>
+          </a:prstGeom>
+          <a:solidFill>
+            <a:schemeClr val="accent1"/>
+          </a:solidFill>
+          <a:ln w="63500" cap="flat" cmpd="sng" algn="ctr">
+            <a:solidFill>
+              <a:srgbClr val="00B050"/>
+            </a:solidFill>
+            <a:prstDash val="solid"/>
+            <a:round/>
+            <a:headEnd type="none" w="med" len="med"/>
+            <a:tailEnd type="arrow"/>
+          </a:ln>
+          <a:effectLst/>
+        </p:spPr>
+      </p:cxnSp>
+      <p:cxnSp>
+        <p:nvCxnSpPr>
+          <p:cNvPr id="34" name="Curved Connector 33"/>
+          <p:cNvCxnSpPr/>
+          <p:nvPr/>
+        </p:nvCxnSpPr>
+        <p:spPr bwMode="auto">
+          <a:xfrm>
+            <a:off x="2548844" y="22716645"/>
+            <a:ext cx="3524700" cy="2718891"/>
+          </a:xfrm>
+          <a:prstGeom prst="bentConnector3">
+            <a:avLst>
+              <a:gd name="adj1" fmla="val 34867"/>
+            </a:avLst>
+          </a:prstGeom>
+          <a:solidFill>
+            <a:schemeClr val="accent1"/>
+          </a:solidFill>
+          <a:ln w="63500" cap="flat" cmpd="sng" algn="ctr">
+            <a:solidFill>
+              <a:srgbClr val="00B050"/>
+            </a:solidFill>
+            <a:prstDash val="solid"/>
+            <a:round/>
+            <a:headEnd type="none" w="med" len="med"/>
+            <a:tailEnd type="arrow"/>
+          </a:ln>
+          <a:effectLst/>
+        </p:spPr>
+      </p:cxnSp>
+      <p:cxnSp>
+        <p:nvCxnSpPr>
+          <p:cNvPr id="36" name="Curved Connector 35"/>
+          <p:cNvCxnSpPr/>
+          <p:nvPr/>
+        </p:nvCxnSpPr>
+        <p:spPr bwMode="auto">
+          <a:xfrm>
+            <a:off x="2356289" y="23275294"/>
+            <a:ext cx="3731767" cy="3645733"/>
+          </a:xfrm>
+          <a:prstGeom prst="bentConnector3">
+            <a:avLst>
+              <a:gd name="adj1" fmla="val 56126"/>
+            </a:avLst>
+          </a:prstGeom>
+          <a:solidFill>
+            <a:schemeClr val="accent1"/>
+          </a:solidFill>
+          <a:ln w="63500" cap="flat" cmpd="sng" algn="ctr">
+            <a:solidFill>
+              <a:srgbClr val="00B0F0"/>
+            </a:solidFill>
+            <a:prstDash val="solid"/>
+            <a:round/>
+            <a:headEnd type="none" w="med" len="med"/>
+            <a:tailEnd type="arrow"/>
+          </a:ln>
+          <a:effectLst/>
+        </p:spPr>
+      </p:cxnSp>
+      <p:cxnSp>
+        <p:nvCxnSpPr>
+          <p:cNvPr id="38" name="Curved Connector 37"/>
+          <p:cNvCxnSpPr>
+            <a:stCxn id="45" idx="3"/>
+          </p:cNvCxnSpPr>
+          <p:nvPr/>
+        </p:nvCxnSpPr>
+        <p:spPr bwMode="auto">
+          <a:xfrm flipV="1">
+            <a:off x="2578018" y="27181490"/>
+            <a:ext cx="3510036" cy="337018"/>
+          </a:xfrm>
+          <a:prstGeom prst="bentConnector3">
+            <a:avLst>
+              <a:gd name="adj1" fmla="val 53799"/>
+            </a:avLst>
+          </a:prstGeom>
+          <a:solidFill>
+            <a:schemeClr val="accent1"/>
+          </a:solidFill>
+          <a:ln w="63500" cap="flat" cmpd="sng" algn="ctr">
+            <a:solidFill>
+              <a:srgbClr val="00B0F0"/>
+            </a:solidFill>
+            <a:prstDash val="solid"/>
+            <a:round/>
+            <a:headEnd type="none" w="med" len="med"/>
+            <a:tailEnd type="arrow"/>
+          </a:ln>
+          <a:effectLst/>
+        </p:spPr>
+      </p:cxnSp>
+      <p:cxnSp>
+        <p:nvCxnSpPr>
+          <p:cNvPr id="39" name="Curved Connector 38"/>
+          <p:cNvCxnSpPr/>
+          <p:nvPr/>
+        </p:nvCxnSpPr>
+        <p:spPr bwMode="auto">
+          <a:xfrm flipV="1">
+            <a:off x="2548844" y="24265522"/>
+            <a:ext cx="3524700" cy="2034110"/>
+          </a:xfrm>
+          <a:prstGeom prst="bentConnector3">
+            <a:avLst>
+              <a:gd name="adj1" fmla="val 17572"/>
+            </a:avLst>
+          </a:prstGeom>
+          <a:solidFill>
+            <a:schemeClr val="accent1"/>
+          </a:solidFill>
+          <a:ln w="63500" cap="flat" cmpd="sng" algn="ctr">
+            <a:solidFill>
+              <a:srgbClr val="FF0000"/>
+            </a:solidFill>
+            <a:prstDash val="solid"/>
+            <a:round/>
+            <a:headEnd type="none" w="med" len="med"/>
+            <a:tailEnd type="arrow"/>
+          </a:ln>
+          <a:effectLst/>
+        </p:spPr>
+      </p:cxnSp>
+      <p:cxnSp>
+        <p:nvCxnSpPr>
+          <p:cNvPr id="41" name="Curved Connector 40"/>
+          <p:cNvCxnSpPr/>
+          <p:nvPr/>
+        </p:nvCxnSpPr>
+        <p:spPr bwMode="auto">
+          <a:xfrm>
+            <a:off x="2548844" y="22077170"/>
+            <a:ext cx="3524700" cy="1902992"/>
+          </a:xfrm>
+          <a:prstGeom prst="bentConnector3">
+            <a:avLst>
+              <a:gd name="adj1" fmla="val 72700"/>
+            </a:avLst>
+          </a:prstGeom>
+          <a:solidFill>
+            <a:schemeClr val="accent1"/>
+          </a:solidFill>
+          <a:ln w="63500" cap="flat" cmpd="sng" algn="ctr">
+            <a:solidFill>
+              <a:srgbClr val="FF0000"/>
+            </a:solidFill>
+            <a:prstDash val="solid"/>
+            <a:round/>
+            <a:headEnd type="none" w="med" len="med"/>
+            <a:tailEnd type="arrow"/>
+          </a:ln>
+          <a:effectLst/>
+        </p:spPr>
+      </p:cxnSp>
+      <p:sp>
+        <p:nvSpPr>
+          <p:cNvPr id="80" name="Oval 79"/>
+          <p:cNvSpPr>
+            <a:spLocks noChangeAspect="1"/>
+          </p:cNvSpPr>
+          <p:nvPr/>
+        </p:nvSpPr>
+        <p:spPr bwMode="auto">
+          <a:xfrm>
+            <a:off x="12257388" y="25946826"/>
+            <a:ext cx="863053" cy="928870"/>
+          </a:xfrm>
+          <a:prstGeom prst="ellipse">
+            <a:avLst/>
+          </a:prstGeom>
+          <a:solidFill>
+            <a:schemeClr val="accent4"/>
+          </a:solidFill>
+          <a:ln w="9525" cap="flat" cmpd="sng" algn="ctr">
+            <a:noFill/>
+            <a:prstDash val="solid"/>
+            <a:round/>
+            <a:headEnd type="none" w="med" len="med"/>
+            <a:tailEnd type="none" w="med" len="med"/>
+          </a:ln>
+          <a:effectLst/>
+        </p:spPr>
+        <p:txBody>
+          <a:bodyPr vert="horz" wrap="none" lIns="91440" tIns="45720" rIns="91440" bIns="45720" numCol="1" rtlCol="0" anchor="ctr" anchorCtr="0" compatLnSpc="1">
+            <a:prstTxWarp prst="textNoShape">
+              <a:avLst/>
+            </a:prstTxWarp>
+            <a:noAutofit/>
+          </a:bodyPr>
+          <a:lstStyle/>
+          <a:p>
+            <a:pPr marL="0" marR="0" indent="0" algn="ctr" defTabSz="914400" rtl="0" eaLnBrk="1" fontAlgn="base" latinLnBrk="0" hangingPunct="1">
+              <a:lnSpc>
+                <a:spcPct val="100000"/>
+              </a:lnSpc>
+              <a:spcBef>
+                <a:spcPct val="50000"/>
+              </a:spcBef>
+              <a:spcAft>
+                <a:spcPct val="0"/>
+              </a:spcAft>
+              <a:buClrTx/>
+              <a:buSzTx/>
+              <a:buFontTx/>
+              <a:buNone/>
+              <a:tabLst/>
+            </a:pPr>
+            <a:r>
+              <a:rPr lang="en-US" sz="6000" dirty="0">
+                <a:solidFill>
+                  <a:schemeClr val="bg1"/>
+                </a:solidFill>
+                <a:ea typeface="Arial" charset="0"/>
+              </a:rPr>
+              <a:t>+</a:t>
+            </a:r>
+            <a:endParaRPr kumimoji="0" lang="en-AU" sz="6000" b="0" i="0" u="none" strike="noStrike" cap="none" normalizeH="0" dirty="0">
+              <a:ln>
+                <a:noFill/>
+              </a:ln>
+              <a:solidFill>
+                <a:schemeClr val="bg1"/>
+              </a:solidFill>
+              <a:effectLst/>
+              <a:latin typeface="Arial" charset="0"/>
+              <a:ea typeface="Arial" charset="0"/>
+              <a:cs typeface="Arial" charset="0"/>
+            </a:endParaRPr>
+          </a:p>
+        </p:txBody>
+      </p:sp>
+      <p:sp>
+        <p:nvSpPr>
+          <p:cNvPr id="82" name="Oval 81"/>
+          <p:cNvSpPr>
+            <a:spLocks noChangeAspect="1"/>
+          </p:cNvSpPr>
+          <p:nvPr/>
+        </p:nvSpPr>
+        <p:spPr bwMode="auto">
+          <a:xfrm>
+            <a:off x="12246411" y="22928285"/>
+            <a:ext cx="863053" cy="928870"/>
+          </a:xfrm>
+          <a:prstGeom prst="ellipse">
+            <a:avLst/>
+          </a:prstGeom>
+          <a:solidFill>
+            <a:schemeClr val="accent4"/>
+          </a:solidFill>
+          <a:ln w="9525" cap="flat" cmpd="sng" algn="ctr">
+            <a:noFill/>
+            <a:prstDash val="solid"/>
+            <a:round/>
+            <a:headEnd type="none" w="med" len="med"/>
+            <a:tailEnd type="none" w="med" len="med"/>
+          </a:ln>
+          <a:effectLst/>
+        </p:spPr>
+        <p:txBody>
+          <a:bodyPr vert="horz" wrap="none" lIns="91440" tIns="45720" rIns="91440" bIns="45720" numCol="1" rtlCol="0" anchor="ctr" anchorCtr="0" compatLnSpc="1">
+            <a:prstTxWarp prst="textNoShape">
+              <a:avLst/>
+            </a:prstTxWarp>
+            <a:noAutofit/>
+          </a:bodyPr>
+          <a:lstStyle/>
+          <a:p>
+            <a:pPr marL="0" marR="0" indent="0" algn="ctr" defTabSz="914400" rtl="0" eaLnBrk="1" fontAlgn="base" latinLnBrk="0" hangingPunct="1">
+              <a:lnSpc>
+                <a:spcPct val="100000"/>
+              </a:lnSpc>
+              <a:spcBef>
+                <a:spcPct val="50000"/>
+              </a:spcBef>
+              <a:spcAft>
+                <a:spcPct val="0"/>
+              </a:spcAft>
+              <a:buClrTx/>
+              <a:buSzTx/>
+              <a:buFontTx/>
+              <a:buNone/>
+              <a:tabLst/>
+            </a:pPr>
+            <a:r>
+              <a:rPr lang="en-US" sz="6000" dirty="0">
+                <a:solidFill>
+                  <a:schemeClr val="bg1"/>
+                </a:solidFill>
+                <a:ea typeface="Arial" charset="0"/>
+              </a:rPr>
+              <a:t>+</a:t>
+            </a:r>
+            <a:endParaRPr kumimoji="0" lang="en-AU" sz="6000" b="0" i="0" u="none" strike="noStrike" cap="none" normalizeH="0" dirty="0">
+              <a:ln>
+                <a:noFill/>
+              </a:ln>
+              <a:solidFill>
+                <a:schemeClr val="bg1"/>
+              </a:solidFill>
+              <a:effectLst/>
+              <a:latin typeface="Arial" charset="0"/>
+              <a:ea typeface="Arial" charset="0"/>
+              <a:cs typeface="Arial" charset="0"/>
+            </a:endParaRPr>
+          </a:p>
+        </p:txBody>
+      </p:sp>
+      <p:sp>
+        <p:nvSpPr>
+          <p:cNvPr id="48" name="TextBox 47"/>
+          <p:cNvSpPr txBox="1"/>
+          <p:nvPr/>
+        </p:nvSpPr>
+        <p:spPr>
+          <a:xfrm>
+            <a:off x="5815212" y="22813630"/>
+            <a:ext cx="2171330" cy="461665"/>
+          </a:xfrm>
+          <a:prstGeom prst="rect">
+            <a:avLst/>
+          </a:prstGeom>
+          <a:noFill/>
+        </p:spPr>
+        <p:txBody>
+          <a:bodyPr wrap="square" rtlCol="0">
+            <a:spAutoFit/>
+          </a:bodyPr>
+          <a:lstStyle/>
+          <a:p>
+            <a:r>
+              <a:rPr lang="en-US" sz="2400" dirty="0" err="1" smtClean="0">
+                <a:latin typeface="Calibri" panose="020F0502020204030204" pitchFamily="34" charset="0"/>
+                <a:cs typeface="Consolas" panose="020B0609020204030204" pitchFamily="49" charset="0"/>
+              </a:rPr>
+              <a:t>zipWith</a:t>
+            </a:r>
+            <a:r>
+              <a:rPr lang="en-US" sz="2400" dirty="0" smtClean="0">
+                <a:latin typeface="Calibri" panose="020F0502020204030204" pitchFamily="34" charset="0"/>
+                <a:cs typeface="Consolas" panose="020B0609020204030204" pitchFamily="49" charset="0"/>
+              </a:rPr>
+              <a:t> (*)</a:t>
+            </a:r>
+            <a:endParaRPr lang="en-AU" sz="2400" dirty="0">
+              <a:latin typeface="Calibri" panose="020F0502020204030204" pitchFamily="34" charset="0"/>
+              <a:cs typeface="Consolas" panose="020B0609020204030204" pitchFamily="49" charset="0"/>
+            </a:endParaRPr>
+          </a:p>
+        </p:txBody>
+      </p:sp>
+      <p:sp>
+        <p:nvSpPr>
+          <p:cNvPr id="84" name="Freeform 83"/>
+          <p:cNvSpPr/>
+          <p:nvPr/>
+        </p:nvSpPr>
+        <p:spPr>
+          <a:xfrm>
+            <a:off x="10404653" y="22253147"/>
+            <a:ext cx="1345099" cy="675138"/>
+          </a:xfrm>
+          <a:custGeom>
+            <a:avLst/>
+            <a:gdLst>
+              <a:gd name="connsiteX0" fmla="*/ 0 w 1944217"/>
+              <a:gd name="connsiteY0" fmla="*/ 198904 h 1193400"/>
+              <a:gd name="connsiteX1" fmla="*/ 198904 w 1944217"/>
+              <a:gd name="connsiteY1" fmla="*/ 0 h 1193400"/>
+              <a:gd name="connsiteX2" fmla="*/ 1745313 w 1944217"/>
+              <a:gd name="connsiteY2" fmla="*/ 0 h 1193400"/>
+              <a:gd name="connsiteX3" fmla="*/ 1944217 w 1944217"/>
+              <a:gd name="connsiteY3" fmla="*/ 198904 h 1193400"/>
+              <a:gd name="connsiteX4" fmla="*/ 1944217 w 1944217"/>
+              <a:gd name="connsiteY4" fmla="*/ 994496 h 1193400"/>
+              <a:gd name="connsiteX5" fmla="*/ 1745313 w 1944217"/>
+              <a:gd name="connsiteY5" fmla="*/ 1193400 h 1193400"/>
+              <a:gd name="connsiteX6" fmla="*/ 198904 w 1944217"/>
+              <a:gd name="connsiteY6" fmla="*/ 1193400 h 1193400"/>
+              <a:gd name="connsiteX7" fmla="*/ 0 w 1944217"/>
+              <a:gd name="connsiteY7" fmla="*/ 994496 h 1193400"/>
+              <a:gd name="connsiteX8" fmla="*/ 0 w 1944217"/>
+              <a:gd name="connsiteY8" fmla="*/ 198904 h 1193400"/>
+            </a:gdLst>
+            <a:ahLst/>
+            <a:cxnLst>
+              <a:cxn ang="0">
+                <a:pos x="connsiteX0" y="connsiteY0"/>
+              </a:cxn>
+              <a:cxn ang="0">
+                <a:pos x="connsiteX1" y="connsiteY1"/>
+              </a:cxn>
+              <a:cxn ang="0">
+                <a:pos x="connsiteX2" y="connsiteY2"/>
+              </a:cxn>
+              <a:cxn ang="0">
+                <a:pos x="connsiteX3" y="connsiteY3"/>
+              </a:cxn>
+              <a:cxn ang="0">
+                <a:pos x="connsiteX4" y="connsiteY4"/>
+              </a:cxn>
+              <a:cxn ang="0">
+                <a:pos x="connsiteX5" y="connsiteY5"/>
+              </a:cxn>
+              <a:cxn ang="0">
+                <a:pos x="connsiteX6" y="connsiteY6"/>
+              </a:cxn>
+              <a:cxn ang="0">
+                <a:pos x="connsiteX7" y="connsiteY7"/>
+              </a:cxn>
+              <a:cxn ang="0">
+                <a:pos x="connsiteX8" y="connsiteY8"/>
+              </a:cxn>
+            </a:cxnLst>
+            <a:rect l="l" t="t" r="r" b="b"/>
+            <a:pathLst>
+              <a:path w="1944217" h="1193400">
+                <a:moveTo>
+                  <a:pt x="0" y="198904"/>
+                </a:moveTo>
+                <a:cubicBezTo>
+                  <a:pt x="0" y="89052"/>
+                  <a:pt x="89052" y="0"/>
+                  <a:pt x="198904" y="0"/>
+                </a:cubicBezTo>
+                <a:lnTo>
+                  <a:pt x="1745313" y="0"/>
+                </a:lnTo>
+                <a:cubicBezTo>
+                  <a:pt x="1855165" y="0"/>
+                  <a:pt x="1944217" y="89052"/>
+                  <a:pt x="1944217" y="198904"/>
+                </a:cubicBezTo>
+                <a:lnTo>
+                  <a:pt x="1944217" y="994496"/>
+                </a:lnTo>
+                <a:cubicBezTo>
+                  <a:pt x="1944217" y="1104348"/>
+                  <a:pt x="1855165" y="1193400"/>
+                  <a:pt x="1745313" y="1193400"/>
+                </a:cubicBezTo>
+                <a:lnTo>
+                  <a:pt x="198904" y="1193400"/>
+                </a:lnTo>
+                <a:cubicBezTo>
+                  <a:pt x="89052" y="1193400"/>
+                  <a:pt x="0" y="1104348"/>
+                  <a:pt x="0" y="994496"/>
+                </a:cubicBezTo>
+                <a:lnTo>
+                  <a:pt x="0" y="198904"/>
+                </a:lnTo>
+                <a:close/>
+              </a:path>
+            </a:pathLst>
+          </a:custGeom>
+        </p:spPr>
+        <p:style>
+          <a:lnRef idx="2">
+            <a:schemeClr val="lt2">
+              <a:hueOff val="0"/>
+              <a:satOff val="0"/>
+              <a:lumOff val="0"/>
+              <a:alphaOff val="0"/>
+            </a:schemeClr>
+          </a:lnRef>
+          <a:fillRef idx="1">
+            <a:schemeClr val="dk2">
+              <a:hueOff val="0"/>
+              <a:satOff val="0"/>
+              <a:lumOff val="0"/>
+              <a:alphaOff val="0"/>
+            </a:schemeClr>
+          </a:fillRef>
+          <a:effectRef idx="0">
+            <a:schemeClr val="dk2">
+              <a:hueOff val="0"/>
+              <a:satOff val="0"/>
+              <a:lumOff val="0"/>
+              <a:alphaOff val="0"/>
+            </a:schemeClr>
+          </a:effectRef>
+          <a:fontRef idx="minor">
+            <a:schemeClr val="lt1"/>
+          </a:fontRef>
+        </p:style>
+        <p:txBody>
+          <a:bodyPr spcFirstLastPara="0" vert="horz" wrap="square" lIns="0" tIns="0" rIns="0" bIns="0" numCol="1" spcCol="1270" anchor="ctr" anchorCtr="0">
+            <a:normAutofit/>
+          </a:bodyPr>
+          <a:lstStyle/>
+          <a:p>
+            <a:pPr lvl="0" algn="ctr" defTabSz="2266950">
+              <a:lnSpc>
+                <a:spcPct val="90000"/>
+              </a:lnSpc>
+              <a:spcBef>
+                <a:spcPct val="0"/>
+              </a:spcBef>
+              <a:spcAft>
+                <a:spcPct val="35000"/>
+              </a:spcAft>
+            </a:pPr>
+            <a:r>
+              <a:rPr lang="en-US" sz="4400" kern="1200" dirty="0" err="1" smtClean="0">
+                <a:solidFill>
+                  <a:srgbClr val="00FF00"/>
+                </a:solidFill>
+              </a:rPr>
+              <a:t>acc</a:t>
+            </a:r>
+            <a:endParaRPr lang="en-AU" sz="4400" kern="1200" dirty="0">
+              <a:solidFill>
+                <a:srgbClr val="00FF00"/>
+              </a:solidFill>
+            </a:endParaRPr>
+          </a:p>
+        </p:txBody>
+      </p:sp>
+      <p:cxnSp>
+        <p:nvCxnSpPr>
+          <p:cNvPr id="85" name="Curved Connector 38"/>
+          <p:cNvCxnSpPr>
+            <a:endCxn id="80" idx="3"/>
+          </p:cNvCxnSpPr>
+          <p:nvPr/>
+        </p:nvCxnSpPr>
+        <p:spPr bwMode="auto">
+          <a:xfrm flipV="1">
+            <a:off x="7684880" y="26739666"/>
+            <a:ext cx="4698899" cy="362719"/>
+          </a:xfrm>
+          <a:prstGeom prst="bentConnector2">
+            <a:avLst/>
+          </a:prstGeom>
+          <a:solidFill>
+            <a:schemeClr val="accent1"/>
+          </a:solidFill>
+          <a:ln w="63500" cap="flat" cmpd="sng" algn="ctr">
+            <a:solidFill>
+              <a:schemeClr val="tx1"/>
+            </a:solidFill>
+            <a:prstDash val="solid"/>
+            <a:round/>
+            <a:headEnd type="none" w="med" len="med"/>
+            <a:tailEnd type="arrow"/>
+          </a:ln>
+          <a:effectLst/>
+        </p:spPr>
+      </p:cxnSp>
+      <p:cxnSp>
+        <p:nvCxnSpPr>
+          <p:cNvPr id="87" name="Curved Connector 38"/>
+          <p:cNvCxnSpPr>
+            <a:endCxn id="80" idx="1"/>
+          </p:cNvCxnSpPr>
+          <p:nvPr/>
+        </p:nvCxnSpPr>
+        <p:spPr bwMode="auto">
+          <a:xfrm>
+            <a:off x="7669050" y="25685744"/>
+            <a:ext cx="4714729" cy="397112"/>
+          </a:xfrm>
+          <a:prstGeom prst="bentConnector2">
+            <a:avLst/>
+          </a:prstGeom>
+          <a:solidFill>
+            <a:schemeClr val="accent1"/>
+          </a:solidFill>
+          <a:ln w="63500" cap="flat" cmpd="sng" algn="ctr">
+            <a:solidFill>
+              <a:schemeClr val="tx1"/>
+            </a:solidFill>
+            <a:prstDash val="solid"/>
+            <a:round/>
+            <a:headEnd type="none" w="med" len="med"/>
+            <a:tailEnd type="arrow"/>
+          </a:ln>
+          <a:effectLst/>
+        </p:spPr>
+      </p:cxnSp>
+      <p:cxnSp>
+        <p:nvCxnSpPr>
+          <p:cNvPr id="90" name="Curved Connector 38"/>
+          <p:cNvCxnSpPr>
+            <a:endCxn id="82" idx="3"/>
+          </p:cNvCxnSpPr>
+          <p:nvPr/>
+        </p:nvCxnSpPr>
+        <p:spPr bwMode="auto">
+          <a:xfrm flipV="1">
+            <a:off x="7652580" y="23721125"/>
+            <a:ext cx="4720222" cy="518074"/>
+          </a:xfrm>
+          <a:prstGeom prst="bentConnector2">
+            <a:avLst/>
+          </a:prstGeom>
+          <a:solidFill>
+            <a:schemeClr val="accent1"/>
+          </a:solidFill>
+          <a:ln w="63500" cap="flat" cmpd="sng" algn="ctr">
+            <a:solidFill>
+              <a:schemeClr val="tx1"/>
+            </a:solidFill>
+            <a:prstDash val="solid"/>
+            <a:round/>
+            <a:headEnd type="none" w="med" len="med"/>
+            <a:tailEnd type="arrow"/>
+          </a:ln>
+          <a:effectLst/>
+        </p:spPr>
+      </p:cxnSp>
+      <p:cxnSp>
+        <p:nvCxnSpPr>
+          <p:cNvPr id="91" name="Curved Connector 38"/>
+          <p:cNvCxnSpPr>
+            <a:endCxn id="82" idx="1"/>
+          </p:cNvCxnSpPr>
+          <p:nvPr/>
+        </p:nvCxnSpPr>
+        <p:spPr bwMode="auto">
+          <a:xfrm>
+            <a:off x="11749752" y="22590716"/>
+            <a:ext cx="623050" cy="473599"/>
+          </a:xfrm>
+          <a:prstGeom prst="bentConnector2">
+            <a:avLst/>
+          </a:prstGeom>
+          <a:solidFill>
+            <a:schemeClr val="accent1"/>
+          </a:solidFill>
+          <a:ln w="63500" cap="flat" cmpd="sng" algn="ctr">
+            <a:solidFill>
+              <a:schemeClr val="tx1"/>
+            </a:solidFill>
+            <a:prstDash val="solid"/>
+            <a:round/>
+            <a:headEnd type="none" w="med" len="med"/>
+            <a:tailEnd type="arrow"/>
+          </a:ln>
+          <a:effectLst/>
+        </p:spPr>
+      </p:cxnSp>
+      <p:sp>
+        <p:nvSpPr>
+          <p:cNvPr id="113" name="Oval 112"/>
+          <p:cNvSpPr>
+            <a:spLocks noChangeAspect="1"/>
+          </p:cNvSpPr>
+          <p:nvPr/>
+        </p:nvSpPr>
+        <p:spPr bwMode="auto">
+          <a:xfrm>
+            <a:off x="13841953" y="24353707"/>
+            <a:ext cx="863053" cy="928870"/>
+          </a:xfrm>
+          <a:prstGeom prst="ellipse">
+            <a:avLst/>
+          </a:prstGeom>
+          <a:solidFill>
+            <a:schemeClr val="accent4"/>
+          </a:solidFill>
+          <a:ln w="9525" cap="flat" cmpd="sng" algn="ctr">
+            <a:noFill/>
+            <a:prstDash val="solid"/>
+            <a:round/>
+            <a:headEnd type="none" w="med" len="med"/>
+            <a:tailEnd type="none" w="med" len="med"/>
+          </a:ln>
+          <a:effectLst/>
+        </p:spPr>
+        <p:txBody>
+          <a:bodyPr vert="horz" wrap="none" lIns="91440" tIns="45720" rIns="91440" bIns="45720" numCol="1" rtlCol="0" anchor="ctr" anchorCtr="0" compatLnSpc="1">
+            <a:prstTxWarp prst="textNoShape">
+              <a:avLst/>
+            </a:prstTxWarp>
+            <a:noAutofit/>
+          </a:bodyPr>
+          <a:lstStyle/>
+          <a:p>
+            <a:pPr marL="0" marR="0" indent="0" algn="ctr" defTabSz="914400" rtl="0" eaLnBrk="1" fontAlgn="base" latinLnBrk="0" hangingPunct="1">
+              <a:lnSpc>
+                <a:spcPct val="100000"/>
+              </a:lnSpc>
+              <a:spcBef>
+                <a:spcPct val="50000"/>
+              </a:spcBef>
+              <a:spcAft>
+                <a:spcPct val="0"/>
+              </a:spcAft>
+              <a:buClrTx/>
+              <a:buSzTx/>
+              <a:buFontTx/>
+              <a:buNone/>
+              <a:tabLst/>
+            </a:pPr>
+            <a:r>
+              <a:rPr lang="en-US" sz="6000" dirty="0">
+                <a:solidFill>
+                  <a:schemeClr val="bg1"/>
+                </a:solidFill>
+                <a:ea typeface="Arial" charset="0"/>
+              </a:rPr>
+              <a:t>+</a:t>
+            </a:r>
+            <a:endParaRPr kumimoji="0" lang="en-AU" sz="6000" b="0" i="0" u="none" strike="noStrike" cap="none" normalizeH="0" dirty="0">
+              <a:ln>
+                <a:noFill/>
+              </a:ln>
+              <a:solidFill>
+                <a:schemeClr val="bg1"/>
+              </a:solidFill>
+              <a:effectLst/>
+              <a:latin typeface="Arial" charset="0"/>
+              <a:ea typeface="Arial" charset="0"/>
+              <a:cs typeface="Arial" charset="0"/>
+            </a:endParaRPr>
+          </a:p>
+        </p:txBody>
+      </p:sp>
+      <p:cxnSp>
+        <p:nvCxnSpPr>
+          <p:cNvPr id="114" name="Curved Connector 38"/>
+          <p:cNvCxnSpPr>
+            <a:stCxn id="82" idx="6"/>
+            <a:endCxn id="113" idx="0"/>
+          </p:cNvCxnSpPr>
+          <p:nvPr/>
+        </p:nvCxnSpPr>
+        <p:spPr bwMode="auto">
+          <a:xfrm>
+            <a:off x="13109464" y="23392720"/>
+            <a:ext cx="1164016" cy="960987"/>
+          </a:xfrm>
+          <a:prstGeom prst="bentConnector2">
+            <a:avLst/>
+          </a:prstGeom>
+          <a:solidFill>
+            <a:schemeClr val="accent1"/>
+          </a:solidFill>
+          <a:ln w="63500" cap="flat" cmpd="sng" algn="ctr">
+            <a:solidFill>
+              <a:schemeClr val="tx1"/>
+            </a:solidFill>
+            <a:prstDash val="solid"/>
+            <a:round/>
+            <a:headEnd type="none" w="med" len="med"/>
+            <a:tailEnd type="arrow"/>
+          </a:ln>
+          <a:effectLst/>
+        </p:spPr>
+      </p:cxnSp>
+      <p:cxnSp>
+        <p:nvCxnSpPr>
+          <p:cNvPr id="117" name="Curved Connector 38"/>
+          <p:cNvCxnSpPr>
+            <a:stCxn id="80" idx="6"/>
+            <a:endCxn id="113" idx="4"/>
+          </p:cNvCxnSpPr>
+          <p:nvPr/>
+        </p:nvCxnSpPr>
+        <p:spPr bwMode="auto">
+          <a:xfrm flipV="1">
+            <a:off x="13120441" y="25282577"/>
+            <a:ext cx="1153039" cy="1128684"/>
+          </a:xfrm>
+          <a:prstGeom prst="bentConnector2">
+            <a:avLst/>
+          </a:prstGeom>
+          <a:solidFill>
+            <a:schemeClr val="accent1"/>
+          </a:solidFill>
+          <a:ln w="63500" cap="flat" cmpd="sng" algn="ctr">
+            <a:solidFill>
+              <a:schemeClr val="tx1"/>
+            </a:solidFill>
+            <a:prstDash val="solid"/>
+            <a:round/>
+            <a:headEnd type="none" w="med" len="med"/>
+            <a:tailEnd type="arrow"/>
+          </a:ln>
+          <a:effectLst/>
+        </p:spPr>
+      </p:cxnSp>
+      <p:cxnSp>
+        <p:nvCxnSpPr>
+          <p:cNvPr id="99" name="Straight Arrow Connector 98"/>
+          <p:cNvCxnSpPr/>
+          <p:nvPr/>
+        </p:nvCxnSpPr>
+        <p:spPr bwMode="auto">
+          <a:xfrm>
+            <a:off x="9829304" y="22590716"/>
+            <a:ext cx="575349" cy="12700"/>
+          </a:xfrm>
+          <a:prstGeom prst="straightConnector1">
+            <a:avLst/>
+          </a:prstGeom>
+          <a:solidFill>
+            <a:schemeClr val="accent1"/>
+          </a:solidFill>
+          <a:ln w="63500" cap="rnd" cmpd="sng" algn="ctr">
+            <a:solidFill>
+              <a:schemeClr val="tx1"/>
+            </a:solidFill>
+            <a:prstDash val="solid"/>
+            <a:round/>
+            <a:headEnd type="none" w="med" len="med"/>
+            <a:tailEnd type="arrow"/>
+          </a:ln>
+          <a:effectLst/>
+        </p:spPr>
+      </p:cxnSp>
+      <p:sp>
+        <p:nvSpPr>
+          <p:cNvPr id="143" name="Freeform 142"/>
+          <p:cNvSpPr/>
+          <p:nvPr/>
+        </p:nvSpPr>
+        <p:spPr>
+          <a:xfrm>
+            <a:off x="16153129" y="24481322"/>
+            <a:ext cx="1786081" cy="675138"/>
+          </a:xfrm>
+          <a:custGeom>
+            <a:avLst/>
+            <a:gdLst>
+              <a:gd name="connsiteX0" fmla="*/ 0 w 1944217"/>
+              <a:gd name="connsiteY0" fmla="*/ 198904 h 1193400"/>
+              <a:gd name="connsiteX1" fmla="*/ 198904 w 1944217"/>
+              <a:gd name="connsiteY1" fmla="*/ 0 h 1193400"/>
+              <a:gd name="connsiteX2" fmla="*/ 1745313 w 1944217"/>
+              <a:gd name="connsiteY2" fmla="*/ 0 h 1193400"/>
+              <a:gd name="connsiteX3" fmla="*/ 1944217 w 1944217"/>
+              <a:gd name="connsiteY3" fmla="*/ 198904 h 1193400"/>
+              <a:gd name="connsiteX4" fmla="*/ 1944217 w 1944217"/>
+              <a:gd name="connsiteY4" fmla="*/ 994496 h 1193400"/>
+              <a:gd name="connsiteX5" fmla="*/ 1745313 w 1944217"/>
+              <a:gd name="connsiteY5" fmla="*/ 1193400 h 1193400"/>
+              <a:gd name="connsiteX6" fmla="*/ 198904 w 1944217"/>
+              <a:gd name="connsiteY6" fmla="*/ 1193400 h 1193400"/>
+              <a:gd name="connsiteX7" fmla="*/ 0 w 1944217"/>
+              <a:gd name="connsiteY7" fmla="*/ 994496 h 1193400"/>
+              <a:gd name="connsiteX8" fmla="*/ 0 w 1944217"/>
+              <a:gd name="connsiteY8" fmla="*/ 198904 h 1193400"/>
+            </a:gdLst>
+            <a:ahLst/>
+            <a:cxnLst>
+              <a:cxn ang="0">
+                <a:pos x="connsiteX0" y="connsiteY0"/>
+              </a:cxn>
+              <a:cxn ang="0">
+                <a:pos x="connsiteX1" y="connsiteY1"/>
+              </a:cxn>
+              <a:cxn ang="0">
+                <a:pos x="connsiteX2" y="connsiteY2"/>
+              </a:cxn>
+              <a:cxn ang="0">
+                <a:pos x="connsiteX3" y="connsiteY3"/>
+              </a:cxn>
+              <a:cxn ang="0">
+                <a:pos x="connsiteX4" y="connsiteY4"/>
+              </a:cxn>
+              <a:cxn ang="0">
+                <a:pos x="connsiteX5" y="connsiteY5"/>
+              </a:cxn>
+              <a:cxn ang="0">
+                <a:pos x="connsiteX6" y="connsiteY6"/>
+              </a:cxn>
+              <a:cxn ang="0">
+                <a:pos x="connsiteX7" y="connsiteY7"/>
+              </a:cxn>
+              <a:cxn ang="0">
+                <a:pos x="connsiteX8" y="connsiteY8"/>
+              </a:cxn>
+            </a:cxnLst>
+            <a:rect l="l" t="t" r="r" b="b"/>
+            <a:pathLst>
+              <a:path w="1944217" h="1193400">
+                <a:moveTo>
+                  <a:pt x="0" y="198904"/>
+                </a:moveTo>
+                <a:cubicBezTo>
+                  <a:pt x="0" y="89052"/>
+                  <a:pt x="89052" y="0"/>
+                  <a:pt x="198904" y="0"/>
+                </a:cubicBezTo>
+                <a:lnTo>
+                  <a:pt x="1745313" y="0"/>
+                </a:lnTo>
+                <a:cubicBezTo>
+                  <a:pt x="1855165" y="0"/>
+                  <a:pt x="1944217" y="89052"/>
+                  <a:pt x="1944217" y="198904"/>
+                </a:cubicBezTo>
+                <a:lnTo>
+                  <a:pt x="1944217" y="994496"/>
+                </a:lnTo>
+                <a:cubicBezTo>
+                  <a:pt x="1944217" y="1104348"/>
+                  <a:pt x="1855165" y="1193400"/>
+                  <a:pt x="1745313" y="1193400"/>
+                </a:cubicBezTo>
+                <a:lnTo>
+                  <a:pt x="198904" y="1193400"/>
+                </a:lnTo>
+                <a:cubicBezTo>
+                  <a:pt x="89052" y="1193400"/>
+                  <a:pt x="0" y="1104348"/>
+                  <a:pt x="0" y="994496"/>
+                </a:cubicBezTo>
+                <a:lnTo>
+                  <a:pt x="0" y="198904"/>
+                </a:lnTo>
+                <a:close/>
+              </a:path>
+            </a:pathLst>
+          </a:custGeom>
+        </p:spPr>
+        <p:style>
+          <a:lnRef idx="2">
+            <a:schemeClr val="lt2">
+              <a:hueOff val="0"/>
+              <a:satOff val="0"/>
+              <a:lumOff val="0"/>
+              <a:alphaOff val="0"/>
+            </a:schemeClr>
+          </a:lnRef>
+          <a:fillRef idx="1">
+            <a:schemeClr val="dk2">
+              <a:hueOff val="0"/>
+              <a:satOff val="0"/>
+              <a:lumOff val="0"/>
+              <a:alphaOff val="0"/>
+            </a:schemeClr>
+          </a:fillRef>
+          <a:effectRef idx="0">
+            <a:schemeClr val="dk2">
+              <a:hueOff val="0"/>
+              <a:satOff val="0"/>
+              <a:lumOff val="0"/>
+              <a:alphaOff val="0"/>
+            </a:schemeClr>
+          </a:effectRef>
+          <a:fontRef idx="minor">
+            <a:schemeClr val="lt1"/>
+          </a:fontRef>
+        </p:style>
+        <p:txBody>
+          <a:bodyPr spcFirstLastPara="0" vert="horz" wrap="square" lIns="0" tIns="0" rIns="0" bIns="0" numCol="1" spcCol="1270" anchor="ctr" anchorCtr="0">
+            <a:normAutofit/>
+          </a:bodyPr>
+          <a:lstStyle/>
+          <a:p>
+            <a:pPr lvl="0" algn="ctr" defTabSz="2266950">
+              <a:lnSpc>
+                <a:spcPct val="90000"/>
+              </a:lnSpc>
+              <a:spcBef>
+                <a:spcPct val="0"/>
+              </a:spcBef>
+              <a:spcAft>
+                <a:spcPct val="35000"/>
+              </a:spcAft>
+            </a:pPr>
+            <a:r>
+              <a:rPr lang="en-US" sz="4400" kern="1200" dirty="0" smtClean="0">
+                <a:solidFill>
+                  <a:schemeClr val="bg1"/>
+                </a:solidFill>
+              </a:rPr>
+              <a:t>result</a:t>
+            </a:r>
+            <a:endParaRPr lang="en-AU" sz="4400" kern="1200" dirty="0">
+              <a:solidFill>
+                <a:schemeClr val="bg1"/>
+              </a:solidFill>
+            </a:endParaRPr>
+          </a:p>
+        </p:txBody>
+      </p:sp>
+      <p:cxnSp>
+        <p:nvCxnSpPr>
+          <p:cNvPr id="144" name="Straight Arrow Connector 143"/>
+          <p:cNvCxnSpPr>
+            <a:stCxn id="113" idx="6"/>
+          </p:cNvCxnSpPr>
+          <p:nvPr/>
+        </p:nvCxnSpPr>
+        <p:spPr bwMode="auto">
+          <a:xfrm>
+            <a:off x="14705006" y="24818142"/>
+            <a:ext cx="1448123" cy="749"/>
+          </a:xfrm>
+          <a:prstGeom prst="straightConnector1">
+            <a:avLst/>
+          </a:prstGeom>
+          <a:solidFill>
+            <a:schemeClr val="accent1"/>
+          </a:solidFill>
+          <a:ln w="63500" cap="flat" cmpd="sng" algn="ctr">
+            <a:solidFill>
+              <a:schemeClr val="tx1"/>
+            </a:solidFill>
+            <a:prstDash val="solid"/>
+            <a:round/>
+            <a:headEnd type="none" w="med" len="med"/>
+            <a:tailEnd type="arrow"/>
+          </a:ln>
+          <a:effectLst/>
+        </p:spPr>
+      </p:cxnSp>
+      <p:sp>
+        <p:nvSpPr>
+          <p:cNvPr id="171" name="TextBox 170"/>
+          <p:cNvSpPr txBox="1"/>
+          <p:nvPr/>
+        </p:nvSpPr>
+        <p:spPr>
+          <a:xfrm>
+            <a:off x="11077202" y="21047840"/>
+            <a:ext cx="2171330" cy="461665"/>
+          </a:xfrm>
+          <a:prstGeom prst="rect">
+            <a:avLst/>
+          </a:prstGeom>
+          <a:noFill/>
+        </p:spPr>
+        <p:txBody>
+          <a:bodyPr wrap="square" rtlCol="0">
+            <a:spAutoFit/>
+          </a:bodyPr>
+          <a:lstStyle/>
+          <a:p>
+            <a:r>
+              <a:rPr lang="en-US" sz="2400" dirty="0" smtClean="0">
+                <a:latin typeface="Calibri" panose="020F0502020204030204" pitchFamily="34" charset="0"/>
+                <a:cs typeface="Consolas" panose="020B0609020204030204" pitchFamily="49" charset="0"/>
+              </a:rPr>
+              <a:t>sum</a:t>
+            </a:r>
+            <a:endParaRPr lang="en-AU" sz="2400" dirty="0">
+              <a:latin typeface="Calibri" panose="020F0502020204030204" pitchFamily="34" charset="0"/>
+              <a:cs typeface="Consolas" panose="020B0609020204030204" pitchFamily="49" charset="0"/>
+            </a:endParaRPr>
+          </a:p>
+        </p:txBody>
+      </p:sp>
+      <p:cxnSp>
+        <p:nvCxnSpPr>
+          <p:cNvPr id="128" name="Straight Arrow Connector 127"/>
+          <p:cNvCxnSpPr/>
+          <p:nvPr/>
+        </p:nvCxnSpPr>
+        <p:spPr bwMode="auto">
+          <a:xfrm flipV="1">
+            <a:off x="14963676" y="21925086"/>
+            <a:ext cx="0" cy="2893806"/>
+          </a:xfrm>
+          <a:prstGeom prst="straightConnector1">
+            <a:avLst/>
+          </a:prstGeom>
+          <a:solidFill>
+            <a:schemeClr val="accent1"/>
+          </a:solidFill>
+          <a:ln w="63500" cap="flat" cmpd="sng" algn="ctr">
+            <a:solidFill>
+              <a:schemeClr val="tx1"/>
+            </a:solidFill>
+            <a:prstDash val="solid"/>
+            <a:round/>
+            <a:headEnd type="none" w="med" len="med"/>
+            <a:tailEnd type="none"/>
+          </a:ln>
+          <a:effectLst/>
+        </p:spPr>
+      </p:cxnSp>
+      <p:graphicFrame>
+        <p:nvGraphicFramePr>
+          <p:cNvPr id="11" name="Table 10"/>
+          <p:cNvGraphicFramePr>
+            <a:graphicFrameLocks noGrp="1"/>
+          </p:cNvGraphicFramePr>
+          <p:nvPr>
+            <p:extLst>
+              <p:ext uri="{D42A27DB-BD31-4B8C-83A1-F6EECF244321}">
+                <p14:modId xmlns:p14="http://schemas.microsoft.com/office/powerpoint/2010/main" val="802675757"/>
+              </p:ext>
+            </p:extLst>
+          </p:nvPr>
+        </p:nvGraphicFramePr>
+        <p:xfrm>
+          <a:off x="1281926" y="21228737"/>
+          <a:ext cx="1296092" cy="4053840"/>
+        </p:xfrm>
+        <a:graphic>
+          <a:graphicData uri="http://schemas.openxmlformats.org/drawingml/2006/table">
+            <a:tbl>
+              <a:tblPr firstRow="1" bandRow="1">
+                <a:tableStyleId>{E8034E78-7F5D-4C2E-B375-FC64B27BC917}</a:tableStyleId>
+              </a:tblPr>
+              <a:tblGrid>
+                <a:gridCol w="1296092"/>
+              </a:tblGrid>
+              <a:tr h="362917">
+                <a:tc>
+                  <a:txBody>
+                    <a:bodyPr/>
+                    <a:lstStyle/>
+                    <a:p>
+                      <a:pPr algn="ctr"/>
+                      <a:r>
+                        <a:rPr lang="en-US" sz="3200" dirty="0" smtClean="0"/>
+                        <a:t>vec1</a:t>
+                      </a:r>
+                      <a:endParaRPr lang="en-AU" sz="3200" dirty="0"/>
+                    </a:p>
+                  </a:txBody>
+                  <a:tcPr anchor="ctr">
+                    <a:lnL w="12700" cap="flat" cmpd="sng" algn="ctr">
+                      <a:solidFill>
+                        <a:schemeClr val="tx1"/>
+                      </a:solidFill>
+                      <a:prstDash val="solid"/>
+                      <a:round/>
+                      <a:headEnd type="none" w="med" len="med"/>
+                      <a:tailEnd type="none" w="med" len="med"/>
+                    </a:lnL>
+                    <a:lnR w="12700" cap="flat" cmpd="sng" algn="ctr">
+                      <a:solidFill>
+                        <a:schemeClr val="tx1"/>
+                      </a:solidFill>
+                      <a:prstDash val="solid"/>
+                      <a:round/>
+                      <a:headEnd type="none" w="med" len="med"/>
+                      <a:tailEnd type="none" w="med" len="med"/>
+                    </a:lnR>
+                    <a:lnT w="12700" cap="flat" cmpd="sng" algn="ctr">
+                      <a:solidFill>
+                        <a:schemeClr val="tx1"/>
+                      </a:solidFill>
+                      <a:prstDash val="solid"/>
+                      <a:round/>
+                      <a:headEnd type="none" w="med" len="med"/>
+                      <a:tailEnd type="none" w="med" len="med"/>
+                    </a:lnT>
+                    <a:lnB w="12700" cap="flat" cmpd="sng" algn="ctr">
+                      <a:solidFill>
+                        <a:schemeClr val="tx1"/>
+                      </a:solidFill>
+                      <a:prstDash val="solid"/>
+                      <a:round/>
+                      <a:headEnd type="none" w="med" len="med"/>
+                      <a:tailEnd type="none" w="med" len="med"/>
+                    </a:lnB>
+                  </a:tcPr>
+                </a:tc>
+              </a:tr>
+              <a:tr h="362917">
+                <a:tc>
+                  <a:txBody>
+                    <a:bodyPr/>
+                    <a:lstStyle/>
+                    <a:p>
+                      <a:pPr algn="ctr"/>
+                      <a:r>
+                        <a:rPr lang="en-US" sz="3200" dirty="0" smtClean="0">
+                          <a:solidFill>
+                            <a:srgbClr val="FF0000"/>
+                          </a:solidFill>
+                          <a:effectLst>
+                            <a:outerShdw blurRad="38100" dist="38100" dir="2700000" algn="tl">
+                              <a:srgbClr val="000000">
+                                <a:alpha val="43137"/>
+                              </a:srgbClr>
+                            </a:outerShdw>
+                          </a:effectLst>
+                        </a:rPr>
+                        <a:t>+1</a:t>
+                      </a:r>
+                      <a:endParaRPr lang="en-AU" sz="3200" dirty="0">
+                        <a:solidFill>
+                          <a:srgbClr val="FF0000"/>
+                        </a:solidFill>
+                        <a:effectLst>
+                          <a:outerShdw blurRad="38100" dist="38100" dir="2700000" algn="tl">
+                            <a:srgbClr val="000000">
+                              <a:alpha val="43137"/>
+                            </a:srgbClr>
+                          </a:outerShdw>
+                        </a:effectLst>
+                      </a:endParaRPr>
+                    </a:p>
+                  </a:txBody>
+                  <a:tcPr anchor="ctr">
+                    <a:lnL w="12700" cap="flat" cmpd="sng" algn="ctr">
+                      <a:solidFill>
+                        <a:schemeClr val="tx1"/>
+                      </a:solidFill>
+                      <a:prstDash val="solid"/>
+                      <a:round/>
+                      <a:headEnd type="none" w="med" len="med"/>
+                      <a:tailEnd type="none" w="med" len="med"/>
+                    </a:lnL>
+                    <a:lnR w="12700" cap="flat" cmpd="sng" algn="ctr">
+                      <a:solidFill>
+                        <a:schemeClr val="tx1"/>
+                      </a:solidFill>
+                      <a:prstDash val="solid"/>
+                      <a:round/>
+                      <a:headEnd type="none" w="med" len="med"/>
+                      <a:tailEnd type="none" w="med" len="med"/>
+                    </a:lnR>
+                    <a:lnT w="12700" cap="flat" cmpd="sng" algn="ctr">
+                      <a:solidFill>
+                        <a:schemeClr val="tx1"/>
+                      </a:solidFill>
+                      <a:prstDash val="solid"/>
+                      <a:round/>
+                      <a:headEnd type="none" w="med" len="med"/>
+                      <a:tailEnd type="none" w="med" len="med"/>
+                    </a:lnT>
+                    <a:lnB w="12700" cap="flat" cmpd="sng" algn="ctr">
+                      <a:solidFill>
+                        <a:schemeClr val="tx1"/>
+                      </a:solidFill>
+                      <a:prstDash val="solid"/>
+                      <a:round/>
+                      <a:headEnd type="none" w="med" len="med"/>
+                      <a:tailEnd type="none" w="med" len="med"/>
+                    </a:lnB>
+                  </a:tcPr>
+                </a:tc>
+              </a:tr>
+              <a:tr h="362917">
+                <a:tc>
+                  <a:txBody>
+                    <a:bodyPr/>
+                    <a:lstStyle/>
+                    <a:p>
+                      <a:pPr algn="ctr"/>
+                      <a:r>
+                        <a:rPr lang="en-US" sz="3200" dirty="0" smtClean="0">
+                          <a:solidFill>
+                            <a:srgbClr val="00B050"/>
+                          </a:solidFill>
+                          <a:effectLst>
+                            <a:outerShdw blurRad="38100" dist="38100" dir="2700000" algn="tl">
+                              <a:srgbClr val="000000">
+                                <a:alpha val="43137"/>
+                              </a:srgbClr>
+                            </a:outerShdw>
+                          </a:effectLst>
+                        </a:rPr>
+                        <a:t>-1</a:t>
+                      </a:r>
+                      <a:endParaRPr lang="en-AU" sz="3200" dirty="0">
+                        <a:solidFill>
+                          <a:srgbClr val="00B050"/>
+                        </a:solidFill>
+                        <a:effectLst>
+                          <a:outerShdw blurRad="38100" dist="38100" dir="2700000" algn="tl">
+                            <a:srgbClr val="000000">
+                              <a:alpha val="43137"/>
+                            </a:srgbClr>
+                          </a:outerShdw>
+                        </a:effectLst>
+                      </a:endParaRPr>
+                    </a:p>
+                  </a:txBody>
+                  <a:tcPr anchor="ctr">
+                    <a:lnL w="12700" cap="flat" cmpd="sng" algn="ctr">
+                      <a:solidFill>
+                        <a:schemeClr val="tx1"/>
+                      </a:solidFill>
+                      <a:prstDash val="solid"/>
+                      <a:round/>
+                      <a:headEnd type="none" w="med" len="med"/>
+                      <a:tailEnd type="none" w="med" len="med"/>
+                    </a:lnL>
+                    <a:lnR w="12700" cap="flat" cmpd="sng" algn="ctr">
+                      <a:solidFill>
+                        <a:schemeClr val="tx1"/>
+                      </a:solidFill>
+                      <a:prstDash val="solid"/>
+                      <a:round/>
+                      <a:headEnd type="none" w="med" len="med"/>
+                      <a:tailEnd type="none" w="med" len="med"/>
+                    </a:lnR>
+                    <a:lnT w="12700" cap="flat" cmpd="sng" algn="ctr">
+                      <a:solidFill>
+                        <a:schemeClr val="tx1"/>
+                      </a:solidFill>
+                      <a:prstDash val="solid"/>
+                      <a:round/>
+                      <a:headEnd type="none" w="med" len="med"/>
+                      <a:tailEnd type="none" w="med" len="med"/>
+                    </a:lnT>
+                    <a:lnB w="12700" cap="flat" cmpd="sng" algn="ctr">
+                      <a:solidFill>
+                        <a:schemeClr val="tx1"/>
+                      </a:solidFill>
+                      <a:prstDash val="solid"/>
+                      <a:round/>
+                      <a:headEnd type="none" w="med" len="med"/>
+                      <a:tailEnd type="none" w="med" len="med"/>
+                    </a:lnB>
+                  </a:tcPr>
+                </a:tc>
+              </a:tr>
+              <a:tr h="362917">
+                <a:tc>
+                  <a:txBody>
+                    <a:bodyPr/>
+                    <a:lstStyle/>
+                    <a:p>
+                      <a:pPr algn="ctr"/>
+                      <a:r>
+                        <a:rPr lang="en-US" sz="3200" dirty="0" smtClean="0">
+                          <a:solidFill>
+                            <a:srgbClr val="00B0F0"/>
+                          </a:solidFill>
+                          <a:effectLst>
+                            <a:outerShdw blurRad="38100" dist="38100" dir="2700000" algn="tl">
+                              <a:srgbClr val="000000">
+                                <a:alpha val="43137"/>
+                              </a:srgbClr>
+                            </a:outerShdw>
+                          </a:effectLst>
+                        </a:rPr>
+                        <a:t>+1</a:t>
+                      </a:r>
+                      <a:endParaRPr lang="en-AU" sz="3200" dirty="0">
+                        <a:solidFill>
+                          <a:srgbClr val="00B0F0"/>
+                        </a:solidFill>
+                        <a:effectLst>
+                          <a:outerShdw blurRad="38100" dist="38100" dir="2700000" algn="tl">
+                            <a:srgbClr val="000000">
+                              <a:alpha val="43137"/>
+                            </a:srgbClr>
+                          </a:outerShdw>
+                        </a:effectLst>
+                      </a:endParaRPr>
+                    </a:p>
+                  </a:txBody>
+                  <a:tcPr anchor="ctr">
+                    <a:lnL w="12700" cap="flat" cmpd="sng" algn="ctr">
+                      <a:solidFill>
+                        <a:schemeClr val="tx1"/>
+                      </a:solidFill>
+                      <a:prstDash val="solid"/>
+                      <a:round/>
+                      <a:headEnd type="none" w="med" len="med"/>
+                      <a:tailEnd type="none" w="med" len="med"/>
+                    </a:lnL>
+                    <a:lnR w="12700" cap="flat" cmpd="sng" algn="ctr">
+                      <a:solidFill>
+                        <a:schemeClr val="tx1"/>
+                      </a:solidFill>
+                      <a:prstDash val="solid"/>
+                      <a:round/>
+                      <a:headEnd type="none" w="med" len="med"/>
+                      <a:tailEnd type="none" w="med" len="med"/>
+                    </a:lnR>
+                    <a:lnT w="12700" cap="flat" cmpd="sng" algn="ctr">
+                      <a:solidFill>
+                        <a:schemeClr val="tx1"/>
+                      </a:solidFill>
+                      <a:prstDash val="solid"/>
+                      <a:round/>
+                      <a:headEnd type="none" w="med" len="med"/>
+                      <a:tailEnd type="none" w="med" len="med"/>
+                    </a:lnT>
+                    <a:lnB w="12700" cap="flat" cmpd="sng" algn="ctr">
+                      <a:solidFill>
+                        <a:schemeClr val="tx1"/>
+                      </a:solidFill>
+                      <a:prstDash val="solid"/>
+                      <a:round/>
+                      <a:headEnd type="none" w="med" len="med"/>
+                      <a:tailEnd type="none" w="med" len="med"/>
+                    </a:lnB>
+                  </a:tcPr>
+                </a:tc>
+              </a:tr>
+              <a:tr h="362917">
+                <a:tc>
+                  <a:txBody>
+                    <a:bodyPr/>
+                    <a:lstStyle/>
+                    <a:p>
+                      <a:pPr algn="ctr"/>
+                      <a:r>
+                        <a:rPr lang="en-US" sz="3200" dirty="0" smtClean="0">
+                          <a:solidFill>
+                            <a:srgbClr val="FF0000"/>
+                          </a:solidFill>
+                          <a:effectLst>
+                            <a:outerShdw blurRad="38100" dist="38100" dir="2700000" algn="tl">
+                              <a:srgbClr val="000000">
+                                <a:alpha val="43137"/>
+                              </a:srgbClr>
+                            </a:outerShdw>
+                          </a:effectLst>
+                        </a:rPr>
+                        <a:t>-1</a:t>
+                      </a:r>
+                      <a:endParaRPr lang="en-AU" sz="3200" dirty="0">
+                        <a:solidFill>
+                          <a:srgbClr val="FF0000"/>
+                        </a:solidFill>
+                        <a:effectLst>
+                          <a:outerShdw blurRad="38100" dist="38100" dir="2700000" algn="tl">
+                            <a:srgbClr val="000000">
+                              <a:alpha val="43137"/>
+                            </a:srgbClr>
+                          </a:outerShdw>
+                        </a:effectLst>
+                      </a:endParaRPr>
+                    </a:p>
+                  </a:txBody>
+                  <a:tcPr anchor="ctr">
+                    <a:lnL w="12700" cap="flat" cmpd="sng" algn="ctr">
+                      <a:solidFill>
+                        <a:schemeClr val="tx1"/>
+                      </a:solidFill>
+                      <a:prstDash val="solid"/>
+                      <a:round/>
+                      <a:headEnd type="none" w="med" len="med"/>
+                      <a:tailEnd type="none" w="med" len="med"/>
+                    </a:lnL>
+                    <a:lnR w="12700" cap="flat" cmpd="sng" algn="ctr">
+                      <a:solidFill>
+                        <a:schemeClr val="tx1"/>
+                      </a:solidFill>
+                      <a:prstDash val="solid"/>
+                      <a:round/>
+                      <a:headEnd type="none" w="med" len="med"/>
+                      <a:tailEnd type="none" w="med" len="med"/>
+                    </a:lnR>
+                    <a:lnT w="12700" cap="flat" cmpd="sng" algn="ctr">
+                      <a:solidFill>
+                        <a:schemeClr val="tx1"/>
+                      </a:solidFill>
+                      <a:prstDash val="solid"/>
+                      <a:round/>
+                      <a:headEnd type="none" w="med" len="med"/>
+                      <a:tailEnd type="none" w="med" len="med"/>
+                    </a:lnT>
+                    <a:lnB w="12700" cap="flat" cmpd="sng" algn="ctr">
+                      <a:solidFill>
+                        <a:schemeClr val="tx1"/>
+                      </a:solidFill>
+                      <a:prstDash val="solid"/>
+                      <a:round/>
+                      <a:headEnd type="none" w="med" len="med"/>
+                      <a:tailEnd type="none" w="med" len="med"/>
+                    </a:lnB>
+                  </a:tcPr>
+                </a:tc>
+              </a:tr>
+              <a:tr h="362917">
+                <a:tc>
+                  <a:txBody>
+                    <a:bodyPr/>
+                    <a:lstStyle/>
+                    <a:p>
+                      <a:pPr algn="ctr"/>
+                      <a:r>
+                        <a:rPr lang="en-US" sz="3200" dirty="0" smtClean="0">
+                          <a:solidFill>
+                            <a:srgbClr val="00B050"/>
+                          </a:solidFill>
+                          <a:effectLst>
+                            <a:outerShdw blurRad="38100" dist="38100" dir="2700000" algn="tl">
+                              <a:srgbClr val="000000">
+                                <a:alpha val="43137"/>
+                              </a:srgbClr>
+                            </a:outerShdw>
+                          </a:effectLst>
+                        </a:rPr>
+                        <a:t>+1</a:t>
+                      </a:r>
+                      <a:endParaRPr lang="en-AU" sz="3200" dirty="0">
+                        <a:solidFill>
+                          <a:srgbClr val="00B050"/>
+                        </a:solidFill>
+                        <a:effectLst>
+                          <a:outerShdw blurRad="38100" dist="38100" dir="2700000" algn="tl">
+                            <a:srgbClr val="000000">
+                              <a:alpha val="43137"/>
+                            </a:srgbClr>
+                          </a:outerShdw>
+                        </a:effectLst>
+                      </a:endParaRPr>
+                    </a:p>
+                  </a:txBody>
+                  <a:tcPr anchor="ctr">
+                    <a:lnL w="12700" cap="flat" cmpd="sng" algn="ctr">
+                      <a:solidFill>
+                        <a:schemeClr val="tx1"/>
+                      </a:solidFill>
+                      <a:prstDash val="solid"/>
+                      <a:round/>
+                      <a:headEnd type="none" w="med" len="med"/>
+                      <a:tailEnd type="none" w="med" len="med"/>
+                    </a:lnL>
+                    <a:lnR w="12700" cap="flat" cmpd="sng" algn="ctr">
+                      <a:solidFill>
+                        <a:schemeClr val="tx1"/>
+                      </a:solidFill>
+                      <a:prstDash val="solid"/>
+                      <a:round/>
+                      <a:headEnd type="none" w="med" len="med"/>
+                      <a:tailEnd type="none" w="med" len="med"/>
+                    </a:lnR>
+                    <a:lnT w="12700" cap="flat" cmpd="sng" algn="ctr">
+                      <a:solidFill>
+                        <a:schemeClr val="tx1"/>
+                      </a:solidFill>
+                      <a:prstDash val="solid"/>
+                      <a:round/>
+                      <a:headEnd type="none" w="med" len="med"/>
+                      <a:tailEnd type="none" w="med" len="med"/>
+                    </a:lnT>
+                    <a:lnB w="12700" cap="flat" cmpd="sng" algn="ctr">
+                      <a:solidFill>
+                        <a:schemeClr val="tx1"/>
+                      </a:solidFill>
+                      <a:prstDash val="solid"/>
+                      <a:round/>
+                      <a:headEnd type="none" w="med" len="med"/>
+                      <a:tailEnd type="none" w="med" len="med"/>
+                    </a:lnB>
+                  </a:tcPr>
+                </a:tc>
+              </a:tr>
+              <a:tr h="362917">
+                <a:tc>
+                  <a:txBody>
+                    <a:bodyPr/>
+                    <a:lstStyle/>
+                    <a:p>
+                      <a:pPr algn="ctr"/>
+                      <a:r>
+                        <a:rPr lang="en-US" sz="3200" dirty="0" smtClean="0">
+                          <a:solidFill>
+                            <a:srgbClr val="00B0F0"/>
+                          </a:solidFill>
+                          <a:effectLst>
+                            <a:outerShdw blurRad="38100" dist="38100" dir="2700000" algn="tl">
+                              <a:srgbClr val="000000">
+                                <a:alpha val="43137"/>
+                              </a:srgbClr>
+                            </a:outerShdw>
+                          </a:effectLst>
+                        </a:rPr>
+                        <a:t>-1</a:t>
+                      </a:r>
+                      <a:endParaRPr lang="en-AU" sz="3200" dirty="0">
+                        <a:solidFill>
+                          <a:srgbClr val="00B0F0"/>
+                        </a:solidFill>
+                        <a:effectLst>
+                          <a:outerShdw blurRad="38100" dist="38100" dir="2700000" algn="tl">
+                            <a:srgbClr val="000000">
+                              <a:alpha val="43137"/>
+                            </a:srgbClr>
+                          </a:outerShdw>
+                        </a:effectLst>
+                      </a:endParaRPr>
+                    </a:p>
+                  </a:txBody>
+                  <a:tcPr anchor="ctr">
+                    <a:lnL w="12700" cap="flat" cmpd="sng" algn="ctr">
+                      <a:solidFill>
+                        <a:schemeClr val="tx1"/>
+                      </a:solidFill>
+                      <a:prstDash val="solid"/>
+                      <a:round/>
+                      <a:headEnd type="none" w="med" len="med"/>
+                      <a:tailEnd type="none" w="med" len="med"/>
+                    </a:lnL>
+                    <a:lnR w="12700" cap="flat" cmpd="sng" algn="ctr">
+                      <a:solidFill>
+                        <a:schemeClr val="tx1"/>
+                      </a:solidFill>
+                      <a:prstDash val="solid"/>
+                      <a:round/>
+                      <a:headEnd type="none" w="med" len="med"/>
+                      <a:tailEnd type="none" w="med" len="med"/>
+                    </a:lnR>
+                    <a:lnT w="12700" cap="flat" cmpd="sng" algn="ctr">
+                      <a:solidFill>
+                        <a:schemeClr val="tx1"/>
+                      </a:solidFill>
+                      <a:prstDash val="solid"/>
+                      <a:round/>
+                      <a:headEnd type="none" w="med" len="med"/>
+                      <a:tailEnd type="none" w="med" len="med"/>
+                    </a:lnT>
+                    <a:lnB w="12700" cap="flat" cmpd="sng" algn="ctr">
+                      <a:solidFill>
+                        <a:schemeClr val="tx1"/>
+                      </a:solidFill>
+                      <a:prstDash val="solid"/>
+                      <a:round/>
+                      <a:headEnd type="none" w="med" len="med"/>
+                      <a:tailEnd type="none" w="med" len="med"/>
+                    </a:lnB>
+                  </a:tcPr>
+                </a:tc>
+              </a:tr>
+            </a:tbl>
+          </a:graphicData>
+        </a:graphic>
+      </p:graphicFrame>
+      <p:graphicFrame>
+        <p:nvGraphicFramePr>
+          <p:cNvPr id="45" name="Table 44"/>
+          <p:cNvGraphicFramePr>
+            <a:graphicFrameLocks noGrp="1"/>
+          </p:cNvGraphicFramePr>
+          <p:nvPr>
+            <p:extLst>
+              <p:ext uri="{D42A27DB-BD31-4B8C-83A1-F6EECF244321}">
+                <p14:modId xmlns:p14="http://schemas.microsoft.com/office/powerpoint/2010/main" val="3780408530"/>
+              </p:ext>
+            </p:extLst>
+          </p:nvPr>
+        </p:nvGraphicFramePr>
+        <p:xfrm>
+          <a:off x="1281926" y="25491588"/>
+          <a:ext cx="1296092" cy="4053840"/>
+        </p:xfrm>
+        <a:graphic>
+          <a:graphicData uri="http://schemas.openxmlformats.org/drawingml/2006/table">
+            <a:tbl>
+              <a:tblPr firstRow="1" bandRow="1">
+                <a:tableStyleId>{E8034E78-7F5D-4C2E-B375-FC64B27BC917}</a:tableStyleId>
+              </a:tblPr>
+              <a:tblGrid>
+                <a:gridCol w="1296092"/>
+              </a:tblGrid>
+              <a:tr h="362917">
+                <a:tc>
+                  <a:txBody>
+                    <a:bodyPr/>
+                    <a:lstStyle/>
+                    <a:p>
+                      <a:pPr algn="ctr"/>
+                      <a:r>
+                        <a:rPr lang="en-US" sz="3200" dirty="0" smtClean="0"/>
+                        <a:t>vec2</a:t>
+                      </a:r>
+                      <a:endParaRPr lang="en-AU" sz="3200" dirty="0"/>
+                    </a:p>
+                  </a:txBody>
+                  <a:tcPr anchor="ctr">
+                    <a:lnL w="12700" cap="flat" cmpd="sng" algn="ctr">
+                      <a:solidFill>
+                        <a:schemeClr val="tx1"/>
+                      </a:solidFill>
+                      <a:prstDash val="solid"/>
+                      <a:round/>
+                      <a:headEnd type="none" w="med" len="med"/>
+                      <a:tailEnd type="none" w="med" len="med"/>
+                    </a:lnL>
+                    <a:lnR w="12700" cap="flat" cmpd="sng" algn="ctr">
+                      <a:solidFill>
+                        <a:schemeClr val="tx1"/>
+                      </a:solidFill>
+                      <a:prstDash val="solid"/>
+                      <a:round/>
+                      <a:headEnd type="none" w="med" len="med"/>
+                      <a:tailEnd type="none" w="med" len="med"/>
+                    </a:lnR>
+                    <a:lnT w="12700" cap="flat" cmpd="sng" algn="ctr">
+                      <a:solidFill>
+                        <a:schemeClr val="tx1"/>
+                      </a:solidFill>
+                      <a:prstDash val="solid"/>
+                      <a:round/>
+                      <a:headEnd type="none" w="med" len="med"/>
+                      <a:tailEnd type="none" w="med" len="med"/>
+                    </a:lnT>
+                    <a:lnB w="12700" cap="flat" cmpd="sng" algn="ctr">
+                      <a:solidFill>
+                        <a:schemeClr val="tx1"/>
+                      </a:solidFill>
+                      <a:prstDash val="solid"/>
+                      <a:round/>
+                      <a:headEnd type="none" w="med" len="med"/>
+                      <a:tailEnd type="none" w="med" len="med"/>
+                    </a:lnB>
+                  </a:tcPr>
+                </a:tc>
+              </a:tr>
+              <a:tr h="362917">
+                <a:tc>
+                  <a:txBody>
+                    <a:bodyPr/>
+                    <a:lstStyle/>
+                    <a:p>
+                      <a:pPr algn="ctr"/>
+                      <a:r>
+                        <a:rPr lang="en-US" sz="3200" dirty="0" smtClean="0">
+                          <a:solidFill>
+                            <a:srgbClr val="FF0000"/>
+                          </a:solidFill>
+                          <a:effectLst>
+                            <a:outerShdw blurRad="38100" dist="38100" dir="2700000" algn="tl">
+                              <a:srgbClr val="000000">
+                                <a:alpha val="43137"/>
+                              </a:srgbClr>
+                            </a:outerShdw>
+                          </a:effectLst>
+                        </a:rPr>
+                        <a:t>1</a:t>
+                      </a:r>
+                      <a:endParaRPr lang="en-AU" sz="3200" dirty="0">
+                        <a:solidFill>
+                          <a:srgbClr val="FF0000"/>
+                        </a:solidFill>
+                        <a:effectLst>
+                          <a:outerShdw blurRad="38100" dist="38100" dir="2700000" algn="tl">
+                            <a:srgbClr val="000000">
+                              <a:alpha val="43137"/>
+                            </a:srgbClr>
+                          </a:outerShdw>
+                        </a:effectLst>
+                      </a:endParaRPr>
+                    </a:p>
+                  </a:txBody>
+                  <a:tcPr anchor="ctr">
+                    <a:lnL w="12700" cap="flat" cmpd="sng" algn="ctr">
+                      <a:solidFill>
+                        <a:schemeClr val="tx1"/>
+                      </a:solidFill>
+                      <a:prstDash val="solid"/>
+                      <a:round/>
+                      <a:headEnd type="none" w="med" len="med"/>
+                      <a:tailEnd type="none" w="med" len="med"/>
+                    </a:lnL>
+                    <a:lnR w="12700" cap="flat" cmpd="sng" algn="ctr">
+                      <a:solidFill>
+                        <a:schemeClr val="tx1"/>
+                      </a:solidFill>
+                      <a:prstDash val="solid"/>
+                      <a:round/>
+                      <a:headEnd type="none" w="med" len="med"/>
+                      <a:tailEnd type="none" w="med" len="med"/>
+                    </a:lnR>
+                    <a:lnT w="12700" cap="flat" cmpd="sng" algn="ctr">
+                      <a:solidFill>
+                        <a:schemeClr val="tx1"/>
+                      </a:solidFill>
+                      <a:prstDash val="solid"/>
+                      <a:round/>
+                      <a:headEnd type="none" w="med" len="med"/>
+                      <a:tailEnd type="none" w="med" len="med"/>
+                    </a:lnT>
+                    <a:lnB w="12700" cap="flat" cmpd="sng" algn="ctr">
+                      <a:solidFill>
+                        <a:schemeClr val="tx1"/>
+                      </a:solidFill>
+                      <a:prstDash val="solid"/>
+                      <a:round/>
+                      <a:headEnd type="none" w="med" len="med"/>
+                      <a:tailEnd type="none" w="med" len="med"/>
+                    </a:lnB>
+                  </a:tcPr>
+                </a:tc>
+              </a:tr>
+              <a:tr h="362917">
+                <a:tc>
+                  <a:txBody>
+                    <a:bodyPr/>
+                    <a:lstStyle/>
+                    <a:p>
+                      <a:pPr algn="ctr"/>
+                      <a:r>
+                        <a:rPr lang="en-US" sz="3200" dirty="0" smtClean="0">
+                          <a:solidFill>
+                            <a:srgbClr val="00B050"/>
+                          </a:solidFill>
+                          <a:effectLst>
+                            <a:outerShdw blurRad="38100" dist="38100" dir="2700000" algn="tl">
+                              <a:srgbClr val="000000">
+                                <a:alpha val="43137"/>
+                              </a:srgbClr>
+                            </a:outerShdw>
+                          </a:effectLst>
+                        </a:rPr>
+                        <a:t>2</a:t>
+                      </a:r>
+                      <a:endParaRPr lang="en-AU" sz="3200" dirty="0">
+                        <a:solidFill>
+                          <a:srgbClr val="00B050"/>
+                        </a:solidFill>
+                        <a:effectLst>
+                          <a:outerShdw blurRad="38100" dist="38100" dir="2700000" algn="tl">
+                            <a:srgbClr val="000000">
+                              <a:alpha val="43137"/>
+                            </a:srgbClr>
+                          </a:outerShdw>
+                        </a:effectLst>
+                      </a:endParaRPr>
+                    </a:p>
+                  </a:txBody>
+                  <a:tcPr anchor="ctr">
+                    <a:lnL w="12700" cap="flat" cmpd="sng" algn="ctr">
+                      <a:solidFill>
+                        <a:schemeClr val="tx1"/>
+                      </a:solidFill>
+                      <a:prstDash val="solid"/>
+                      <a:round/>
+                      <a:headEnd type="none" w="med" len="med"/>
+                      <a:tailEnd type="none" w="med" len="med"/>
+                    </a:lnL>
+                    <a:lnR w="12700" cap="flat" cmpd="sng" algn="ctr">
+                      <a:solidFill>
+                        <a:schemeClr val="tx1"/>
+                      </a:solidFill>
+                      <a:prstDash val="solid"/>
+                      <a:round/>
+                      <a:headEnd type="none" w="med" len="med"/>
+                      <a:tailEnd type="none" w="med" len="med"/>
+                    </a:lnR>
+                    <a:lnT w="12700" cap="flat" cmpd="sng" algn="ctr">
+                      <a:solidFill>
+                        <a:schemeClr val="tx1"/>
+                      </a:solidFill>
+                      <a:prstDash val="solid"/>
+                      <a:round/>
+                      <a:headEnd type="none" w="med" len="med"/>
+                      <a:tailEnd type="none" w="med" len="med"/>
+                    </a:lnT>
+                    <a:lnB w="12700" cap="flat" cmpd="sng" algn="ctr">
+                      <a:solidFill>
+                        <a:schemeClr val="tx1"/>
+                      </a:solidFill>
+                      <a:prstDash val="solid"/>
+                      <a:round/>
+                      <a:headEnd type="none" w="med" len="med"/>
+                      <a:tailEnd type="none" w="med" len="med"/>
+                    </a:lnB>
+                  </a:tcPr>
+                </a:tc>
+              </a:tr>
+              <a:tr h="362917">
+                <a:tc>
+                  <a:txBody>
+                    <a:bodyPr/>
+                    <a:lstStyle/>
+                    <a:p>
+                      <a:pPr algn="ctr"/>
+                      <a:r>
+                        <a:rPr lang="en-US" sz="3200" dirty="0" smtClean="0">
+                          <a:solidFill>
+                            <a:srgbClr val="00B0F0"/>
+                          </a:solidFill>
+                          <a:effectLst>
+                            <a:outerShdw blurRad="38100" dist="38100" dir="2700000" algn="tl">
+                              <a:srgbClr val="000000">
+                                <a:alpha val="43137"/>
+                              </a:srgbClr>
+                            </a:outerShdw>
+                          </a:effectLst>
+                        </a:rPr>
+                        <a:t>3</a:t>
+                      </a:r>
+                      <a:endParaRPr lang="en-AU" sz="3200" dirty="0">
+                        <a:solidFill>
+                          <a:srgbClr val="00B0F0"/>
+                        </a:solidFill>
+                        <a:effectLst>
+                          <a:outerShdw blurRad="38100" dist="38100" dir="2700000" algn="tl">
+                            <a:srgbClr val="000000">
+                              <a:alpha val="43137"/>
+                            </a:srgbClr>
+                          </a:outerShdw>
+                        </a:effectLst>
+                      </a:endParaRPr>
+                    </a:p>
+                  </a:txBody>
+                  <a:tcPr anchor="ctr">
+                    <a:lnL w="12700" cap="flat" cmpd="sng" algn="ctr">
+                      <a:solidFill>
+                        <a:schemeClr val="tx1"/>
+                      </a:solidFill>
+                      <a:prstDash val="solid"/>
+                      <a:round/>
+                      <a:headEnd type="none" w="med" len="med"/>
+                      <a:tailEnd type="none" w="med" len="med"/>
+                    </a:lnL>
+                    <a:lnR w="12700" cap="flat" cmpd="sng" algn="ctr">
+                      <a:solidFill>
+                        <a:schemeClr val="tx1"/>
+                      </a:solidFill>
+                      <a:prstDash val="solid"/>
+                      <a:round/>
+                      <a:headEnd type="none" w="med" len="med"/>
+                      <a:tailEnd type="none" w="med" len="med"/>
+                    </a:lnR>
+                    <a:lnT w="12700" cap="flat" cmpd="sng" algn="ctr">
+                      <a:solidFill>
+                        <a:schemeClr val="tx1"/>
+                      </a:solidFill>
+                      <a:prstDash val="solid"/>
+                      <a:round/>
+                      <a:headEnd type="none" w="med" len="med"/>
+                      <a:tailEnd type="none" w="med" len="med"/>
+                    </a:lnT>
+                    <a:lnB w="12700" cap="flat" cmpd="sng" algn="ctr">
+                      <a:solidFill>
+                        <a:schemeClr val="tx1"/>
+                      </a:solidFill>
+                      <a:prstDash val="solid"/>
+                      <a:round/>
+                      <a:headEnd type="none" w="med" len="med"/>
+                      <a:tailEnd type="none" w="med" len="med"/>
+                    </a:lnB>
+                  </a:tcPr>
+                </a:tc>
+              </a:tr>
+              <a:tr h="362917">
+                <a:tc>
+                  <a:txBody>
+                    <a:bodyPr/>
+                    <a:lstStyle/>
+                    <a:p>
+                      <a:pPr algn="ctr"/>
+                      <a:r>
+                        <a:rPr lang="en-US" sz="3200" dirty="0" smtClean="0">
+                          <a:solidFill>
+                            <a:srgbClr val="FF0000"/>
+                          </a:solidFill>
+                          <a:effectLst>
+                            <a:outerShdw blurRad="38100" dist="38100" dir="2700000" algn="tl">
+                              <a:srgbClr val="000000">
+                                <a:alpha val="43137"/>
+                              </a:srgbClr>
+                            </a:outerShdw>
+                          </a:effectLst>
+                        </a:rPr>
+                        <a:t>4</a:t>
+                      </a:r>
+                      <a:endParaRPr lang="en-AU" sz="3200" dirty="0">
+                        <a:solidFill>
+                          <a:srgbClr val="FF0000"/>
+                        </a:solidFill>
+                        <a:effectLst>
+                          <a:outerShdw blurRad="38100" dist="38100" dir="2700000" algn="tl">
+                            <a:srgbClr val="000000">
+                              <a:alpha val="43137"/>
+                            </a:srgbClr>
+                          </a:outerShdw>
+                        </a:effectLst>
+                      </a:endParaRPr>
+                    </a:p>
+                  </a:txBody>
+                  <a:tcPr anchor="ctr">
+                    <a:lnL w="12700" cap="flat" cmpd="sng" algn="ctr">
+                      <a:solidFill>
+                        <a:schemeClr val="tx1"/>
+                      </a:solidFill>
+                      <a:prstDash val="solid"/>
+                      <a:round/>
+                      <a:headEnd type="none" w="med" len="med"/>
+                      <a:tailEnd type="none" w="med" len="med"/>
+                    </a:lnL>
+                    <a:lnR w="12700" cap="flat" cmpd="sng" algn="ctr">
+                      <a:solidFill>
+                        <a:schemeClr val="tx1"/>
+                      </a:solidFill>
+                      <a:prstDash val="solid"/>
+                      <a:round/>
+                      <a:headEnd type="none" w="med" len="med"/>
+                      <a:tailEnd type="none" w="med" len="med"/>
+                    </a:lnR>
+                    <a:lnT w="12700" cap="flat" cmpd="sng" algn="ctr">
+                      <a:solidFill>
+                        <a:schemeClr val="tx1"/>
+                      </a:solidFill>
+                      <a:prstDash val="solid"/>
+                      <a:round/>
+                      <a:headEnd type="none" w="med" len="med"/>
+                      <a:tailEnd type="none" w="med" len="med"/>
+                    </a:lnT>
+                    <a:lnB w="12700" cap="flat" cmpd="sng" algn="ctr">
+                      <a:solidFill>
+                        <a:schemeClr val="tx1"/>
+                      </a:solidFill>
+                      <a:prstDash val="solid"/>
+                      <a:round/>
+                      <a:headEnd type="none" w="med" len="med"/>
+                      <a:tailEnd type="none" w="med" len="med"/>
+                    </a:lnB>
+                  </a:tcPr>
+                </a:tc>
+              </a:tr>
+              <a:tr h="362917">
+                <a:tc>
+                  <a:txBody>
+                    <a:bodyPr/>
+                    <a:lstStyle/>
+                    <a:p>
+                      <a:pPr algn="ctr"/>
+                      <a:r>
+                        <a:rPr lang="en-US" sz="3200" dirty="0" smtClean="0">
+                          <a:solidFill>
+                            <a:srgbClr val="00B050"/>
+                          </a:solidFill>
+                          <a:effectLst>
+                            <a:outerShdw blurRad="38100" dist="38100" dir="2700000" algn="tl">
+                              <a:srgbClr val="000000">
+                                <a:alpha val="43137"/>
+                              </a:srgbClr>
+                            </a:outerShdw>
+                          </a:effectLst>
+                        </a:rPr>
+                        <a:t>5</a:t>
+                      </a:r>
+                      <a:endParaRPr lang="en-AU" sz="3200" dirty="0">
+                        <a:solidFill>
+                          <a:srgbClr val="00B050"/>
+                        </a:solidFill>
+                        <a:effectLst>
+                          <a:outerShdw blurRad="38100" dist="38100" dir="2700000" algn="tl">
+                            <a:srgbClr val="000000">
+                              <a:alpha val="43137"/>
+                            </a:srgbClr>
+                          </a:outerShdw>
+                        </a:effectLst>
+                      </a:endParaRPr>
+                    </a:p>
+                  </a:txBody>
+                  <a:tcPr anchor="ctr">
+                    <a:lnL w="12700" cap="flat" cmpd="sng" algn="ctr">
+                      <a:solidFill>
+                        <a:schemeClr val="tx1"/>
+                      </a:solidFill>
+                      <a:prstDash val="solid"/>
+                      <a:round/>
+                      <a:headEnd type="none" w="med" len="med"/>
+                      <a:tailEnd type="none" w="med" len="med"/>
+                    </a:lnL>
+                    <a:lnR w="12700" cap="flat" cmpd="sng" algn="ctr">
+                      <a:solidFill>
+                        <a:schemeClr val="tx1"/>
+                      </a:solidFill>
+                      <a:prstDash val="solid"/>
+                      <a:round/>
+                      <a:headEnd type="none" w="med" len="med"/>
+                      <a:tailEnd type="none" w="med" len="med"/>
+                    </a:lnR>
+                    <a:lnT w="12700" cap="flat" cmpd="sng" algn="ctr">
+                      <a:solidFill>
+                        <a:schemeClr val="tx1"/>
+                      </a:solidFill>
+                      <a:prstDash val="solid"/>
+                      <a:round/>
+                      <a:headEnd type="none" w="med" len="med"/>
+                      <a:tailEnd type="none" w="med" len="med"/>
+                    </a:lnT>
+                    <a:lnB w="12700" cap="flat" cmpd="sng" algn="ctr">
+                      <a:solidFill>
+                        <a:schemeClr val="tx1"/>
+                      </a:solidFill>
+                      <a:prstDash val="solid"/>
+                      <a:round/>
+                      <a:headEnd type="none" w="med" len="med"/>
+                      <a:tailEnd type="none" w="med" len="med"/>
+                    </a:lnB>
+                  </a:tcPr>
+                </a:tc>
+              </a:tr>
+              <a:tr h="362917">
+                <a:tc>
+                  <a:txBody>
+                    <a:bodyPr/>
+                    <a:lstStyle/>
+                    <a:p>
+                      <a:pPr algn="ctr"/>
+                      <a:r>
+                        <a:rPr lang="en-US" sz="3200" dirty="0" smtClean="0">
+                          <a:solidFill>
+                            <a:srgbClr val="00B0F0"/>
+                          </a:solidFill>
+                          <a:effectLst>
+                            <a:outerShdw blurRad="38100" dist="38100" dir="2700000" algn="tl">
+                              <a:srgbClr val="000000">
+                                <a:alpha val="43137"/>
+                              </a:srgbClr>
+                            </a:outerShdw>
+                          </a:effectLst>
+                        </a:rPr>
+                        <a:t>6</a:t>
+                      </a:r>
+                      <a:endParaRPr lang="en-AU" sz="3200" dirty="0">
+                        <a:solidFill>
+                          <a:srgbClr val="00B0F0"/>
+                        </a:solidFill>
+                        <a:effectLst>
+                          <a:outerShdw blurRad="38100" dist="38100" dir="2700000" algn="tl">
+                            <a:srgbClr val="000000">
+                              <a:alpha val="43137"/>
+                            </a:srgbClr>
+                          </a:outerShdw>
+                        </a:effectLst>
+                      </a:endParaRPr>
+                    </a:p>
+                  </a:txBody>
+                  <a:tcPr anchor="ctr">
+                    <a:lnL w="12700" cap="flat" cmpd="sng" algn="ctr">
+                      <a:solidFill>
+                        <a:schemeClr val="tx1"/>
+                      </a:solidFill>
+                      <a:prstDash val="solid"/>
+                      <a:round/>
+                      <a:headEnd type="none" w="med" len="med"/>
+                      <a:tailEnd type="none" w="med" len="med"/>
+                    </a:lnL>
+                    <a:lnR w="12700" cap="flat" cmpd="sng" algn="ctr">
+                      <a:solidFill>
+                        <a:schemeClr val="tx1"/>
+                      </a:solidFill>
+                      <a:prstDash val="solid"/>
+                      <a:round/>
+                      <a:headEnd type="none" w="med" len="med"/>
+                      <a:tailEnd type="none" w="med" len="med"/>
+                    </a:lnR>
+                    <a:lnT w="12700" cap="flat" cmpd="sng" algn="ctr">
+                      <a:solidFill>
+                        <a:schemeClr val="tx1"/>
+                      </a:solidFill>
+                      <a:prstDash val="solid"/>
+                      <a:round/>
+                      <a:headEnd type="none" w="med" len="med"/>
+                      <a:tailEnd type="none" w="med" len="med"/>
+                    </a:lnT>
+                    <a:lnB w="12700" cap="flat" cmpd="sng" algn="ctr">
+                      <a:solidFill>
+                        <a:schemeClr val="tx1"/>
+                      </a:solidFill>
+                      <a:prstDash val="solid"/>
+                      <a:round/>
+                      <a:headEnd type="none" w="med" len="med"/>
+                      <a:tailEnd type="none" w="med" len="med"/>
+                    </a:lnB>
+                  </a:tcPr>
+                </a:tc>
+              </a:tr>
+            </a:tbl>
+          </a:graphicData>
+        </a:graphic>
+      </p:graphicFrame>
+      <p:sp>
+        <p:nvSpPr>
+          <p:cNvPr id="70" name="TextBox 69"/>
+          <p:cNvSpPr txBox="1"/>
+          <p:nvPr/>
+        </p:nvSpPr>
+        <p:spPr>
+          <a:xfrm>
+            <a:off x="424412" y="20447675"/>
+            <a:ext cx="3060340" cy="830997"/>
+          </a:xfrm>
+          <a:prstGeom prst="rect">
+            <a:avLst/>
+          </a:prstGeom>
+          <a:noFill/>
+        </p:spPr>
+        <p:txBody>
+          <a:bodyPr wrap="square" rtlCol="0">
+            <a:spAutoFit/>
+          </a:bodyPr>
+          <a:lstStyle/>
+          <a:p>
+            <a:r>
+              <a:rPr lang="en-US" sz="2400" dirty="0" smtClean="0">
+                <a:latin typeface="Calibri" panose="020F0502020204030204" pitchFamily="34" charset="0"/>
+                <a:cs typeface="Consolas" panose="020B0609020204030204" pitchFamily="49" charset="0"/>
+              </a:rPr>
+              <a:t>Lists – processing 3 elements at once</a:t>
+            </a:r>
+            <a:endParaRPr lang="en-AU" sz="2400" dirty="0">
+              <a:latin typeface="Calibri" panose="020F0502020204030204" pitchFamily="34" charset="0"/>
+              <a:cs typeface="Consolas" panose="020B0609020204030204" pitchFamily="49" charset="0"/>
+            </a:endParaRPr>
+          </a:p>
+        </p:txBody>
+      </p:sp>
+      <p:cxnSp>
+        <p:nvCxnSpPr>
+          <p:cNvPr id="59" name="Straight Connector 58"/>
+          <p:cNvCxnSpPr/>
+          <p:nvPr/>
+        </p:nvCxnSpPr>
+        <p:spPr bwMode="auto">
+          <a:xfrm flipH="1">
+            <a:off x="9829304" y="21925086"/>
+            <a:ext cx="5134372" cy="0"/>
+          </a:xfrm>
+          <a:prstGeom prst="line">
+            <a:avLst/>
+          </a:prstGeom>
+          <a:solidFill>
+            <a:schemeClr val="accent1"/>
+          </a:solidFill>
+          <a:ln w="63500" cap="rnd" cmpd="sng" algn="ctr">
+            <a:solidFill>
+              <a:schemeClr val="tx1"/>
+            </a:solidFill>
+            <a:prstDash val="solid"/>
+            <a:round/>
+            <a:headEnd type="none" w="med" len="med"/>
+            <a:tailEnd type="none"/>
+          </a:ln>
+          <a:effectLst/>
+        </p:spPr>
+      </p:cxnSp>
+      <p:cxnSp>
+        <p:nvCxnSpPr>
+          <p:cNvPr id="66" name="Straight Connector 65"/>
+          <p:cNvCxnSpPr/>
+          <p:nvPr/>
+        </p:nvCxnSpPr>
+        <p:spPr bwMode="auto">
+          <a:xfrm>
+            <a:off x="9829304" y="21925086"/>
+            <a:ext cx="0" cy="665630"/>
+          </a:xfrm>
+          <a:prstGeom prst="line">
+            <a:avLst/>
+          </a:prstGeom>
+          <a:solidFill>
+            <a:schemeClr val="accent1"/>
+          </a:solidFill>
+          <a:ln w="63500" cap="flat" cmpd="sng" algn="ctr">
+            <a:solidFill>
+              <a:schemeClr val="tx1"/>
+            </a:solidFill>
+            <a:prstDash val="solid"/>
+            <a:round/>
+            <a:headEnd type="none" w="med" len="med"/>
+            <a:tailEnd type="none"/>
+          </a:ln>
+          <a:effectLst/>
+        </p:spPr>
+      </p:cxnSp>
     </p:spTree>
   </p:cSld>
   <p:clrMapOvr>
@@ -17874,66 +20706,22 @@
     </a:spDef>
     <a:lnDef>
       <a:spPr bwMode="auto">
-        <a:xfrm>
-          <a:off x="0" y="0"/>
-          <a:ext cx="1" cy="1"/>
-        </a:xfrm>
-        <a:custGeom>
-          <a:avLst/>
-          <a:gdLst/>
-          <a:ahLst/>
-          <a:cxnLst/>
-          <a:rect l="0" t="0" r="0" b="0"/>
-          <a:pathLst/>
-        </a:custGeom>
         <a:solidFill>
           <a:schemeClr val="accent1"/>
         </a:solidFill>
-        <a:ln w="9525" cap="flat" cmpd="sng" algn="ctr">
-          <a:noFill/>
+        <a:ln w="63500" cap="flat" cmpd="sng" algn="ctr">
+          <a:solidFill>
+            <a:schemeClr val="tx1"/>
+          </a:solidFill>
           <a:prstDash val="solid"/>
           <a:round/>
           <a:headEnd type="none" w="med" len="med"/>
-          <a:tailEnd type="none" w="med" len="med"/>
+          <a:tailEnd type="arrow"/>
         </a:ln>
         <a:effectLst/>
       </a:spPr>
-      <a:bodyPr vert="horz" wrap="none" lIns="91440" tIns="45720" rIns="91440" bIns="45720" numCol="1" anchor="ctr" anchorCtr="0" compatLnSpc="1">
-        <a:prstTxWarp prst="textNoShape">
-          <a:avLst/>
-        </a:prstTxWarp>
-        <a:spAutoFit/>
-      </a:bodyPr>
-      <a:lstStyle>
-        <a:defPPr marL="0" marR="0" indent="0" algn="ctr" defTabSz="914400" rtl="0" eaLnBrk="1" fontAlgn="base" latinLnBrk="0" hangingPunct="1">
-          <a:lnSpc>
-            <a:spcPct val="100000"/>
-          </a:lnSpc>
-          <a:spcBef>
-            <a:spcPct val="50000"/>
-          </a:spcBef>
-          <a:spcAft>
-            <a:spcPct val="0"/>
-          </a:spcAft>
-          <a:buClrTx/>
-          <a:buSzTx/>
-          <a:buFontTx/>
-          <a:buNone/>
-          <a:tabLst/>
-          <a:defRPr kumimoji="0" lang="en-US" sz="1400" b="0" i="0" u="none" strike="noStrike" cap="none" normalizeH="0" baseline="0">
-            <a:ln>
-              <a:noFill/>
-            </a:ln>
-            <a:solidFill>
-              <a:schemeClr val="tx1"/>
-            </a:solidFill>
-            <a:effectLst/>
-            <a:latin typeface="Arial" charset="0"/>
-            <a:ea typeface="Arial" charset="0"/>
-            <a:cs typeface="Arial" charset="0"/>
-          </a:defRPr>
-        </a:defPPr>
-      </a:lstStyle>
+      <a:bodyPr/>
+      <a:lstStyle/>
     </a:lnDef>
   </a:objectDefaults>
   <a:extraClrSchemeLst>

--- a/docs/Poster/Poster.pptx
+++ b/docs/Poster/Poster.pptx
@@ -17320,7 +17320,7 @@
         <p:spPr>
           <a:xfrm>
             <a:off x="864360" y="15572035"/>
-            <a:ext cx="9968400" cy="4068452"/>
+            <a:ext cx="9540293" cy="4068452"/>
           </a:xfrm>
           <a:prstGeom prst="rect">
             <a:avLst/>
@@ -20409,6 +20409,156 @@
           <a:effectLst/>
         </p:spPr>
       </p:cxnSp>
+      <p:sp>
+        <p:nvSpPr>
+          <p:cNvPr id="12" name="Down Arrow 11"/>
+          <p:cNvSpPr/>
+          <p:nvPr/>
+        </p:nvSpPr>
+        <p:spPr bwMode="auto">
+          <a:xfrm>
+            <a:off x="5037370" y="19836331"/>
+            <a:ext cx="1962000" cy="842400"/>
+          </a:xfrm>
+          <a:prstGeom prst="downArrow">
+            <a:avLst/>
+          </a:prstGeom>
+          <a:ln>
+            <a:headEnd type="none" w="med" len="med"/>
+            <a:tailEnd type="none" w="med" len="med"/>
+          </a:ln>
+        </p:spPr>
+        <p:style>
+          <a:lnRef idx="2">
+            <a:schemeClr val="accent4">
+              <a:shade val="50000"/>
+            </a:schemeClr>
+          </a:lnRef>
+          <a:fillRef idx="1">
+            <a:schemeClr val="accent4"/>
+          </a:fillRef>
+          <a:effectRef idx="0">
+            <a:schemeClr val="accent4"/>
+          </a:effectRef>
+          <a:fontRef idx="minor">
+            <a:schemeClr val="lt1"/>
+          </a:fontRef>
+        </p:style>
+        <p:txBody>
+          <a:bodyPr vert="horz" wrap="square" lIns="91440" tIns="45720" rIns="91440" bIns="45720" numCol="1" rtlCol="0" anchor="ctr" anchorCtr="0" compatLnSpc="1">
+            <a:prstTxWarp prst="textNoShape">
+              <a:avLst/>
+            </a:prstTxWarp>
+            <a:spAutoFit/>
+          </a:bodyPr>
+          <a:lstStyle/>
+          <a:p>
+            <a:pPr marL="0" marR="0" indent="0" algn="ctr" defTabSz="914400" rtl="0" eaLnBrk="1" fontAlgn="base" latinLnBrk="0" hangingPunct="1">
+              <a:lnSpc>
+                <a:spcPct val="100000"/>
+              </a:lnSpc>
+              <a:spcBef>
+                <a:spcPct val="50000"/>
+              </a:spcBef>
+              <a:spcAft>
+                <a:spcPct val="0"/>
+              </a:spcAft>
+              <a:buClrTx/>
+              <a:buSzTx/>
+              <a:buFontTx/>
+              <a:buNone/>
+              <a:tabLst/>
+            </a:pPr>
+            <a:endParaRPr kumimoji="0" lang="en-AU" sz="1400" b="0" i="0" u="none" strike="noStrike" cap="none" normalizeH="0" baseline="0">
+              <a:ln>
+                <a:noFill/>
+              </a:ln>
+              <a:solidFill>
+                <a:schemeClr val="tx1"/>
+              </a:solidFill>
+              <a:effectLst/>
+              <a:latin typeface="Arial" charset="0"/>
+              <a:ea typeface="Arial" charset="0"/>
+              <a:cs typeface="Arial" charset="0"/>
+            </a:endParaRPr>
+          </a:p>
+        </p:txBody>
+      </p:sp>
+      <p:sp>
+        <p:nvSpPr>
+          <p:cNvPr id="14" name="Right Arrow 13"/>
+          <p:cNvSpPr/>
+          <p:nvPr/>
+        </p:nvSpPr>
+        <p:spPr bwMode="auto">
+          <a:xfrm>
+            <a:off x="10498007" y="16616151"/>
+            <a:ext cx="842105" cy="1962855"/>
+          </a:xfrm>
+          <a:prstGeom prst="rightArrow">
+            <a:avLst/>
+          </a:prstGeom>
+          <a:ln>
+            <a:headEnd type="none" w="med" len="med"/>
+            <a:tailEnd type="none" w="med" len="med"/>
+          </a:ln>
+        </p:spPr>
+        <p:style>
+          <a:lnRef idx="2">
+            <a:schemeClr val="accent4">
+              <a:shade val="50000"/>
+            </a:schemeClr>
+          </a:lnRef>
+          <a:fillRef idx="1">
+            <a:schemeClr val="accent4"/>
+          </a:fillRef>
+          <a:effectRef idx="0">
+            <a:schemeClr val="accent4"/>
+          </a:effectRef>
+          <a:fontRef idx="minor">
+            <a:schemeClr val="lt1"/>
+          </a:fontRef>
+        </p:style>
+        <p:txBody>
+          <a:bodyPr vert="horz" wrap="square" lIns="91440" tIns="45720" rIns="91440" bIns="45720" numCol="1" rtlCol="0" anchor="ctr" anchorCtr="0" compatLnSpc="1">
+            <a:prstTxWarp prst="textNoShape">
+              <a:avLst/>
+            </a:prstTxWarp>
+            <a:spAutoFit/>
+          </a:bodyPr>
+          <a:lstStyle/>
+          <a:p>
+            <a:pPr marL="0" marR="0" indent="0" algn="ctr" defTabSz="914400" rtl="0" eaLnBrk="1" fontAlgn="base" latinLnBrk="0" hangingPunct="1">
+              <a:lnSpc>
+                <a:spcPct val="100000"/>
+              </a:lnSpc>
+              <a:spcBef>
+                <a:spcPct val="50000"/>
+              </a:spcBef>
+              <a:spcAft>
+                <a:spcPct val="0"/>
+              </a:spcAft>
+              <a:buClrTx/>
+              <a:buSzTx/>
+              <a:buFontTx/>
+              <a:buNone/>
+              <a:tabLst/>
+            </a:pPr>
+            <a:endParaRPr kumimoji="0" lang="en-AU" sz="1400" b="0" i="0" u="none" strike="noStrike" cap="none" normalizeH="0" baseline="0">
+              <a:ln>
+                <a:noFill/>
+              </a:ln>
+              <a:solidFill>
+                <a:schemeClr val="tx1"/>
+              </a:solidFill>
+              <a:effectLst/>
+              <a:latin typeface="Arial" charset="0"/>
+              <a:ea typeface="Arial" charset="0"/>
+              <a:cs typeface="Arial" charset="0"/>
+            </a:endParaRPr>
+          </a:p>
+        </p:txBody>
+      </p:sp>
     </p:spTree>
   </p:cSld>
   <p:clrMapOvr>
